--- a/doc/presentations/TeamLead1.pptx
+++ b/doc/presentations/TeamLead1.pptx
@@ -2,10 +2,13 @@
 <file path=ppt/presentation.xml><?xml version="1.0" encoding="utf-8"?>
 <p:presentation xmlns:a="http://schemas.openxmlformats.org/drawingml/2006/main" xmlns:r="http://schemas.openxmlformats.org/officeDocument/2006/relationships" xmlns:p="http://schemas.openxmlformats.org/presentationml/2006/main" saveSubsetFonts="1">
   <p:sldMasterIdLst>
-    <p:sldMasterId id="2147483648" r:id="rId1"/>
+    <p:sldMasterId id="2147483719" r:id="rId1"/>
   </p:sldMasterIdLst>
   <p:sldIdLst>
     <p:sldId id="256" r:id="rId2"/>
+    <p:sldId id="259" r:id="rId3"/>
+    <p:sldId id="260" r:id="rId4"/>
+    <p:sldId id="261" r:id="rId5"/>
   </p:sldIdLst>
   <p:sldSz cx="12192000" cy="6858000"/>
   <p:notesSz cx="6858000" cy="9144000"/>
@@ -13,7 +16,7 @@
     <a:defPPr>
       <a:defRPr lang="en-US"/>
     </a:defPPr>
-    <a:lvl1pPr marL="0" algn="l" defTabSz="914400" rtl="0" eaLnBrk="1" latinLnBrk="0" hangingPunct="1">
+    <a:lvl1pPr marL="0" algn="l" defTabSz="457200" rtl="0" eaLnBrk="1" latinLnBrk="0" hangingPunct="1">
       <a:defRPr sz="1800" kern="1200">
         <a:solidFill>
           <a:schemeClr val="tx1"/>
@@ -23,7 +26,7 @@
         <a:cs typeface="+mn-cs"/>
       </a:defRPr>
     </a:lvl1pPr>
-    <a:lvl2pPr marL="457200" algn="l" defTabSz="914400" rtl="0" eaLnBrk="1" latinLnBrk="0" hangingPunct="1">
+    <a:lvl2pPr marL="457200" algn="l" defTabSz="457200" rtl="0" eaLnBrk="1" latinLnBrk="0" hangingPunct="1">
       <a:defRPr sz="1800" kern="1200">
         <a:solidFill>
           <a:schemeClr val="tx1"/>
@@ -33,7 +36,7 @@
         <a:cs typeface="+mn-cs"/>
       </a:defRPr>
     </a:lvl2pPr>
-    <a:lvl3pPr marL="914400" algn="l" defTabSz="914400" rtl="0" eaLnBrk="1" latinLnBrk="0" hangingPunct="1">
+    <a:lvl3pPr marL="914400" algn="l" defTabSz="457200" rtl="0" eaLnBrk="1" latinLnBrk="0" hangingPunct="1">
       <a:defRPr sz="1800" kern="1200">
         <a:solidFill>
           <a:schemeClr val="tx1"/>
@@ -43,7 +46,7 @@
         <a:cs typeface="+mn-cs"/>
       </a:defRPr>
     </a:lvl3pPr>
-    <a:lvl4pPr marL="1371600" algn="l" defTabSz="914400" rtl="0" eaLnBrk="1" latinLnBrk="0" hangingPunct="1">
+    <a:lvl4pPr marL="1371600" algn="l" defTabSz="457200" rtl="0" eaLnBrk="1" latinLnBrk="0" hangingPunct="1">
       <a:defRPr sz="1800" kern="1200">
         <a:solidFill>
           <a:schemeClr val="tx1"/>
@@ -53,7 +56,7 @@
         <a:cs typeface="+mn-cs"/>
       </a:defRPr>
     </a:lvl4pPr>
-    <a:lvl5pPr marL="1828800" algn="l" defTabSz="914400" rtl="0" eaLnBrk="1" latinLnBrk="0" hangingPunct="1">
+    <a:lvl5pPr marL="1828800" algn="l" defTabSz="457200" rtl="0" eaLnBrk="1" latinLnBrk="0" hangingPunct="1">
       <a:defRPr sz="1800" kern="1200">
         <a:solidFill>
           <a:schemeClr val="tx1"/>
@@ -63,7 +66,7 @@
         <a:cs typeface="+mn-cs"/>
       </a:defRPr>
     </a:lvl5pPr>
-    <a:lvl6pPr marL="2286000" algn="l" defTabSz="914400" rtl="0" eaLnBrk="1" latinLnBrk="0" hangingPunct="1">
+    <a:lvl6pPr marL="2286000" algn="l" defTabSz="457200" rtl="0" eaLnBrk="1" latinLnBrk="0" hangingPunct="1">
       <a:defRPr sz="1800" kern="1200">
         <a:solidFill>
           <a:schemeClr val="tx1"/>
@@ -73,7 +76,7 @@
         <a:cs typeface="+mn-cs"/>
       </a:defRPr>
     </a:lvl6pPr>
-    <a:lvl7pPr marL="2743200" algn="l" defTabSz="914400" rtl="0" eaLnBrk="1" latinLnBrk="0" hangingPunct="1">
+    <a:lvl7pPr marL="2743200" algn="l" defTabSz="457200" rtl="0" eaLnBrk="1" latinLnBrk="0" hangingPunct="1">
       <a:defRPr sz="1800" kern="1200">
         <a:solidFill>
           <a:schemeClr val="tx1"/>
@@ -83,7 +86,7 @@
         <a:cs typeface="+mn-cs"/>
       </a:defRPr>
     </a:lvl7pPr>
-    <a:lvl8pPr marL="3200400" algn="l" defTabSz="914400" rtl="0" eaLnBrk="1" latinLnBrk="0" hangingPunct="1">
+    <a:lvl8pPr marL="3200400" algn="l" defTabSz="457200" rtl="0" eaLnBrk="1" latinLnBrk="0" hangingPunct="1">
       <a:defRPr sz="1800" kern="1200">
         <a:solidFill>
           <a:schemeClr val="tx1"/>
@@ -93,7 +96,7 @@
         <a:cs typeface="+mn-cs"/>
       </a:defRPr>
     </a:lvl8pPr>
-    <a:lvl9pPr marL="3657600" algn="l" defTabSz="914400" rtl="0" eaLnBrk="1" latinLnBrk="0" hangingPunct="1">
+    <a:lvl9pPr marL="3657600" algn="l" defTabSz="457200" rtl="0" eaLnBrk="1" latinLnBrk="0" hangingPunct="1">
       <a:defRPr sz="1800" kern="1200">
         <a:solidFill>
           <a:schemeClr val="tx1"/>
@@ -104,6 +107,11 @@
       </a:defRPr>
     </a:lvl9pPr>
   </p:defaultTextStyle>
+  <p:extLst>
+    <p:ext uri="{EFAFB233-063F-42B5-8137-9DF3F51BA10A}">
+      <p15:sldGuideLst xmlns:p15="http://schemas.microsoft.com/office/powerpoint/2012/main"/>
+    </p:ext>
+  </p:extLst>
 </p:presentation>
 </file>
 
@@ -126,13 +134,7 @@
       </p:grpSpPr>
       <p:sp>
         <p:nvSpPr>
-          <p:cNvPr id="2" name="Title 1">
-            <a:extLst>
-              <a:ext uri="{FF2B5EF4-FFF2-40B4-BE49-F238E27FC236}">
-                <a16:creationId xmlns:a16="http://schemas.microsoft.com/office/drawing/2014/main" id="{70139EBD-DD58-42A5-BC43-68AF349A0681}"/>
-              </a:ext>
-            </a:extLst>
-          </p:cNvPr>
+          <p:cNvPr id="2" name="Title 1"/>
           <p:cNvSpPr>
             <a:spLocks noGrp="1"/>
           </p:cNvSpPr>
@@ -142,15 +144,17 @@
         </p:nvSpPr>
         <p:spPr>
           <a:xfrm>
-            <a:off x="1524000" y="1122363"/>
-            <a:ext cx="9144000" cy="2387600"/>
+            <a:off x="1595269" y="1122363"/>
+            <a:ext cx="9001462" cy="2387600"/>
           </a:xfrm>
         </p:spPr>
         <p:txBody>
-          <a:bodyPr anchor="b"/>
+          <a:bodyPr anchor="b">
+            <a:normAutofit/>
+          </a:bodyPr>
           <a:lstStyle>
             <a:lvl1pPr algn="ctr">
-              <a:defRPr sz="6000"/>
+              <a:defRPr sz="4800"/>
             </a:lvl1pPr>
           </a:lstStyle>
           <a:p>
@@ -158,18 +162,13 @@
               <a:rPr lang="en-US"/>
               <a:t>Click to edit Master title style</a:t>
             </a:r>
-          </a:p>
-        </p:txBody>
-      </p:sp>
-      <p:sp>
-        <p:nvSpPr>
-          <p:cNvPr id="3" name="Subtitle 2">
-            <a:extLst>
-              <a:ext uri="{FF2B5EF4-FFF2-40B4-BE49-F238E27FC236}">
-                <a16:creationId xmlns:a16="http://schemas.microsoft.com/office/drawing/2014/main" id="{ABB89801-1731-45E8-9FFC-A5B9B4621D06}"/>
-              </a:ext>
-            </a:extLst>
-          </p:cNvPr>
+            <a:endParaRPr lang="en-US" dirty="0"/>
+          </a:p>
+        </p:txBody>
+      </p:sp>
+      <p:sp>
+        <p:nvSpPr>
+          <p:cNvPr id="3" name="Subtitle 2"/>
           <p:cNvSpPr>
             <a:spLocks noGrp="1"/>
           </p:cNvSpPr>
@@ -179,8 +178,8 @@
         </p:nvSpPr>
         <p:spPr>
           <a:xfrm>
-            <a:off x="1524000" y="3602038"/>
-            <a:ext cx="9144000" cy="1655762"/>
+            <a:off x="1595269" y="3602038"/>
+            <a:ext cx="9001462" cy="1655762"/>
           </a:xfrm>
         </p:spPr>
         <p:txBody>
@@ -228,18 +227,13 @@
               <a:rPr lang="en-US"/>
               <a:t>Click to edit Master subtitle style</a:t>
             </a:r>
-          </a:p>
-        </p:txBody>
-      </p:sp>
-      <p:sp>
-        <p:nvSpPr>
-          <p:cNvPr id="4" name="Date Placeholder 3">
-            <a:extLst>
-              <a:ext uri="{FF2B5EF4-FFF2-40B4-BE49-F238E27FC236}">
-                <a16:creationId xmlns:a16="http://schemas.microsoft.com/office/drawing/2014/main" id="{5DC0D4E3-7ECD-4320-8F63-05971462CD2A}"/>
-              </a:ext>
-            </a:extLst>
-          </p:cNvPr>
+            <a:endParaRPr lang="en-US" dirty="0"/>
+          </a:p>
+        </p:txBody>
+      </p:sp>
+      <p:sp>
+        <p:nvSpPr>
+          <p:cNvPr id="4" name="Date Placeholder 3"/>
           <p:cNvSpPr>
             <a:spLocks noGrp="1"/>
           </p:cNvSpPr>
@@ -262,13 +256,7 @@
       </p:sp>
       <p:sp>
         <p:nvSpPr>
-          <p:cNvPr id="5" name="Footer Placeholder 4">
-            <a:extLst>
-              <a:ext uri="{FF2B5EF4-FFF2-40B4-BE49-F238E27FC236}">
-                <a16:creationId xmlns:a16="http://schemas.microsoft.com/office/drawing/2014/main" id="{879E3BB2-45EA-4E94-ABFE-75934600F48D}"/>
-              </a:ext>
-            </a:extLst>
-          </p:cNvPr>
+          <p:cNvPr id="5" name="Footer Placeholder 4"/>
           <p:cNvSpPr>
             <a:spLocks noGrp="1"/>
           </p:cNvSpPr>
@@ -287,13 +275,7 @@
       </p:sp>
       <p:sp>
         <p:nvSpPr>
-          <p:cNvPr id="6" name="Slide Number Placeholder 5">
-            <a:extLst>
-              <a:ext uri="{FF2B5EF4-FFF2-40B4-BE49-F238E27FC236}">
-                <a16:creationId xmlns:a16="http://schemas.microsoft.com/office/drawing/2014/main" id="{99E0DBD1-3B06-4C88-A29B-D5B44CAB47C6}"/>
-              </a:ext>
-            </a:extLst>
-          </p:cNvPr>
+          <p:cNvPr id="6" name="Slide Number Placeholder 5"/>
           <p:cNvSpPr>
             <a:spLocks noGrp="1"/>
           </p:cNvSpPr>
@@ -314,10 +296,46 @@
           </a:p>
         </p:txBody>
       </p:sp>
+      <p:pic>
+        <p:nvPicPr>
+          <p:cNvPr id="9" name="Picture 8" descr="A picture containing text, clipart&#10;&#10;Description automatically generated">
+            <a:extLst>
+              <a:ext uri="{FF2B5EF4-FFF2-40B4-BE49-F238E27FC236}">
+                <a16:creationId xmlns:a16="http://schemas.microsoft.com/office/drawing/2014/main" id="{3741228C-57E5-46ED-83B0-167EAC28FA2A}"/>
+              </a:ext>
+            </a:extLst>
+          </p:cNvPr>
+          <p:cNvPicPr>
+            <a:picLocks noChangeAspect="1"/>
+          </p:cNvPicPr>
+          <p:nvPr userDrawn="1"/>
+        </p:nvPicPr>
+        <p:blipFill>
+          <a:blip r:embed="rId2">
+            <a:extLst>
+              <a:ext uri="{28A0092B-C50C-407E-A947-70E740481C1C}">
+                <a14:useLocalDpi xmlns:a14="http://schemas.microsoft.com/office/drawing/2010/main" val="0"/>
+              </a:ext>
+            </a:extLst>
+          </a:blip>
+          <a:stretch>
+            <a:fillRect/>
+          </a:stretch>
+        </p:blipFill>
+        <p:spPr>
+          <a:xfrm>
+            <a:off x="10256079" y="0"/>
+            <a:ext cx="1935921" cy="1935921"/>
+          </a:xfrm>
+          <a:prstGeom prst="rect">
+            <a:avLst/>
+          </a:prstGeom>
+        </p:spPr>
+      </p:pic>
     </p:spTree>
     <p:extLst>
       <p:ext uri="{BB962C8B-B14F-4D97-AF65-F5344CB8AC3E}">
-        <p14:creationId xmlns:p14="http://schemas.microsoft.com/office/powerpoint/2010/main" val="2432910083"/>
+        <p14:creationId xmlns:p14="http://schemas.microsoft.com/office/powerpoint/2010/main" val="2645373704"/>
       </p:ext>
     </p:extLst>
   </p:cSld>
@@ -328,6 +346,2556 @@
 </file>
 
 <file path=ppt/slideLayouts/slideLayout10.xml><?xml version="1.0" encoding="utf-8"?>
+<p:sldLayout xmlns:a="http://schemas.openxmlformats.org/drawingml/2006/main" xmlns:r="http://schemas.openxmlformats.org/officeDocument/2006/relationships" xmlns:p="http://schemas.openxmlformats.org/presentationml/2006/main" preserve="1">
+  <p:cSld name="Panoramic Picture with Caption">
+    <p:spTree>
+      <p:nvGrpSpPr>
+        <p:cNvPr id="1" name=""/>
+        <p:cNvGrpSpPr/>
+        <p:nvPr/>
+      </p:nvGrpSpPr>
+      <p:grpSpPr>
+        <a:xfrm>
+          <a:off x="0" y="0"/>
+          <a:ext cx="0" cy="0"/>
+          <a:chOff x="0" y="0"/>
+          <a:chExt cx="0" cy="0"/>
+        </a:xfrm>
+      </p:grpSpPr>
+      <p:sp>
+        <p:nvSpPr>
+          <p:cNvPr id="2" name="Title 1"/>
+          <p:cNvSpPr>
+            <a:spLocks noGrp="1"/>
+          </p:cNvSpPr>
+          <p:nvPr>
+            <p:ph type="title"/>
+          </p:nvPr>
+        </p:nvSpPr>
+        <p:spPr>
+          <a:xfrm>
+            <a:off x="913806" y="4289372"/>
+            <a:ext cx="10367564" cy="819355"/>
+          </a:xfrm>
+        </p:spPr>
+        <p:txBody>
+          <a:bodyPr anchor="b">
+            <a:normAutofit/>
+          </a:bodyPr>
+          <a:lstStyle>
+            <a:lvl1pPr>
+              <a:defRPr sz="2800"/>
+            </a:lvl1pPr>
+          </a:lstStyle>
+          <a:p>
+            <a:r>
+              <a:rPr lang="en-US"/>
+              <a:t>Click to edit Master title style</a:t>
+            </a:r>
+            <a:endParaRPr lang="en-US" dirty="0"/>
+          </a:p>
+        </p:txBody>
+      </p:sp>
+      <p:sp>
+        <p:nvSpPr>
+          <p:cNvPr id="3" name="Picture Placeholder 2"/>
+          <p:cNvSpPr>
+            <a:spLocks noGrp="1" noChangeAspect="1"/>
+          </p:cNvSpPr>
+          <p:nvPr>
+            <p:ph type="pic" idx="1"/>
+          </p:nvPr>
+        </p:nvSpPr>
+        <p:spPr>
+          <a:xfrm>
+            <a:off x="913806" y="621321"/>
+            <a:ext cx="10367564" cy="3379735"/>
+          </a:xfrm>
+          <a:noFill/>
+          <a:ln w="190500" cap="sq">
+            <a:solidFill>
+              <a:srgbClr val="FFFFFF"/>
+            </a:solidFill>
+            <a:miter lim="800000"/>
+          </a:ln>
+          <a:effectLst>
+            <a:outerShdw blurRad="55000" dist="18000" dir="5400000" algn="tl" rotWithShape="0">
+              <a:srgbClr val="000000">
+                <a:alpha val="40000"/>
+              </a:srgbClr>
+            </a:outerShdw>
+          </a:effectLst>
+          <a:scene3d>
+            <a:camera prst="orthographicFront"/>
+            <a:lightRig rig="twoPt" dir="t">
+              <a:rot lat="0" lon="0" rev="7200000"/>
+            </a:lightRig>
+          </a:scene3d>
+          <a:sp3d>
+            <a:bevelT w="25400" h="19050"/>
+            <a:contourClr>
+              <a:srgbClr val="FFFFFF"/>
+            </a:contourClr>
+          </a:sp3d>
+        </p:spPr>
+        <p:txBody>
+          <a:bodyPr anchor="t"/>
+          <a:lstStyle>
+            <a:lvl1pPr marL="0" indent="0" algn="ctr">
+              <a:buNone/>
+              <a:defRPr sz="3200"/>
+            </a:lvl1pPr>
+            <a:lvl2pPr marL="457200" indent="0">
+              <a:buNone/>
+              <a:defRPr sz="2800"/>
+            </a:lvl2pPr>
+            <a:lvl3pPr marL="914400" indent="0">
+              <a:buNone/>
+              <a:defRPr sz="2400"/>
+            </a:lvl3pPr>
+            <a:lvl4pPr marL="1371600" indent="0">
+              <a:buNone/>
+              <a:defRPr sz="2000"/>
+            </a:lvl4pPr>
+            <a:lvl5pPr marL="1828800" indent="0">
+              <a:buNone/>
+              <a:defRPr sz="2000"/>
+            </a:lvl5pPr>
+            <a:lvl6pPr marL="2286000" indent="0">
+              <a:buNone/>
+              <a:defRPr sz="2000"/>
+            </a:lvl6pPr>
+            <a:lvl7pPr marL="2743200" indent="0">
+              <a:buNone/>
+              <a:defRPr sz="2000"/>
+            </a:lvl7pPr>
+            <a:lvl8pPr marL="3200400" indent="0">
+              <a:buNone/>
+              <a:defRPr sz="2000"/>
+            </a:lvl8pPr>
+            <a:lvl9pPr marL="3657600" indent="0">
+              <a:buNone/>
+              <a:defRPr sz="2000"/>
+            </a:lvl9pPr>
+          </a:lstStyle>
+          <a:p>
+            <a:r>
+              <a:rPr lang="en-US"/>
+              <a:t>Click icon to add picture</a:t>
+            </a:r>
+            <a:endParaRPr lang="en-US" dirty="0"/>
+          </a:p>
+        </p:txBody>
+      </p:sp>
+      <p:sp>
+        <p:nvSpPr>
+          <p:cNvPr id="4" name="Text Placeholder 3"/>
+          <p:cNvSpPr>
+            <a:spLocks noGrp="1"/>
+          </p:cNvSpPr>
+          <p:nvPr>
+            <p:ph type="body" sz="half" idx="2"/>
+          </p:nvPr>
+        </p:nvSpPr>
+        <p:spPr>
+          <a:xfrm>
+            <a:off x="913795" y="5108728"/>
+            <a:ext cx="10365998" cy="682472"/>
+          </a:xfrm>
+        </p:spPr>
+        <p:txBody>
+          <a:bodyPr>
+            <a:normAutofit/>
+          </a:bodyPr>
+          <a:lstStyle>
+            <a:lvl1pPr marL="0" indent="0" algn="ctr">
+              <a:buNone/>
+              <a:defRPr sz="1800"/>
+            </a:lvl1pPr>
+            <a:lvl2pPr marL="457200" indent="0">
+              <a:buNone/>
+              <a:defRPr sz="1400"/>
+            </a:lvl2pPr>
+            <a:lvl3pPr marL="914400" indent="0">
+              <a:buNone/>
+              <a:defRPr sz="1200"/>
+            </a:lvl3pPr>
+            <a:lvl4pPr marL="1371600" indent="0">
+              <a:buNone/>
+              <a:defRPr sz="1000"/>
+            </a:lvl4pPr>
+            <a:lvl5pPr marL="1828800" indent="0">
+              <a:buNone/>
+              <a:defRPr sz="1000"/>
+            </a:lvl5pPr>
+            <a:lvl6pPr marL="2286000" indent="0">
+              <a:buNone/>
+              <a:defRPr sz="1000"/>
+            </a:lvl6pPr>
+            <a:lvl7pPr marL="2743200" indent="0">
+              <a:buNone/>
+              <a:defRPr sz="1000"/>
+            </a:lvl7pPr>
+            <a:lvl8pPr marL="3200400" indent="0">
+              <a:buNone/>
+              <a:defRPr sz="1000"/>
+            </a:lvl8pPr>
+            <a:lvl9pPr marL="3657600" indent="0">
+              <a:buNone/>
+              <a:defRPr sz="1000"/>
+            </a:lvl9pPr>
+          </a:lstStyle>
+          <a:p>
+            <a:pPr lvl="0"/>
+            <a:r>
+              <a:rPr lang="en-US"/>
+              <a:t>Click to edit Master text styles</a:t>
+            </a:r>
+          </a:p>
+        </p:txBody>
+      </p:sp>
+      <p:sp>
+        <p:nvSpPr>
+          <p:cNvPr id="5" name="Date Placeholder 4"/>
+          <p:cNvSpPr>
+            <a:spLocks noGrp="1"/>
+          </p:cNvSpPr>
+          <p:nvPr>
+            <p:ph type="dt" sz="half" idx="10"/>
+          </p:nvPr>
+        </p:nvSpPr>
+        <p:spPr/>
+        <p:txBody>
+          <a:bodyPr/>
+          <a:lstStyle/>
+          <a:p>
+            <a:fld id="{C3DE38C2-8104-4866-9577-03258BAC6971}" type="datetimeFigureOut">
+              <a:rPr lang="en-US" smtClean="0"/>
+              <a:t>2/2/2022</a:t>
+            </a:fld>
+            <a:endParaRPr lang="en-US"/>
+          </a:p>
+        </p:txBody>
+      </p:sp>
+      <p:sp>
+        <p:nvSpPr>
+          <p:cNvPr id="6" name="Footer Placeholder 5"/>
+          <p:cNvSpPr>
+            <a:spLocks noGrp="1"/>
+          </p:cNvSpPr>
+          <p:nvPr>
+            <p:ph type="ftr" sz="quarter" idx="11"/>
+          </p:nvPr>
+        </p:nvSpPr>
+        <p:spPr/>
+        <p:txBody>
+          <a:bodyPr/>
+          <a:lstStyle/>
+          <a:p>
+            <a:endParaRPr lang="en-US"/>
+          </a:p>
+        </p:txBody>
+      </p:sp>
+      <p:sp>
+        <p:nvSpPr>
+          <p:cNvPr id="7" name="Slide Number Placeholder 6"/>
+          <p:cNvSpPr>
+            <a:spLocks noGrp="1"/>
+          </p:cNvSpPr>
+          <p:nvPr>
+            <p:ph type="sldNum" sz="quarter" idx="12"/>
+          </p:nvPr>
+        </p:nvSpPr>
+        <p:spPr/>
+        <p:txBody>
+          <a:bodyPr/>
+          <a:lstStyle/>
+          <a:p>
+            <a:fld id="{031B9EF9-8E9E-4B62-A9DE-27CF70A00852}" type="slidenum">
+              <a:rPr lang="en-US" smtClean="0"/>
+              <a:t>‹#›</a:t>
+            </a:fld>
+            <a:endParaRPr lang="en-US"/>
+          </a:p>
+        </p:txBody>
+      </p:sp>
+    </p:spTree>
+    <p:extLst>
+      <p:ext uri="{BB962C8B-B14F-4D97-AF65-F5344CB8AC3E}">
+        <p14:creationId xmlns:p14="http://schemas.microsoft.com/office/powerpoint/2010/main" val="4216435680"/>
+      </p:ext>
+    </p:extLst>
+  </p:cSld>
+  <p:clrMapOvr>
+    <a:masterClrMapping/>
+  </p:clrMapOvr>
+</p:sldLayout>
+</file>
+
+<file path=ppt/slideLayouts/slideLayout11.xml><?xml version="1.0" encoding="utf-8"?>
+<p:sldLayout xmlns:a="http://schemas.openxmlformats.org/drawingml/2006/main" xmlns:r="http://schemas.openxmlformats.org/officeDocument/2006/relationships" xmlns:p="http://schemas.openxmlformats.org/presentationml/2006/main" preserve="1">
+  <p:cSld name="Title and Caption">
+    <p:spTree>
+      <p:nvGrpSpPr>
+        <p:cNvPr id="1" name=""/>
+        <p:cNvGrpSpPr/>
+        <p:nvPr/>
+      </p:nvGrpSpPr>
+      <p:grpSpPr>
+        <a:xfrm>
+          <a:off x="0" y="0"/>
+          <a:ext cx="0" cy="0"/>
+          <a:chOff x="0" y="0"/>
+          <a:chExt cx="0" cy="0"/>
+        </a:xfrm>
+      </p:grpSpPr>
+      <p:sp>
+        <p:nvSpPr>
+          <p:cNvPr id="2" name="Title 1"/>
+          <p:cNvSpPr>
+            <a:spLocks noGrp="1"/>
+          </p:cNvSpPr>
+          <p:nvPr>
+            <p:ph type="title"/>
+          </p:nvPr>
+        </p:nvSpPr>
+        <p:spPr>
+          <a:xfrm>
+            <a:off x="913795" y="609600"/>
+            <a:ext cx="10353762" cy="3424859"/>
+          </a:xfrm>
+        </p:spPr>
+        <p:txBody>
+          <a:bodyPr anchor="ctr"/>
+          <a:lstStyle>
+            <a:lvl1pPr>
+              <a:defRPr sz="3200"/>
+            </a:lvl1pPr>
+          </a:lstStyle>
+          <a:p>
+            <a:r>
+              <a:rPr lang="en-US"/>
+              <a:t>Click to edit Master title style</a:t>
+            </a:r>
+            <a:endParaRPr lang="en-US" dirty="0"/>
+          </a:p>
+        </p:txBody>
+      </p:sp>
+      <p:sp>
+        <p:nvSpPr>
+          <p:cNvPr id="4" name="Text Placeholder 3"/>
+          <p:cNvSpPr>
+            <a:spLocks noGrp="1"/>
+          </p:cNvSpPr>
+          <p:nvPr>
+            <p:ph type="body" sz="half" idx="2"/>
+          </p:nvPr>
+        </p:nvSpPr>
+        <p:spPr>
+          <a:xfrm>
+            <a:off x="913795" y="4204820"/>
+            <a:ext cx="10353761" cy="1592186"/>
+          </a:xfrm>
+        </p:spPr>
+        <p:txBody>
+          <a:bodyPr anchor="ctr"/>
+          <a:lstStyle>
+            <a:lvl1pPr marL="0" indent="0" algn="ctr">
+              <a:buNone/>
+              <a:defRPr sz="1600"/>
+            </a:lvl1pPr>
+            <a:lvl2pPr marL="457200" indent="0">
+              <a:buNone/>
+              <a:defRPr sz="1400"/>
+            </a:lvl2pPr>
+            <a:lvl3pPr marL="914400" indent="0">
+              <a:buNone/>
+              <a:defRPr sz="1200"/>
+            </a:lvl3pPr>
+            <a:lvl4pPr marL="1371600" indent="0">
+              <a:buNone/>
+              <a:defRPr sz="1000"/>
+            </a:lvl4pPr>
+            <a:lvl5pPr marL="1828800" indent="0">
+              <a:buNone/>
+              <a:defRPr sz="1000"/>
+            </a:lvl5pPr>
+            <a:lvl6pPr marL="2286000" indent="0">
+              <a:buNone/>
+              <a:defRPr sz="1000"/>
+            </a:lvl6pPr>
+            <a:lvl7pPr marL="2743200" indent="0">
+              <a:buNone/>
+              <a:defRPr sz="1000"/>
+            </a:lvl7pPr>
+            <a:lvl8pPr marL="3200400" indent="0">
+              <a:buNone/>
+              <a:defRPr sz="1000"/>
+            </a:lvl8pPr>
+            <a:lvl9pPr marL="3657600" indent="0">
+              <a:buNone/>
+              <a:defRPr sz="1000"/>
+            </a:lvl9pPr>
+          </a:lstStyle>
+          <a:p>
+            <a:pPr lvl="0"/>
+            <a:r>
+              <a:rPr lang="en-US"/>
+              <a:t>Click to edit Master text styles</a:t>
+            </a:r>
+          </a:p>
+        </p:txBody>
+      </p:sp>
+      <p:sp>
+        <p:nvSpPr>
+          <p:cNvPr id="5" name="Date Placeholder 4"/>
+          <p:cNvSpPr>
+            <a:spLocks noGrp="1"/>
+          </p:cNvSpPr>
+          <p:nvPr>
+            <p:ph type="dt" sz="half" idx="10"/>
+          </p:nvPr>
+        </p:nvSpPr>
+        <p:spPr/>
+        <p:txBody>
+          <a:bodyPr/>
+          <a:lstStyle/>
+          <a:p>
+            <a:fld id="{C3DE38C2-8104-4866-9577-03258BAC6971}" type="datetimeFigureOut">
+              <a:rPr lang="en-US" smtClean="0"/>
+              <a:t>2/2/2022</a:t>
+            </a:fld>
+            <a:endParaRPr lang="en-US"/>
+          </a:p>
+        </p:txBody>
+      </p:sp>
+      <p:sp>
+        <p:nvSpPr>
+          <p:cNvPr id="6" name="Footer Placeholder 5"/>
+          <p:cNvSpPr>
+            <a:spLocks noGrp="1"/>
+          </p:cNvSpPr>
+          <p:nvPr>
+            <p:ph type="ftr" sz="quarter" idx="11"/>
+          </p:nvPr>
+        </p:nvSpPr>
+        <p:spPr/>
+        <p:txBody>
+          <a:bodyPr/>
+          <a:lstStyle/>
+          <a:p>
+            <a:endParaRPr lang="en-US"/>
+          </a:p>
+        </p:txBody>
+      </p:sp>
+      <p:sp>
+        <p:nvSpPr>
+          <p:cNvPr id="7" name="Slide Number Placeholder 6"/>
+          <p:cNvSpPr>
+            <a:spLocks noGrp="1"/>
+          </p:cNvSpPr>
+          <p:nvPr>
+            <p:ph type="sldNum" sz="quarter" idx="12"/>
+          </p:nvPr>
+        </p:nvSpPr>
+        <p:spPr/>
+        <p:txBody>
+          <a:bodyPr/>
+          <a:lstStyle/>
+          <a:p>
+            <a:fld id="{031B9EF9-8E9E-4B62-A9DE-27CF70A00852}" type="slidenum">
+              <a:rPr lang="en-US" smtClean="0"/>
+              <a:t>‹#›</a:t>
+            </a:fld>
+            <a:endParaRPr lang="en-US"/>
+          </a:p>
+        </p:txBody>
+      </p:sp>
+    </p:spTree>
+    <p:extLst>
+      <p:ext uri="{BB962C8B-B14F-4D97-AF65-F5344CB8AC3E}">
+        <p14:creationId xmlns:p14="http://schemas.microsoft.com/office/powerpoint/2010/main" val="2764402393"/>
+      </p:ext>
+    </p:extLst>
+  </p:cSld>
+  <p:clrMapOvr>
+    <a:masterClrMapping/>
+  </p:clrMapOvr>
+</p:sldLayout>
+</file>
+
+<file path=ppt/slideLayouts/slideLayout12.xml><?xml version="1.0" encoding="utf-8"?>
+<p:sldLayout xmlns:a="http://schemas.openxmlformats.org/drawingml/2006/main" xmlns:r="http://schemas.openxmlformats.org/officeDocument/2006/relationships" xmlns:p="http://schemas.openxmlformats.org/presentationml/2006/main" preserve="1">
+  <p:cSld name="Quote with Caption">
+    <p:spTree>
+      <p:nvGrpSpPr>
+        <p:cNvPr id="1" name=""/>
+        <p:cNvGrpSpPr/>
+        <p:nvPr/>
+      </p:nvGrpSpPr>
+      <p:grpSpPr>
+        <a:xfrm>
+          <a:off x="0" y="0"/>
+          <a:ext cx="0" cy="0"/>
+          <a:chOff x="0" y="0"/>
+          <a:chExt cx="0" cy="0"/>
+        </a:xfrm>
+      </p:grpSpPr>
+      <p:sp>
+        <p:nvSpPr>
+          <p:cNvPr id="2" name="Title 1"/>
+          <p:cNvSpPr>
+            <a:spLocks noGrp="1"/>
+          </p:cNvSpPr>
+          <p:nvPr>
+            <p:ph type="title"/>
+          </p:nvPr>
+        </p:nvSpPr>
+        <p:spPr>
+          <a:xfrm>
+            <a:off x="1446212" y="609600"/>
+            <a:ext cx="9302752" cy="2992904"/>
+          </a:xfrm>
+        </p:spPr>
+        <p:txBody>
+          <a:bodyPr anchor="ctr"/>
+          <a:lstStyle>
+            <a:lvl1pPr>
+              <a:defRPr sz="3200"/>
+            </a:lvl1pPr>
+          </a:lstStyle>
+          <a:p>
+            <a:r>
+              <a:rPr lang="en-US"/>
+              <a:t>Click to edit Master title style</a:t>
+            </a:r>
+            <a:endParaRPr lang="en-US" dirty="0"/>
+          </a:p>
+        </p:txBody>
+      </p:sp>
+      <p:sp>
+        <p:nvSpPr>
+          <p:cNvPr id="12" name="Text Placeholder 3"/>
+          <p:cNvSpPr>
+            <a:spLocks noGrp="1"/>
+          </p:cNvSpPr>
+          <p:nvPr>
+            <p:ph type="body" sz="half" idx="13"/>
+          </p:nvPr>
+        </p:nvSpPr>
+        <p:spPr>
+          <a:xfrm>
+            <a:off x="1720644" y="3610032"/>
+            <a:ext cx="8752299" cy="426812"/>
+          </a:xfrm>
+        </p:spPr>
+        <p:txBody>
+          <a:bodyPr anchor="t">
+            <a:normAutofit/>
+          </a:bodyPr>
+          <a:lstStyle>
+            <a:lvl1pPr marL="0" indent="0" algn="r">
+              <a:buNone/>
+              <a:defRPr sz="1400"/>
+            </a:lvl1pPr>
+            <a:lvl2pPr marL="457200" indent="0">
+              <a:buNone/>
+              <a:defRPr sz="1400"/>
+            </a:lvl2pPr>
+            <a:lvl3pPr marL="914400" indent="0">
+              <a:buNone/>
+              <a:defRPr sz="1200"/>
+            </a:lvl3pPr>
+            <a:lvl4pPr marL="1371600" indent="0">
+              <a:buNone/>
+              <a:defRPr sz="1000"/>
+            </a:lvl4pPr>
+            <a:lvl5pPr marL="1828800" indent="0">
+              <a:buNone/>
+              <a:defRPr sz="1000"/>
+            </a:lvl5pPr>
+            <a:lvl6pPr marL="2286000" indent="0">
+              <a:buNone/>
+              <a:defRPr sz="1000"/>
+            </a:lvl6pPr>
+            <a:lvl7pPr marL="2743200" indent="0">
+              <a:buNone/>
+              <a:defRPr sz="1000"/>
+            </a:lvl7pPr>
+            <a:lvl8pPr marL="3200400" indent="0">
+              <a:buNone/>
+              <a:defRPr sz="1000"/>
+            </a:lvl8pPr>
+            <a:lvl9pPr marL="3657600" indent="0">
+              <a:buNone/>
+              <a:defRPr sz="1000"/>
+            </a:lvl9pPr>
+          </a:lstStyle>
+          <a:p>
+            <a:pPr lvl="0"/>
+            <a:r>
+              <a:rPr lang="en-US"/>
+              <a:t>Click to edit Master text styles</a:t>
+            </a:r>
+          </a:p>
+        </p:txBody>
+      </p:sp>
+      <p:sp>
+        <p:nvSpPr>
+          <p:cNvPr id="4" name="Text Placeholder 3"/>
+          <p:cNvSpPr>
+            <a:spLocks noGrp="1"/>
+          </p:cNvSpPr>
+          <p:nvPr>
+            <p:ph type="body" sz="half" idx="2"/>
+          </p:nvPr>
+        </p:nvSpPr>
+        <p:spPr>
+          <a:xfrm>
+            <a:off x="913794" y="4204821"/>
+            <a:ext cx="10353762" cy="1586380"/>
+          </a:xfrm>
+        </p:spPr>
+        <p:txBody>
+          <a:bodyPr anchor="ctr">
+            <a:normAutofit/>
+          </a:bodyPr>
+          <a:lstStyle>
+            <a:lvl1pPr marL="0" indent="0" algn="ctr">
+              <a:buNone/>
+              <a:defRPr sz="1600"/>
+            </a:lvl1pPr>
+            <a:lvl2pPr marL="457200" indent="0">
+              <a:buNone/>
+              <a:defRPr sz="1400"/>
+            </a:lvl2pPr>
+            <a:lvl3pPr marL="914400" indent="0">
+              <a:buNone/>
+              <a:defRPr sz="1200"/>
+            </a:lvl3pPr>
+            <a:lvl4pPr marL="1371600" indent="0">
+              <a:buNone/>
+              <a:defRPr sz="1000"/>
+            </a:lvl4pPr>
+            <a:lvl5pPr marL="1828800" indent="0">
+              <a:buNone/>
+              <a:defRPr sz="1000"/>
+            </a:lvl5pPr>
+            <a:lvl6pPr marL="2286000" indent="0">
+              <a:buNone/>
+              <a:defRPr sz="1000"/>
+            </a:lvl6pPr>
+            <a:lvl7pPr marL="2743200" indent="0">
+              <a:buNone/>
+              <a:defRPr sz="1000"/>
+            </a:lvl7pPr>
+            <a:lvl8pPr marL="3200400" indent="0">
+              <a:buNone/>
+              <a:defRPr sz="1000"/>
+            </a:lvl8pPr>
+            <a:lvl9pPr marL="3657600" indent="0">
+              <a:buNone/>
+              <a:defRPr sz="1000"/>
+            </a:lvl9pPr>
+          </a:lstStyle>
+          <a:p>
+            <a:pPr lvl="0"/>
+            <a:r>
+              <a:rPr lang="en-US"/>
+              <a:t>Click to edit Master text styles</a:t>
+            </a:r>
+          </a:p>
+        </p:txBody>
+      </p:sp>
+      <p:sp>
+        <p:nvSpPr>
+          <p:cNvPr id="5" name="Date Placeholder 4"/>
+          <p:cNvSpPr>
+            <a:spLocks noGrp="1"/>
+          </p:cNvSpPr>
+          <p:nvPr>
+            <p:ph type="dt" sz="half" idx="10"/>
+          </p:nvPr>
+        </p:nvSpPr>
+        <p:spPr/>
+        <p:txBody>
+          <a:bodyPr/>
+          <a:lstStyle/>
+          <a:p>
+            <a:fld id="{C3DE38C2-8104-4866-9577-03258BAC6971}" type="datetimeFigureOut">
+              <a:rPr lang="en-US" smtClean="0"/>
+              <a:t>2/2/2022</a:t>
+            </a:fld>
+            <a:endParaRPr lang="en-US"/>
+          </a:p>
+        </p:txBody>
+      </p:sp>
+      <p:sp>
+        <p:nvSpPr>
+          <p:cNvPr id="6" name="Footer Placeholder 5"/>
+          <p:cNvSpPr>
+            <a:spLocks noGrp="1"/>
+          </p:cNvSpPr>
+          <p:nvPr>
+            <p:ph type="ftr" sz="quarter" idx="11"/>
+          </p:nvPr>
+        </p:nvSpPr>
+        <p:spPr/>
+        <p:txBody>
+          <a:bodyPr/>
+          <a:lstStyle/>
+          <a:p>
+            <a:endParaRPr lang="en-US"/>
+          </a:p>
+        </p:txBody>
+      </p:sp>
+      <p:sp>
+        <p:nvSpPr>
+          <p:cNvPr id="7" name="Slide Number Placeholder 6"/>
+          <p:cNvSpPr>
+            <a:spLocks noGrp="1"/>
+          </p:cNvSpPr>
+          <p:nvPr>
+            <p:ph type="sldNum" sz="quarter" idx="12"/>
+          </p:nvPr>
+        </p:nvSpPr>
+        <p:spPr/>
+        <p:txBody>
+          <a:bodyPr/>
+          <a:lstStyle/>
+          <a:p>
+            <a:fld id="{031B9EF9-8E9E-4B62-A9DE-27CF70A00852}" type="slidenum">
+              <a:rPr lang="en-US" smtClean="0"/>
+              <a:t>‹#›</a:t>
+            </a:fld>
+            <a:endParaRPr lang="en-US"/>
+          </a:p>
+        </p:txBody>
+      </p:sp>
+      <p:sp>
+        <p:nvSpPr>
+          <p:cNvPr id="11" name="TextBox 10"/>
+          <p:cNvSpPr txBox="1"/>
+          <p:nvPr/>
+        </p:nvSpPr>
+        <p:spPr>
+          <a:xfrm>
+            <a:off x="836612" y="735241"/>
+            <a:ext cx="609600" cy="584776"/>
+          </a:xfrm>
+          <a:prstGeom prst="rect">
+            <a:avLst/>
+          </a:prstGeom>
+        </p:spPr>
+        <p:txBody>
+          <a:bodyPr vert="horz" lIns="91440" tIns="45720" rIns="91440" bIns="45720" rtlCol="0" anchor="ctr">
+            <a:noAutofit/>
+          </a:bodyPr>
+          <a:lstStyle>
+            <a:lvl1pPr>
+              <a:spcBef>
+                <a:spcPct val="0"/>
+              </a:spcBef>
+              <a:buNone/>
+              <a:defRPr sz="3200" b="0" cap="all">
+                <a:ln w="3175" cmpd="sng">
+                  <a:noFill/>
+                </a:ln>
+                <a:effectLst>
+                  <a:glow rad="38100">
+                    <a:schemeClr val="bg1">
+                      <a:lumMod val="65000"/>
+                      <a:lumOff val="35000"/>
+                      <a:alpha val="40000"/>
+                    </a:schemeClr>
+                  </a:glow>
+                  <a:outerShdw blurRad="28575" dist="38100" dir="14040000" algn="tl" rotWithShape="0">
+                    <a:srgbClr val="000000">
+                      <a:alpha val="25000"/>
+                    </a:srgbClr>
+                  </a:outerShdw>
+                </a:effectLst>
+              </a:defRPr>
+            </a:lvl1pPr>
+            <a:lvl2pPr>
+              <a:defRPr>
+                <a:solidFill>
+                  <a:schemeClr val="tx2"/>
+                </a:solidFill>
+              </a:defRPr>
+            </a:lvl2pPr>
+            <a:lvl3pPr>
+              <a:defRPr>
+                <a:solidFill>
+                  <a:schemeClr val="tx2"/>
+                </a:solidFill>
+              </a:defRPr>
+            </a:lvl3pPr>
+            <a:lvl4pPr>
+              <a:defRPr>
+                <a:solidFill>
+                  <a:schemeClr val="tx2"/>
+                </a:solidFill>
+              </a:defRPr>
+            </a:lvl4pPr>
+            <a:lvl5pPr>
+              <a:defRPr>
+                <a:solidFill>
+                  <a:schemeClr val="tx2"/>
+                </a:solidFill>
+              </a:defRPr>
+            </a:lvl5pPr>
+            <a:lvl6pPr>
+              <a:defRPr>
+                <a:solidFill>
+                  <a:schemeClr val="tx2"/>
+                </a:solidFill>
+              </a:defRPr>
+            </a:lvl6pPr>
+            <a:lvl7pPr>
+              <a:defRPr>
+                <a:solidFill>
+                  <a:schemeClr val="tx2"/>
+                </a:solidFill>
+              </a:defRPr>
+            </a:lvl7pPr>
+            <a:lvl8pPr>
+              <a:defRPr>
+                <a:solidFill>
+                  <a:schemeClr val="tx2"/>
+                </a:solidFill>
+              </a:defRPr>
+            </a:lvl8pPr>
+            <a:lvl9pPr>
+              <a:defRPr>
+                <a:solidFill>
+                  <a:schemeClr val="tx2"/>
+                </a:solidFill>
+              </a:defRPr>
+            </a:lvl9pPr>
+          </a:lstStyle>
+          <a:p>
+            <a:pPr lvl="0"/>
+            <a:r>
+              <a:rPr lang="en-US" sz="8000" dirty="0">
+                <a:solidFill>
+                  <a:schemeClr val="tx1"/>
+                </a:solidFill>
+                <a:effectLst/>
+              </a:rPr>
+              <a:t>“</a:t>
+            </a:r>
+          </a:p>
+        </p:txBody>
+      </p:sp>
+      <p:sp>
+        <p:nvSpPr>
+          <p:cNvPr id="13" name="TextBox 12"/>
+          <p:cNvSpPr txBox="1"/>
+          <p:nvPr/>
+        </p:nvSpPr>
+        <p:spPr>
+          <a:xfrm>
+            <a:off x="10657956" y="2972093"/>
+            <a:ext cx="609600" cy="584776"/>
+          </a:xfrm>
+          <a:prstGeom prst="rect">
+            <a:avLst/>
+          </a:prstGeom>
+        </p:spPr>
+        <p:txBody>
+          <a:bodyPr vert="horz" lIns="91440" tIns="45720" rIns="91440" bIns="45720" rtlCol="0" anchor="ctr">
+            <a:noAutofit/>
+          </a:bodyPr>
+          <a:lstStyle>
+            <a:lvl1pPr>
+              <a:spcBef>
+                <a:spcPct val="0"/>
+              </a:spcBef>
+              <a:buNone/>
+              <a:defRPr sz="3200" b="0" cap="all">
+                <a:ln w="3175" cmpd="sng">
+                  <a:noFill/>
+                </a:ln>
+                <a:effectLst>
+                  <a:glow rad="38100">
+                    <a:schemeClr val="bg1">
+                      <a:lumMod val="65000"/>
+                      <a:lumOff val="35000"/>
+                      <a:alpha val="40000"/>
+                    </a:schemeClr>
+                  </a:glow>
+                  <a:outerShdw blurRad="28575" dist="38100" dir="14040000" algn="tl" rotWithShape="0">
+                    <a:srgbClr val="000000">
+                      <a:alpha val="25000"/>
+                    </a:srgbClr>
+                  </a:outerShdw>
+                </a:effectLst>
+              </a:defRPr>
+            </a:lvl1pPr>
+            <a:lvl2pPr>
+              <a:defRPr>
+                <a:solidFill>
+                  <a:schemeClr val="tx2"/>
+                </a:solidFill>
+              </a:defRPr>
+            </a:lvl2pPr>
+            <a:lvl3pPr>
+              <a:defRPr>
+                <a:solidFill>
+                  <a:schemeClr val="tx2"/>
+                </a:solidFill>
+              </a:defRPr>
+            </a:lvl3pPr>
+            <a:lvl4pPr>
+              <a:defRPr>
+                <a:solidFill>
+                  <a:schemeClr val="tx2"/>
+                </a:solidFill>
+              </a:defRPr>
+            </a:lvl4pPr>
+            <a:lvl5pPr>
+              <a:defRPr>
+                <a:solidFill>
+                  <a:schemeClr val="tx2"/>
+                </a:solidFill>
+              </a:defRPr>
+            </a:lvl5pPr>
+            <a:lvl6pPr>
+              <a:defRPr>
+                <a:solidFill>
+                  <a:schemeClr val="tx2"/>
+                </a:solidFill>
+              </a:defRPr>
+            </a:lvl6pPr>
+            <a:lvl7pPr>
+              <a:defRPr>
+                <a:solidFill>
+                  <a:schemeClr val="tx2"/>
+                </a:solidFill>
+              </a:defRPr>
+            </a:lvl7pPr>
+            <a:lvl8pPr>
+              <a:defRPr>
+                <a:solidFill>
+                  <a:schemeClr val="tx2"/>
+                </a:solidFill>
+              </a:defRPr>
+            </a:lvl8pPr>
+            <a:lvl9pPr>
+              <a:defRPr>
+                <a:solidFill>
+                  <a:schemeClr val="tx2"/>
+                </a:solidFill>
+              </a:defRPr>
+            </a:lvl9pPr>
+          </a:lstStyle>
+          <a:p>
+            <a:pPr lvl="0" algn="r"/>
+            <a:r>
+              <a:rPr lang="en-US" sz="8000" dirty="0">
+                <a:solidFill>
+                  <a:schemeClr val="tx1"/>
+                </a:solidFill>
+                <a:effectLst/>
+              </a:rPr>
+              <a:t>”</a:t>
+            </a:r>
+          </a:p>
+        </p:txBody>
+      </p:sp>
+    </p:spTree>
+    <p:extLst>
+      <p:ext uri="{BB962C8B-B14F-4D97-AF65-F5344CB8AC3E}">
+        <p14:creationId xmlns:p14="http://schemas.microsoft.com/office/powerpoint/2010/main" val="2082005839"/>
+      </p:ext>
+    </p:extLst>
+  </p:cSld>
+  <p:clrMapOvr>
+    <a:masterClrMapping/>
+  </p:clrMapOvr>
+</p:sldLayout>
+</file>
+
+<file path=ppt/slideLayouts/slideLayout13.xml><?xml version="1.0" encoding="utf-8"?>
+<p:sldLayout xmlns:a="http://schemas.openxmlformats.org/drawingml/2006/main" xmlns:r="http://schemas.openxmlformats.org/officeDocument/2006/relationships" xmlns:p="http://schemas.openxmlformats.org/presentationml/2006/main" preserve="1">
+  <p:cSld name="Name Card">
+    <p:spTree>
+      <p:nvGrpSpPr>
+        <p:cNvPr id="1" name=""/>
+        <p:cNvGrpSpPr/>
+        <p:nvPr/>
+      </p:nvGrpSpPr>
+      <p:grpSpPr>
+        <a:xfrm>
+          <a:off x="0" y="0"/>
+          <a:ext cx="0" cy="0"/>
+          <a:chOff x="0" y="0"/>
+          <a:chExt cx="0" cy="0"/>
+        </a:xfrm>
+      </p:grpSpPr>
+      <p:sp>
+        <p:nvSpPr>
+          <p:cNvPr id="2" name="Title 1"/>
+          <p:cNvSpPr>
+            <a:spLocks noGrp="1"/>
+          </p:cNvSpPr>
+          <p:nvPr>
+            <p:ph type="title"/>
+          </p:nvPr>
+        </p:nvSpPr>
+        <p:spPr>
+          <a:xfrm>
+            <a:off x="913806" y="2126942"/>
+            <a:ext cx="10355327" cy="2511835"/>
+          </a:xfrm>
+        </p:spPr>
+        <p:txBody>
+          <a:bodyPr anchor="b"/>
+          <a:lstStyle>
+            <a:lvl1pPr>
+              <a:defRPr sz="3200"/>
+            </a:lvl1pPr>
+          </a:lstStyle>
+          <a:p>
+            <a:r>
+              <a:rPr lang="en-US"/>
+              <a:t>Click to edit Master title style</a:t>
+            </a:r>
+            <a:endParaRPr lang="en-US" dirty="0"/>
+          </a:p>
+        </p:txBody>
+      </p:sp>
+      <p:sp>
+        <p:nvSpPr>
+          <p:cNvPr id="4" name="Text Placeholder 3"/>
+          <p:cNvSpPr>
+            <a:spLocks noGrp="1"/>
+          </p:cNvSpPr>
+          <p:nvPr>
+            <p:ph type="body" sz="half" idx="2"/>
+          </p:nvPr>
+        </p:nvSpPr>
+        <p:spPr>
+          <a:xfrm>
+            <a:off x="913794" y="4650556"/>
+            <a:ext cx="10353763" cy="1140644"/>
+          </a:xfrm>
+        </p:spPr>
+        <p:txBody>
+          <a:bodyPr anchor="t"/>
+          <a:lstStyle>
+            <a:lvl1pPr marL="0" indent="0" algn="ctr">
+              <a:buNone/>
+              <a:defRPr sz="1600"/>
+            </a:lvl1pPr>
+            <a:lvl2pPr marL="457200" indent="0">
+              <a:buNone/>
+              <a:defRPr sz="1400"/>
+            </a:lvl2pPr>
+            <a:lvl3pPr marL="914400" indent="0">
+              <a:buNone/>
+              <a:defRPr sz="1200"/>
+            </a:lvl3pPr>
+            <a:lvl4pPr marL="1371600" indent="0">
+              <a:buNone/>
+              <a:defRPr sz="1000"/>
+            </a:lvl4pPr>
+            <a:lvl5pPr marL="1828800" indent="0">
+              <a:buNone/>
+              <a:defRPr sz="1000"/>
+            </a:lvl5pPr>
+            <a:lvl6pPr marL="2286000" indent="0">
+              <a:buNone/>
+              <a:defRPr sz="1000"/>
+            </a:lvl6pPr>
+            <a:lvl7pPr marL="2743200" indent="0">
+              <a:buNone/>
+              <a:defRPr sz="1000"/>
+            </a:lvl7pPr>
+            <a:lvl8pPr marL="3200400" indent="0">
+              <a:buNone/>
+              <a:defRPr sz="1000"/>
+            </a:lvl8pPr>
+            <a:lvl9pPr marL="3657600" indent="0">
+              <a:buNone/>
+              <a:defRPr sz="1000"/>
+            </a:lvl9pPr>
+          </a:lstStyle>
+          <a:p>
+            <a:pPr lvl="0"/>
+            <a:r>
+              <a:rPr lang="en-US"/>
+              <a:t>Click to edit Master text styles</a:t>
+            </a:r>
+          </a:p>
+        </p:txBody>
+      </p:sp>
+      <p:sp>
+        <p:nvSpPr>
+          <p:cNvPr id="5" name="Date Placeholder 4"/>
+          <p:cNvSpPr>
+            <a:spLocks noGrp="1"/>
+          </p:cNvSpPr>
+          <p:nvPr>
+            <p:ph type="dt" sz="half" idx="10"/>
+          </p:nvPr>
+        </p:nvSpPr>
+        <p:spPr/>
+        <p:txBody>
+          <a:bodyPr/>
+          <a:lstStyle/>
+          <a:p>
+            <a:fld id="{C3DE38C2-8104-4866-9577-03258BAC6971}" type="datetimeFigureOut">
+              <a:rPr lang="en-US" smtClean="0"/>
+              <a:t>2/2/2022</a:t>
+            </a:fld>
+            <a:endParaRPr lang="en-US"/>
+          </a:p>
+        </p:txBody>
+      </p:sp>
+      <p:sp>
+        <p:nvSpPr>
+          <p:cNvPr id="6" name="Footer Placeholder 5"/>
+          <p:cNvSpPr>
+            <a:spLocks noGrp="1"/>
+          </p:cNvSpPr>
+          <p:nvPr>
+            <p:ph type="ftr" sz="quarter" idx="11"/>
+          </p:nvPr>
+        </p:nvSpPr>
+        <p:spPr/>
+        <p:txBody>
+          <a:bodyPr/>
+          <a:lstStyle/>
+          <a:p>
+            <a:endParaRPr lang="en-US"/>
+          </a:p>
+        </p:txBody>
+      </p:sp>
+      <p:sp>
+        <p:nvSpPr>
+          <p:cNvPr id="7" name="Slide Number Placeholder 6"/>
+          <p:cNvSpPr>
+            <a:spLocks noGrp="1"/>
+          </p:cNvSpPr>
+          <p:nvPr>
+            <p:ph type="sldNum" sz="quarter" idx="12"/>
+          </p:nvPr>
+        </p:nvSpPr>
+        <p:spPr/>
+        <p:txBody>
+          <a:bodyPr/>
+          <a:lstStyle/>
+          <a:p>
+            <a:fld id="{031B9EF9-8E9E-4B62-A9DE-27CF70A00852}" type="slidenum">
+              <a:rPr lang="en-US" smtClean="0"/>
+              <a:t>‹#›</a:t>
+            </a:fld>
+            <a:endParaRPr lang="en-US"/>
+          </a:p>
+        </p:txBody>
+      </p:sp>
+    </p:spTree>
+    <p:extLst>
+      <p:ext uri="{BB962C8B-B14F-4D97-AF65-F5344CB8AC3E}">
+        <p14:creationId xmlns:p14="http://schemas.microsoft.com/office/powerpoint/2010/main" val="2195659790"/>
+      </p:ext>
+    </p:extLst>
+  </p:cSld>
+  <p:clrMapOvr>
+    <a:masterClrMapping/>
+  </p:clrMapOvr>
+</p:sldLayout>
+</file>
+
+<file path=ppt/slideLayouts/slideLayout14.xml><?xml version="1.0" encoding="utf-8"?>
+<p:sldLayout xmlns:a="http://schemas.openxmlformats.org/drawingml/2006/main" xmlns:r="http://schemas.openxmlformats.org/officeDocument/2006/relationships" xmlns:p="http://schemas.openxmlformats.org/presentationml/2006/main" preserve="1">
+  <p:cSld name="3 Column">
+    <p:spTree>
+      <p:nvGrpSpPr>
+        <p:cNvPr id="1" name=""/>
+        <p:cNvGrpSpPr/>
+        <p:nvPr/>
+      </p:nvGrpSpPr>
+      <p:grpSpPr>
+        <a:xfrm>
+          <a:off x="0" y="0"/>
+          <a:ext cx="0" cy="0"/>
+          <a:chOff x="0" y="0"/>
+          <a:chExt cx="0" cy="0"/>
+        </a:xfrm>
+      </p:grpSpPr>
+      <p:sp>
+        <p:nvSpPr>
+          <p:cNvPr id="15" name="Title 1"/>
+          <p:cNvSpPr>
+            <a:spLocks noGrp="1"/>
+          </p:cNvSpPr>
+          <p:nvPr>
+            <p:ph type="title"/>
+          </p:nvPr>
+        </p:nvSpPr>
+        <p:spPr>
+          <a:xfrm>
+            <a:off x="913794" y="609600"/>
+            <a:ext cx="10353762" cy="1325563"/>
+          </a:xfrm>
+        </p:spPr>
+        <p:txBody>
+          <a:bodyPr/>
+          <a:lstStyle/>
+          <a:p>
+            <a:r>
+              <a:rPr lang="en-US"/>
+              <a:t>Click to edit Master title style</a:t>
+            </a:r>
+            <a:endParaRPr lang="en-US" dirty="0"/>
+          </a:p>
+        </p:txBody>
+      </p:sp>
+      <p:sp>
+        <p:nvSpPr>
+          <p:cNvPr id="7" name="Text Placeholder 2"/>
+          <p:cNvSpPr>
+            <a:spLocks noGrp="1"/>
+          </p:cNvSpPr>
+          <p:nvPr>
+            <p:ph type="body" idx="1"/>
+          </p:nvPr>
+        </p:nvSpPr>
+        <p:spPr>
+          <a:xfrm>
+            <a:off x="913794" y="2088319"/>
+            <a:ext cx="3298956" cy="823305"/>
+          </a:xfrm>
+        </p:spPr>
+        <p:txBody>
+          <a:bodyPr anchor="b">
+            <a:noAutofit/>
+          </a:bodyPr>
+          <a:lstStyle>
+            <a:lvl1pPr marL="0" indent="0" algn="ctr">
+              <a:lnSpc>
+                <a:spcPct val="100000"/>
+              </a:lnSpc>
+              <a:buNone/>
+              <a:defRPr sz="2400" b="0">
+                <a:solidFill>
+                  <a:schemeClr val="tx1"/>
+                </a:solidFill>
+              </a:defRPr>
+            </a:lvl1pPr>
+            <a:lvl2pPr marL="457200" indent="0">
+              <a:buNone/>
+              <a:defRPr sz="2000" b="1"/>
+            </a:lvl2pPr>
+            <a:lvl3pPr marL="914400" indent="0">
+              <a:buNone/>
+              <a:defRPr sz="1800" b="1"/>
+            </a:lvl3pPr>
+            <a:lvl4pPr marL="1371600" indent="0">
+              <a:buNone/>
+              <a:defRPr sz="1600" b="1"/>
+            </a:lvl4pPr>
+            <a:lvl5pPr marL="1828800" indent="0">
+              <a:buNone/>
+              <a:defRPr sz="1600" b="1"/>
+            </a:lvl5pPr>
+            <a:lvl6pPr marL="2286000" indent="0">
+              <a:buNone/>
+              <a:defRPr sz="1600" b="1"/>
+            </a:lvl6pPr>
+            <a:lvl7pPr marL="2743200" indent="0">
+              <a:buNone/>
+              <a:defRPr sz="1600" b="1"/>
+            </a:lvl7pPr>
+            <a:lvl8pPr marL="3200400" indent="0">
+              <a:buNone/>
+              <a:defRPr sz="1600" b="1"/>
+            </a:lvl8pPr>
+            <a:lvl9pPr marL="3657600" indent="0">
+              <a:buNone/>
+              <a:defRPr sz="1600" b="1"/>
+            </a:lvl9pPr>
+          </a:lstStyle>
+          <a:p>
+            <a:pPr lvl="0"/>
+            <a:r>
+              <a:rPr lang="en-US"/>
+              <a:t>Click to edit Master text styles</a:t>
+            </a:r>
+          </a:p>
+        </p:txBody>
+      </p:sp>
+      <p:sp>
+        <p:nvSpPr>
+          <p:cNvPr id="8" name="Text Placeholder 3"/>
+          <p:cNvSpPr>
+            <a:spLocks noGrp="1"/>
+          </p:cNvSpPr>
+          <p:nvPr>
+            <p:ph type="body" sz="half" idx="15"/>
+          </p:nvPr>
+        </p:nvSpPr>
+        <p:spPr>
+          <a:xfrm>
+            <a:off x="913794" y="2911624"/>
+            <a:ext cx="3298956" cy="2879576"/>
+          </a:xfrm>
+        </p:spPr>
+        <p:txBody>
+          <a:bodyPr anchor="t">
+            <a:normAutofit/>
+          </a:bodyPr>
+          <a:lstStyle>
+            <a:lvl1pPr marL="0" indent="0" algn="ctr">
+              <a:buNone/>
+              <a:defRPr sz="1400"/>
+            </a:lvl1pPr>
+            <a:lvl2pPr marL="457200" indent="0">
+              <a:buNone/>
+              <a:defRPr sz="1200"/>
+            </a:lvl2pPr>
+            <a:lvl3pPr marL="914400" indent="0">
+              <a:buNone/>
+              <a:defRPr sz="1000"/>
+            </a:lvl3pPr>
+            <a:lvl4pPr marL="1371600" indent="0">
+              <a:buNone/>
+              <a:defRPr sz="900"/>
+            </a:lvl4pPr>
+            <a:lvl5pPr marL="1828800" indent="0">
+              <a:buNone/>
+              <a:defRPr sz="900"/>
+            </a:lvl5pPr>
+            <a:lvl6pPr marL="2286000" indent="0">
+              <a:buNone/>
+              <a:defRPr sz="900"/>
+            </a:lvl6pPr>
+            <a:lvl7pPr marL="2743200" indent="0">
+              <a:buNone/>
+              <a:defRPr sz="900"/>
+            </a:lvl7pPr>
+            <a:lvl8pPr marL="3200400" indent="0">
+              <a:buNone/>
+              <a:defRPr sz="900"/>
+            </a:lvl8pPr>
+            <a:lvl9pPr marL="3657600" indent="0">
+              <a:buNone/>
+              <a:defRPr sz="900"/>
+            </a:lvl9pPr>
+          </a:lstStyle>
+          <a:p>
+            <a:pPr lvl="0"/>
+            <a:r>
+              <a:rPr lang="en-US"/>
+              <a:t>Click to edit Master text styles</a:t>
+            </a:r>
+          </a:p>
+        </p:txBody>
+      </p:sp>
+      <p:sp>
+        <p:nvSpPr>
+          <p:cNvPr id="9" name="Text Placeholder 4"/>
+          <p:cNvSpPr>
+            <a:spLocks noGrp="1"/>
+          </p:cNvSpPr>
+          <p:nvPr>
+            <p:ph type="body" sz="quarter" idx="3"/>
+          </p:nvPr>
+        </p:nvSpPr>
+        <p:spPr>
+          <a:xfrm>
+            <a:off x="4444878" y="2088320"/>
+            <a:ext cx="3298558" cy="823304"/>
+          </a:xfrm>
+        </p:spPr>
+        <p:txBody>
+          <a:bodyPr anchor="b">
+            <a:noAutofit/>
+          </a:bodyPr>
+          <a:lstStyle>
+            <a:lvl1pPr marL="0" indent="0" algn="ctr">
+              <a:lnSpc>
+                <a:spcPct val="100000"/>
+              </a:lnSpc>
+              <a:buNone/>
+              <a:defRPr sz="2400" b="0">
+                <a:solidFill>
+                  <a:schemeClr val="tx1"/>
+                </a:solidFill>
+              </a:defRPr>
+            </a:lvl1pPr>
+            <a:lvl2pPr marL="457200" indent="0">
+              <a:buNone/>
+              <a:defRPr sz="2000" b="1"/>
+            </a:lvl2pPr>
+            <a:lvl3pPr marL="914400" indent="0">
+              <a:buNone/>
+              <a:defRPr sz="1800" b="1"/>
+            </a:lvl3pPr>
+            <a:lvl4pPr marL="1371600" indent="0">
+              <a:buNone/>
+              <a:defRPr sz="1600" b="1"/>
+            </a:lvl4pPr>
+            <a:lvl5pPr marL="1828800" indent="0">
+              <a:buNone/>
+              <a:defRPr sz="1600" b="1"/>
+            </a:lvl5pPr>
+            <a:lvl6pPr marL="2286000" indent="0">
+              <a:buNone/>
+              <a:defRPr sz="1600" b="1"/>
+            </a:lvl6pPr>
+            <a:lvl7pPr marL="2743200" indent="0">
+              <a:buNone/>
+              <a:defRPr sz="1600" b="1"/>
+            </a:lvl7pPr>
+            <a:lvl8pPr marL="3200400" indent="0">
+              <a:buNone/>
+              <a:defRPr sz="1600" b="1"/>
+            </a:lvl8pPr>
+            <a:lvl9pPr marL="3657600" indent="0">
+              <a:buNone/>
+              <a:defRPr sz="1600" b="1"/>
+            </a:lvl9pPr>
+          </a:lstStyle>
+          <a:p>
+            <a:pPr lvl="0"/>
+            <a:r>
+              <a:rPr lang="en-US"/>
+              <a:t>Click to edit Master text styles</a:t>
+            </a:r>
+          </a:p>
+        </p:txBody>
+      </p:sp>
+      <p:sp>
+        <p:nvSpPr>
+          <p:cNvPr id="10" name="Text Placeholder 3"/>
+          <p:cNvSpPr>
+            <a:spLocks noGrp="1"/>
+          </p:cNvSpPr>
+          <p:nvPr>
+            <p:ph type="body" sz="half" idx="16"/>
+          </p:nvPr>
+        </p:nvSpPr>
+        <p:spPr>
+          <a:xfrm>
+            <a:off x="4444878" y="2911624"/>
+            <a:ext cx="3299821" cy="2879576"/>
+          </a:xfrm>
+        </p:spPr>
+        <p:txBody>
+          <a:bodyPr anchor="t">
+            <a:normAutofit/>
+          </a:bodyPr>
+          <a:lstStyle>
+            <a:lvl1pPr marL="0" indent="0" algn="ctr">
+              <a:buNone/>
+              <a:defRPr sz="1400"/>
+            </a:lvl1pPr>
+            <a:lvl2pPr marL="457200" indent="0">
+              <a:buNone/>
+              <a:defRPr sz="1200"/>
+            </a:lvl2pPr>
+            <a:lvl3pPr marL="914400" indent="0">
+              <a:buNone/>
+              <a:defRPr sz="1000"/>
+            </a:lvl3pPr>
+            <a:lvl4pPr marL="1371600" indent="0">
+              <a:buNone/>
+              <a:defRPr sz="900"/>
+            </a:lvl4pPr>
+            <a:lvl5pPr marL="1828800" indent="0">
+              <a:buNone/>
+              <a:defRPr sz="900"/>
+            </a:lvl5pPr>
+            <a:lvl6pPr marL="2286000" indent="0">
+              <a:buNone/>
+              <a:defRPr sz="900"/>
+            </a:lvl6pPr>
+            <a:lvl7pPr marL="2743200" indent="0">
+              <a:buNone/>
+              <a:defRPr sz="900"/>
+            </a:lvl7pPr>
+            <a:lvl8pPr marL="3200400" indent="0">
+              <a:buNone/>
+              <a:defRPr sz="900"/>
+            </a:lvl8pPr>
+            <a:lvl9pPr marL="3657600" indent="0">
+              <a:buNone/>
+              <a:defRPr sz="900"/>
+            </a:lvl9pPr>
+          </a:lstStyle>
+          <a:p>
+            <a:pPr lvl="0"/>
+            <a:r>
+              <a:rPr lang="en-US"/>
+              <a:t>Click to edit Master text styles</a:t>
+            </a:r>
+          </a:p>
+        </p:txBody>
+      </p:sp>
+      <p:sp>
+        <p:nvSpPr>
+          <p:cNvPr id="11" name="Text Placeholder 4"/>
+          <p:cNvSpPr>
+            <a:spLocks noGrp="1"/>
+          </p:cNvSpPr>
+          <p:nvPr>
+            <p:ph type="body" sz="quarter" idx="13"/>
+          </p:nvPr>
+        </p:nvSpPr>
+        <p:spPr>
+          <a:xfrm>
+            <a:off x="7973298" y="2088320"/>
+            <a:ext cx="3291211" cy="823304"/>
+          </a:xfrm>
+        </p:spPr>
+        <p:txBody>
+          <a:bodyPr anchor="b">
+            <a:noAutofit/>
+          </a:bodyPr>
+          <a:lstStyle>
+            <a:lvl1pPr marL="0" indent="0" algn="ctr">
+              <a:lnSpc>
+                <a:spcPct val="100000"/>
+              </a:lnSpc>
+              <a:buNone/>
+              <a:defRPr sz="2400" b="0">
+                <a:solidFill>
+                  <a:schemeClr val="tx1"/>
+                </a:solidFill>
+              </a:defRPr>
+            </a:lvl1pPr>
+            <a:lvl2pPr marL="457200" indent="0">
+              <a:buNone/>
+              <a:defRPr sz="2000" b="1"/>
+            </a:lvl2pPr>
+            <a:lvl3pPr marL="914400" indent="0">
+              <a:buNone/>
+              <a:defRPr sz="1800" b="1"/>
+            </a:lvl3pPr>
+            <a:lvl4pPr marL="1371600" indent="0">
+              <a:buNone/>
+              <a:defRPr sz="1600" b="1"/>
+            </a:lvl4pPr>
+            <a:lvl5pPr marL="1828800" indent="0">
+              <a:buNone/>
+              <a:defRPr sz="1600" b="1"/>
+            </a:lvl5pPr>
+            <a:lvl6pPr marL="2286000" indent="0">
+              <a:buNone/>
+              <a:defRPr sz="1600" b="1"/>
+            </a:lvl6pPr>
+            <a:lvl7pPr marL="2743200" indent="0">
+              <a:buNone/>
+              <a:defRPr sz="1600" b="1"/>
+            </a:lvl7pPr>
+            <a:lvl8pPr marL="3200400" indent="0">
+              <a:buNone/>
+              <a:defRPr sz="1600" b="1"/>
+            </a:lvl8pPr>
+            <a:lvl9pPr marL="3657600" indent="0">
+              <a:buNone/>
+              <a:defRPr sz="1600" b="1"/>
+            </a:lvl9pPr>
+          </a:lstStyle>
+          <a:p>
+            <a:pPr lvl="0"/>
+            <a:r>
+              <a:rPr lang="en-US"/>
+              <a:t>Click to edit Master text styles</a:t>
+            </a:r>
+          </a:p>
+        </p:txBody>
+      </p:sp>
+      <p:sp>
+        <p:nvSpPr>
+          <p:cNvPr id="12" name="Text Placeholder 3"/>
+          <p:cNvSpPr>
+            <a:spLocks noGrp="1"/>
+          </p:cNvSpPr>
+          <p:nvPr>
+            <p:ph type="body" sz="half" idx="17"/>
+          </p:nvPr>
+        </p:nvSpPr>
+        <p:spPr>
+          <a:xfrm>
+            <a:off x="7976346" y="2911624"/>
+            <a:ext cx="3291211" cy="2879576"/>
+          </a:xfrm>
+        </p:spPr>
+        <p:txBody>
+          <a:bodyPr anchor="t">
+            <a:normAutofit/>
+          </a:bodyPr>
+          <a:lstStyle>
+            <a:lvl1pPr marL="0" indent="0" algn="ctr">
+              <a:buNone/>
+              <a:defRPr sz="1400"/>
+            </a:lvl1pPr>
+            <a:lvl2pPr marL="457200" indent="0">
+              <a:buNone/>
+              <a:defRPr sz="1200"/>
+            </a:lvl2pPr>
+            <a:lvl3pPr marL="914400" indent="0">
+              <a:buNone/>
+              <a:defRPr sz="1000"/>
+            </a:lvl3pPr>
+            <a:lvl4pPr marL="1371600" indent="0">
+              <a:buNone/>
+              <a:defRPr sz="900"/>
+            </a:lvl4pPr>
+            <a:lvl5pPr marL="1828800" indent="0">
+              <a:buNone/>
+              <a:defRPr sz="900"/>
+            </a:lvl5pPr>
+            <a:lvl6pPr marL="2286000" indent="0">
+              <a:buNone/>
+              <a:defRPr sz="900"/>
+            </a:lvl6pPr>
+            <a:lvl7pPr marL="2743200" indent="0">
+              <a:buNone/>
+              <a:defRPr sz="900"/>
+            </a:lvl7pPr>
+            <a:lvl8pPr marL="3200400" indent="0">
+              <a:buNone/>
+              <a:defRPr sz="900"/>
+            </a:lvl8pPr>
+            <a:lvl9pPr marL="3657600" indent="0">
+              <a:buNone/>
+              <a:defRPr sz="900"/>
+            </a:lvl9pPr>
+          </a:lstStyle>
+          <a:p>
+            <a:pPr lvl="0"/>
+            <a:r>
+              <a:rPr lang="en-US"/>
+              <a:t>Click to edit Master text styles</a:t>
+            </a:r>
+          </a:p>
+        </p:txBody>
+      </p:sp>
+      <p:sp>
+        <p:nvSpPr>
+          <p:cNvPr id="3" name="Date Placeholder 2"/>
+          <p:cNvSpPr>
+            <a:spLocks noGrp="1"/>
+          </p:cNvSpPr>
+          <p:nvPr>
+            <p:ph type="dt" sz="half" idx="10"/>
+          </p:nvPr>
+        </p:nvSpPr>
+        <p:spPr/>
+        <p:txBody>
+          <a:bodyPr/>
+          <a:lstStyle/>
+          <a:p>
+            <a:fld id="{C3DE38C2-8104-4866-9577-03258BAC6971}" type="datetimeFigureOut">
+              <a:rPr lang="en-US" smtClean="0"/>
+              <a:t>2/2/2022</a:t>
+            </a:fld>
+            <a:endParaRPr lang="en-US"/>
+          </a:p>
+        </p:txBody>
+      </p:sp>
+      <p:sp>
+        <p:nvSpPr>
+          <p:cNvPr id="4" name="Footer Placeholder 3"/>
+          <p:cNvSpPr>
+            <a:spLocks noGrp="1"/>
+          </p:cNvSpPr>
+          <p:nvPr>
+            <p:ph type="ftr" sz="quarter" idx="11"/>
+          </p:nvPr>
+        </p:nvSpPr>
+        <p:spPr/>
+        <p:txBody>
+          <a:bodyPr/>
+          <a:lstStyle/>
+          <a:p>
+            <a:endParaRPr lang="en-US"/>
+          </a:p>
+        </p:txBody>
+      </p:sp>
+      <p:sp>
+        <p:nvSpPr>
+          <p:cNvPr id="5" name="Slide Number Placeholder 4"/>
+          <p:cNvSpPr>
+            <a:spLocks noGrp="1"/>
+          </p:cNvSpPr>
+          <p:nvPr>
+            <p:ph type="sldNum" sz="quarter" idx="12"/>
+          </p:nvPr>
+        </p:nvSpPr>
+        <p:spPr/>
+        <p:txBody>
+          <a:bodyPr/>
+          <a:lstStyle/>
+          <a:p>
+            <a:fld id="{031B9EF9-8E9E-4B62-A9DE-27CF70A00852}" type="slidenum">
+              <a:rPr lang="en-US" smtClean="0"/>
+              <a:t>‹#›</a:t>
+            </a:fld>
+            <a:endParaRPr lang="en-US"/>
+          </a:p>
+        </p:txBody>
+      </p:sp>
+    </p:spTree>
+    <p:extLst>
+      <p:ext uri="{BB962C8B-B14F-4D97-AF65-F5344CB8AC3E}">
+        <p14:creationId xmlns:p14="http://schemas.microsoft.com/office/powerpoint/2010/main" val="386448415"/>
+      </p:ext>
+    </p:extLst>
+  </p:cSld>
+  <p:clrMapOvr>
+    <a:masterClrMapping/>
+  </p:clrMapOvr>
+</p:sldLayout>
+</file>
+
+<file path=ppt/slideLayouts/slideLayout15.xml><?xml version="1.0" encoding="utf-8"?>
+<p:sldLayout xmlns:a="http://schemas.openxmlformats.org/drawingml/2006/main" xmlns:r="http://schemas.openxmlformats.org/officeDocument/2006/relationships" xmlns:p="http://schemas.openxmlformats.org/presentationml/2006/main" preserve="1">
+  <p:cSld name="3 Picture Column">
+    <p:spTree>
+      <p:nvGrpSpPr>
+        <p:cNvPr id="1" name=""/>
+        <p:cNvGrpSpPr/>
+        <p:nvPr/>
+      </p:nvGrpSpPr>
+      <p:grpSpPr>
+        <a:xfrm>
+          <a:off x="0" y="0"/>
+          <a:ext cx="0" cy="0"/>
+          <a:chOff x="0" y="0"/>
+          <a:chExt cx="0" cy="0"/>
+        </a:xfrm>
+      </p:grpSpPr>
+      <p:sp>
+        <p:nvSpPr>
+          <p:cNvPr id="30" name="Title 1"/>
+          <p:cNvSpPr>
+            <a:spLocks noGrp="1"/>
+          </p:cNvSpPr>
+          <p:nvPr>
+            <p:ph type="title"/>
+          </p:nvPr>
+        </p:nvSpPr>
+        <p:spPr>
+          <a:xfrm>
+            <a:off x="913795" y="609600"/>
+            <a:ext cx="10353762" cy="1325563"/>
+          </a:xfrm>
+        </p:spPr>
+        <p:txBody>
+          <a:bodyPr/>
+          <a:lstStyle/>
+          <a:p>
+            <a:r>
+              <a:rPr lang="en-US"/>
+              <a:t>Click to edit Master title style</a:t>
+            </a:r>
+            <a:endParaRPr lang="en-US" dirty="0"/>
+          </a:p>
+        </p:txBody>
+      </p:sp>
+      <p:sp>
+        <p:nvSpPr>
+          <p:cNvPr id="19" name="Text Placeholder 2"/>
+          <p:cNvSpPr>
+            <a:spLocks noGrp="1"/>
+          </p:cNvSpPr>
+          <p:nvPr>
+            <p:ph type="body" idx="1"/>
+          </p:nvPr>
+        </p:nvSpPr>
+        <p:spPr>
+          <a:xfrm>
+            <a:off x="913795" y="4195899"/>
+            <a:ext cx="3298955" cy="576262"/>
+          </a:xfrm>
+        </p:spPr>
+        <p:txBody>
+          <a:bodyPr anchor="b">
+            <a:noAutofit/>
+          </a:bodyPr>
+          <a:lstStyle>
+            <a:lvl1pPr marL="0" indent="0" algn="ctr">
+              <a:lnSpc>
+                <a:spcPct val="100000"/>
+              </a:lnSpc>
+              <a:buNone/>
+              <a:defRPr sz="2000" b="0">
+                <a:solidFill>
+                  <a:schemeClr val="tx1"/>
+                </a:solidFill>
+              </a:defRPr>
+            </a:lvl1pPr>
+            <a:lvl2pPr marL="457200" indent="0">
+              <a:buNone/>
+              <a:defRPr sz="2000" b="1"/>
+            </a:lvl2pPr>
+            <a:lvl3pPr marL="914400" indent="0">
+              <a:buNone/>
+              <a:defRPr sz="1800" b="1"/>
+            </a:lvl3pPr>
+            <a:lvl4pPr marL="1371600" indent="0">
+              <a:buNone/>
+              <a:defRPr sz="1600" b="1"/>
+            </a:lvl4pPr>
+            <a:lvl5pPr marL="1828800" indent="0">
+              <a:buNone/>
+              <a:defRPr sz="1600" b="1"/>
+            </a:lvl5pPr>
+            <a:lvl6pPr marL="2286000" indent="0">
+              <a:buNone/>
+              <a:defRPr sz="1600" b="1"/>
+            </a:lvl6pPr>
+            <a:lvl7pPr marL="2743200" indent="0">
+              <a:buNone/>
+              <a:defRPr sz="1600" b="1"/>
+            </a:lvl7pPr>
+            <a:lvl8pPr marL="3200400" indent="0">
+              <a:buNone/>
+              <a:defRPr sz="1600" b="1"/>
+            </a:lvl8pPr>
+            <a:lvl9pPr marL="3657600" indent="0">
+              <a:buNone/>
+              <a:defRPr sz="1600" b="1"/>
+            </a:lvl9pPr>
+          </a:lstStyle>
+          <a:p>
+            <a:pPr lvl="0"/>
+            <a:r>
+              <a:rPr lang="en-US"/>
+              <a:t>Click to edit Master text styles</a:t>
+            </a:r>
+          </a:p>
+        </p:txBody>
+      </p:sp>
+      <p:sp>
+        <p:nvSpPr>
+          <p:cNvPr id="20" name="Picture Placeholder 2"/>
+          <p:cNvSpPr>
+            <a:spLocks noGrp="1" noChangeAspect="1"/>
+          </p:cNvSpPr>
+          <p:nvPr>
+            <p:ph type="pic" idx="15"/>
+          </p:nvPr>
+        </p:nvSpPr>
+        <p:spPr>
+          <a:xfrm>
+            <a:off x="1092020" y="2298987"/>
+            <a:ext cx="2940050" cy="1524000"/>
+          </a:xfrm>
+          <a:prstGeom prst="roundRect">
+            <a:avLst>
+              <a:gd name="adj" fmla="val 0"/>
+            </a:avLst>
+          </a:prstGeom>
+          <a:noFill/>
+          <a:ln w="146050" cap="sq">
+            <a:solidFill>
+              <a:srgbClr val="FFFFFF"/>
+            </a:solidFill>
+            <a:miter lim="800000"/>
+          </a:ln>
+          <a:effectLst>
+            <a:outerShdw blurRad="55000" dist="18000" dir="5400000" algn="tl" rotWithShape="0">
+              <a:srgbClr val="000000">
+                <a:alpha val="40000"/>
+              </a:srgbClr>
+            </a:outerShdw>
+          </a:effectLst>
+          <a:scene3d>
+            <a:camera prst="orthographicFront"/>
+            <a:lightRig rig="twoPt" dir="t">
+              <a:rot lat="0" lon="0" rev="7200000"/>
+            </a:lightRig>
+          </a:scene3d>
+          <a:sp3d>
+            <a:bevelT w="25400" h="19050"/>
+            <a:contourClr>
+              <a:srgbClr val="FFFFFF"/>
+            </a:contourClr>
+          </a:sp3d>
+        </p:spPr>
+        <p:txBody>
+          <a:bodyPr anchor="t">
+            <a:normAutofit/>
+          </a:bodyPr>
+          <a:lstStyle>
+            <a:lvl1pPr marL="0" indent="0" algn="ctr">
+              <a:buNone/>
+              <a:defRPr sz="1600"/>
+            </a:lvl1pPr>
+            <a:lvl2pPr marL="457200" indent="0">
+              <a:buNone/>
+              <a:defRPr sz="1600"/>
+            </a:lvl2pPr>
+            <a:lvl3pPr marL="914400" indent="0">
+              <a:buNone/>
+              <a:defRPr sz="1600"/>
+            </a:lvl3pPr>
+            <a:lvl4pPr marL="1371600" indent="0">
+              <a:buNone/>
+              <a:defRPr sz="1600"/>
+            </a:lvl4pPr>
+            <a:lvl5pPr marL="1828800" indent="0">
+              <a:buNone/>
+              <a:defRPr sz="1600"/>
+            </a:lvl5pPr>
+            <a:lvl6pPr marL="2286000" indent="0">
+              <a:buNone/>
+              <a:defRPr sz="1600"/>
+            </a:lvl6pPr>
+            <a:lvl7pPr marL="2743200" indent="0">
+              <a:buNone/>
+              <a:defRPr sz="1600"/>
+            </a:lvl7pPr>
+            <a:lvl8pPr marL="3200400" indent="0">
+              <a:buNone/>
+              <a:defRPr sz="1600"/>
+            </a:lvl8pPr>
+            <a:lvl9pPr marL="3657600" indent="0">
+              <a:buNone/>
+              <a:defRPr sz="1600"/>
+            </a:lvl9pPr>
+          </a:lstStyle>
+          <a:p>
+            <a:r>
+              <a:rPr lang="en-US"/>
+              <a:t>Click icon to add picture</a:t>
+            </a:r>
+            <a:endParaRPr lang="en-US" dirty="0"/>
+          </a:p>
+        </p:txBody>
+      </p:sp>
+      <p:sp>
+        <p:nvSpPr>
+          <p:cNvPr id="21" name="Text Placeholder 3"/>
+          <p:cNvSpPr>
+            <a:spLocks noGrp="1"/>
+          </p:cNvSpPr>
+          <p:nvPr>
+            <p:ph type="body" sz="half" idx="18"/>
+          </p:nvPr>
+        </p:nvSpPr>
+        <p:spPr>
+          <a:xfrm>
+            <a:off x="913795" y="4772161"/>
+            <a:ext cx="3298955" cy="1019038"/>
+          </a:xfrm>
+        </p:spPr>
+        <p:txBody>
+          <a:bodyPr anchor="t">
+            <a:normAutofit/>
+          </a:bodyPr>
+          <a:lstStyle>
+            <a:lvl1pPr marL="0" indent="0" algn="ctr">
+              <a:buNone/>
+              <a:defRPr sz="1400"/>
+            </a:lvl1pPr>
+            <a:lvl2pPr marL="457200" indent="0">
+              <a:buNone/>
+              <a:defRPr sz="1200"/>
+            </a:lvl2pPr>
+            <a:lvl3pPr marL="914400" indent="0">
+              <a:buNone/>
+              <a:defRPr sz="1000"/>
+            </a:lvl3pPr>
+            <a:lvl4pPr marL="1371600" indent="0">
+              <a:buNone/>
+              <a:defRPr sz="900"/>
+            </a:lvl4pPr>
+            <a:lvl5pPr marL="1828800" indent="0">
+              <a:buNone/>
+              <a:defRPr sz="900"/>
+            </a:lvl5pPr>
+            <a:lvl6pPr marL="2286000" indent="0">
+              <a:buNone/>
+              <a:defRPr sz="900"/>
+            </a:lvl6pPr>
+            <a:lvl7pPr marL="2743200" indent="0">
+              <a:buNone/>
+              <a:defRPr sz="900"/>
+            </a:lvl7pPr>
+            <a:lvl8pPr marL="3200400" indent="0">
+              <a:buNone/>
+              <a:defRPr sz="900"/>
+            </a:lvl8pPr>
+            <a:lvl9pPr marL="3657600" indent="0">
+              <a:buNone/>
+              <a:defRPr sz="900"/>
+            </a:lvl9pPr>
+          </a:lstStyle>
+          <a:p>
+            <a:pPr lvl="0"/>
+            <a:r>
+              <a:rPr lang="en-US"/>
+              <a:t>Click to edit Master text styles</a:t>
+            </a:r>
+          </a:p>
+        </p:txBody>
+      </p:sp>
+      <p:sp>
+        <p:nvSpPr>
+          <p:cNvPr id="22" name="Text Placeholder 4"/>
+          <p:cNvSpPr>
+            <a:spLocks noGrp="1"/>
+          </p:cNvSpPr>
+          <p:nvPr>
+            <p:ph type="body" sz="quarter" idx="3"/>
+          </p:nvPr>
+        </p:nvSpPr>
+        <p:spPr>
+          <a:xfrm>
+            <a:off x="4442701" y="4195899"/>
+            <a:ext cx="3298983" cy="576262"/>
+          </a:xfrm>
+        </p:spPr>
+        <p:txBody>
+          <a:bodyPr anchor="b">
+            <a:noAutofit/>
+          </a:bodyPr>
+          <a:lstStyle>
+            <a:lvl1pPr marL="0" indent="0" algn="ctr">
+              <a:lnSpc>
+                <a:spcPct val="100000"/>
+              </a:lnSpc>
+              <a:buNone/>
+              <a:defRPr sz="2000" b="0">
+                <a:solidFill>
+                  <a:schemeClr val="tx1"/>
+                </a:solidFill>
+              </a:defRPr>
+            </a:lvl1pPr>
+            <a:lvl2pPr marL="457200" indent="0">
+              <a:buNone/>
+              <a:defRPr sz="2000" b="1"/>
+            </a:lvl2pPr>
+            <a:lvl3pPr marL="914400" indent="0">
+              <a:buNone/>
+              <a:defRPr sz="1800" b="1"/>
+            </a:lvl3pPr>
+            <a:lvl4pPr marL="1371600" indent="0">
+              <a:buNone/>
+              <a:defRPr sz="1600" b="1"/>
+            </a:lvl4pPr>
+            <a:lvl5pPr marL="1828800" indent="0">
+              <a:buNone/>
+              <a:defRPr sz="1600" b="1"/>
+            </a:lvl5pPr>
+            <a:lvl6pPr marL="2286000" indent="0">
+              <a:buNone/>
+              <a:defRPr sz="1600" b="1"/>
+            </a:lvl6pPr>
+            <a:lvl7pPr marL="2743200" indent="0">
+              <a:buNone/>
+              <a:defRPr sz="1600" b="1"/>
+            </a:lvl7pPr>
+            <a:lvl8pPr marL="3200400" indent="0">
+              <a:buNone/>
+              <a:defRPr sz="1600" b="1"/>
+            </a:lvl8pPr>
+            <a:lvl9pPr marL="3657600" indent="0">
+              <a:buNone/>
+              <a:defRPr sz="1600" b="1"/>
+            </a:lvl9pPr>
+          </a:lstStyle>
+          <a:p>
+            <a:pPr lvl="0"/>
+            <a:r>
+              <a:rPr lang="en-US"/>
+              <a:t>Click to edit Master text styles</a:t>
+            </a:r>
+          </a:p>
+        </p:txBody>
+      </p:sp>
+      <p:sp>
+        <p:nvSpPr>
+          <p:cNvPr id="23" name="Picture Placeholder 2"/>
+          <p:cNvSpPr>
+            <a:spLocks noGrp="1" noChangeAspect="1"/>
+          </p:cNvSpPr>
+          <p:nvPr>
+            <p:ph type="pic" idx="21"/>
+          </p:nvPr>
+        </p:nvSpPr>
+        <p:spPr>
+          <a:xfrm>
+            <a:off x="4568996" y="2298987"/>
+            <a:ext cx="2930525" cy="1524000"/>
+          </a:xfrm>
+          <a:prstGeom prst="roundRect">
+            <a:avLst>
+              <a:gd name="adj" fmla="val 0"/>
+            </a:avLst>
+          </a:prstGeom>
+          <a:noFill/>
+          <a:ln w="146050" cap="sq">
+            <a:solidFill>
+              <a:srgbClr val="FFFFFF"/>
+            </a:solidFill>
+            <a:miter lim="800000"/>
+          </a:ln>
+          <a:effectLst>
+            <a:outerShdw blurRad="55000" dist="18000" dir="5400000" algn="tl" rotWithShape="0">
+              <a:srgbClr val="000000">
+                <a:alpha val="40000"/>
+              </a:srgbClr>
+            </a:outerShdw>
+          </a:effectLst>
+          <a:scene3d>
+            <a:camera prst="orthographicFront"/>
+            <a:lightRig rig="twoPt" dir="t">
+              <a:rot lat="0" lon="0" rev="7200000"/>
+            </a:lightRig>
+          </a:scene3d>
+          <a:sp3d>
+            <a:bevelT w="25400" h="19050"/>
+            <a:contourClr>
+              <a:srgbClr val="FFFFFF"/>
+            </a:contourClr>
+          </a:sp3d>
+        </p:spPr>
+        <p:txBody>
+          <a:bodyPr anchor="t">
+            <a:normAutofit/>
+          </a:bodyPr>
+          <a:lstStyle>
+            <a:lvl1pPr marL="0" indent="0" algn="ctr">
+              <a:buNone/>
+              <a:defRPr sz="1600"/>
+            </a:lvl1pPr>
+            <a:lvl2pPr marL="457200" indent="0">
+              <a:buNone/>
+              <a:defRPr sz="1600"/>
+            </a:lvl2pPr>
+            <a:lvl3pPr marL="914400" indent="0">
+              <a:buNone/>
+              <a:defRPr sz="1600"/>
+            </a:lvl3pPr>
+            <a:lvl4pPr marL="1371600" indent="0">
+              <a:buNone/>
+              <a:defRPr sz="1600"/>
+            </a:lvl4pPr>
+            <a:lvl5pPr marL="1828800" indent="0">
+              <a:buNone/>
+              <a:defRPr sz="1600"/>
+            </a:lvl5pPr>
+            <a:lvl6pPr marL="2286000" indent="0">
+              <a:buNone/>
+              <a:defRPr sz="1600"/>
+            </a:lvl6pPr>
+            <a:lvl7pPr marL="2743200" indent="0">
+              <a:buNone/>
+              <a:defRPr sz="1600"/>
+            </a:lvl7pPr>
+            <a:lvl8pPr marL="3200400" indent="0">
+              <a:buNone/>
+              <a:defRPr sz="1600"/>
+            </a:lvl8pPr>
+            <a:lvl9pPr marL="3657600" indent="0">
+              <a:buNone/>
+              <a:defRPr sz="1600"/>
+            </a:lvl9pPr>
+          </a:lstStyle>
+          <a:p>
+            <a:r>
+              <a:rPr lang="en-US"/>
+              <a:t>Click icon to add picture</a:t>
+            </a:r>
+            <a:endParaRPr lang="en-US" dirty="0"/>
+          </a:p>
+        </p:txBody>
+      </p:sp>
+      <p:sp>
+        <p:nvSpPr>
+          <p:cNvPr id="24" name="Text Placeholder 3"/>
+          <p:cNvSpPr>
+            <a:spLocks noGrp="1"/>
+          </p:cNvSpPr>
+          <p:nvPr>
+            <p:ph type="body" sz="half" idx="19"/>
+          </p:nvPr>
+        </p:nvSpPr>
+        <p:spPr>
+          <a:xfrm>
+            <a:off x="4441348" y="4772160"/>
+            <a:ext cx="3300336" cy="1019038"/>
+          </a:xfrm>
+        </p:spPr>
+        <p:txBody>
+          <a:bodyPr anchor="t">
+            <a:normAutofit/>
+          </a:bodyPr>
+          <a:lstStyle>
+            <a:lvl1pPr marL="0" indent="0" algn="ctr">
+              <a:buNone/>
+              <a:defRPr sz="1400"/>
+            </a:lvl1pPr>
+            <a:lvl2pPr marL="457200" indent="0">
+              <a:buNone/>
+              <a:defRPr sz="1200"/>
+            </a:lvl2pPr>
+            <a:lvl3pPr marL="914400" indent="0">
+              <a:buNone/>
+              <a:defRPr sz="1000"/>
+            </a:lvl3pPr>
+            <a:lvl4pPr marL="1371600" indent="0">
+              <a:buNone/>
+              <a:defRPr sz="900"/>
+            </a:lvl4pPr>
+            <a:lvl5pPr marL="1828800" indent="0">
+              <a:buNone/>
+              <a:defRPr sz="900"/>
+            </a:lvl5pPr>
+            <a:lvl6pPr marL="2286000" indent="0">
+              <a:buNone/>
+              <a:defRPr sz="900"/>
+            </a:lvl6pPr>
+            <a:lvl7pPr marL="2743200" indent="0">
+              <a:buNone/>
+              <a:defRPr sz="900"/>
+            </a:lvl7pPr>
+            <a:lvl8pPr marL="3200400" indent="0">
+              <a:buNone/>
+              <a:defRPr sz="900"/>
+            </a:lvl8pPr>
+            <a:lvl9pPr marL="3657600" indent="0">
+              <a:buNone/>
+              <a:defRPr sz="900"/>
+            </a:lvl9pPr>
+          </a:lstStyle>
+          <a:p>
+            <a:pPr lvl="0"/>
+            <a:r>
+              <a:rPr lang="en-US"/>
+              <a:t>Click to edit Master text styles</a:t>
+            </a:r>
+          </a:p>
+        </p:txBody>
+      </p:sp>
+      <p:sp>
+        <p:nvSpPr>
+          <p:cNvPr id="25" name="Text Placeholder 4"/>
+          <p:cNvSpPr>
+            <a:spLocks noGrp="1"/>
+          </p:cNvSpPr>
+          <p:nvPr>
+            <p:ph type="body" sz="quarter" idx="13"/>
+          </p:nvPr>
+        </p:nvSpPr>
+        <p:spPr>
+          <a:xfrm>
+            <a:off x="7973423" y="4195899"/>
+            <a:ext cx="3289900" cy="576262"/>
+          </a:xfrm>
+        </p:spPr>
+        <p:txBody>
+          <a:bodyPr anchor="b">
+            <a:noAutofit/>
+          </a:bodyPr>
+          <a:lstStyle>
+            <a:lvl1pPr marL="0" indent="0" algn="ctr">
+              <a:lnSpc>
+                <a:spcPct val="100000"/>
+              </a:lnSpc>
+              <a:buNone/>
+              <a:defRPr sz="2000" b="0">
+                <a:solidFill>
+                  <a:schemeClr val="tx1"/>
+                </a:solidFill>
+              </a:defRPr>
+            </a:lvl1pPr>
+            <a:lvl2pPr marL="457200" indent="0">
+              <a:buNone/>
+              <a:defRPr sz="2000" b="1"/>
+            </a:lvl2pPr>
+            <a:lvl3pPr marL="914400" indent="0">
+              <a:buNone/>
+              <a:defRPr sz="1800" b="1"/>
+            </a:lvl3pPr>
+            <a:lvl4pPr marL="1371600" indent="0">
+              <a:buNone/>
+              <a:defRPr sz="1600" b="1"/>
+            </a:lvl4pPr>
+            <a:lvl5pPr marL="1828800" indent="0">
+              <a:buNone/>
+              <a:defRPr sz="1600" b="1"/>
+            </a:lvl5pPr>
+            <a:lvl6pPr marL="2286000" indent="0">
+              <a:buNone/>
+              <a:defRPr sz="1600" b="1"/>
+            </a:lvl6pPr>
+            <a:lvl7pPr marL="2743200" indent="0">
+              <a:buNone/>
+              <a:defRPr sz="1600" b="1"/>
+            </a:lvl7pPr>
+            <a:lvl8pPr marL="3200400" indent="0">
+              <a:buNone/>
+              <a:defRPr sz="1600" b="1"/>
+            </a:lvl8pPr>
+            <a:lvl9pPr marL="3657600" indent="0">
+              <a:buNone/>
+              <a:defRPr sz="1600" b="1"/>
+            </a:lvl9pPr>
+          </a:lstStyle>
+          <a:p>
+            <a:pPr lvl="0"/>
+            <a:r>
+              <a:rPr lang="en-US"/>
+              <a:t>Click to edit Master text styles</a:t>
+            </a:r>
+          </a:p>
+        </p:txBody>
+      </p:sp>
+      <p:sp>
+        <p:nvSpPr>
+          <p:cNvPr id="26" name="Picture Placeholder 2"/>
+          <p:cNvSpPr>
+            <a:spLocks noGrp="1" noChangeAspect="1"/>
+          </p:cNvSpPr>
+          <p:nvPr>
+            <p:ph type="pic" idx="22"/>
+          </p:nvPr>
+        </p:nvSpPr>
+        <p:spPr>
+          <a:xfrm>
+            <a:off x="8152803" y="2298987"/>
+            <a:ext cx="2932113" cy="1524000"/>
+          </a:xfrm>
+          <a:prstGeom prst="roundRect">
+            <a:avLst>
+              <a:gd name="adj" fmla="val 0"/>
+            </a:avLst>
+          </a:prstGeom>
+          <a:noFill/>
+          <a:ln w="146050" cap="sq">
+            <a:solidFill>
+              <a:srgbClr val="FFFFFF"/>
+            </a:solidFill>
+            <a:miter lim="800000"/>
+          </a:ln>
+          <a:effectLst>
+            <a:outerShdw blurRad="55000" dist="18000" dir="5400000" algn="tl" rotWithShape="0">
+              <a:srgbClr val="000000">
+                <a:alpha val="40000"/>
+              </a:srgbClr>
+            </a:outerShdw>
+          </a:effectLst>
+          <a:scene3d>
+            <a:camera prst="orthographicFront"/>
+            <a:lightRig rig="twoPt" dir="t">
+              <a:rot lat="0" lon="0" rev="7200000"/>
+            </a:lightRig>
+          </a:scene3d>
+          <a:sp3d>
+            <a:bevelT w="25400" h="19050"/>
+            <a:contourClr>
+              <a:srgbClr val="FFFFFF"/>
+            </a:contourClr>
+          </a:sp3d>
+        </p:spPr>
+        <p:txBody>
+          <a:bodyPr anchor="t">
+            <a:normAutofit/>
+          </a:bodyPr>
+          <a:lstStyle>
+            <a:lvl1pPr marL="0" indent="0" algn="ctr">
+              <a:buNone/>
+              <a:defRPr sz="1600"/>
+            </a:lvl1pPr>
+            <a:lvl2pPr marL="457200" indent="0">
+              <a:buNone/>
+              <a:defRPr sz="1600"/>
+            </a:lvl2pPr>
+            <a:lvl3pPr marL="914400" indent="0">
+              <a:buNone/>
+              <a:defRPr sz="1600"/>
+            </a:lvl3pPr>
+            <a:lvl4pPr marL="1371600" indent="0">
+              <a:buNone/>
+              <a:defRPr sz="1600"/>
+            </a:lvl4pPr>
+            <a:lvl5pPr marL="1828800" indent="0">
+              <a:buNone/>
+              <a:defRPr sz="1600"/>
+            </a:lvl5pPr>
+            <a:lvl6pPr marL="2286000" indent="0">
+              <a:buNone/>
+              <a:defRPr sz="1600"/>
+            </a:lvl6pPr>
+            <a:lvl7pPr marL="2743200" indent="0">
+              <a:buNone/>
+              <a:defRPr sz="1600"/>
+            </a:lvl7pPr>
+            <a:lvl8pPr marL="3200400" indent="0">
+              <a:buNone/>
+              <a:defRPr sz="1600"/>
+            </a:lvl8pPr>
+            <a:lvl9pPr marL="3657600" indent="0">
+              <a:buNone/>
+              <a:defRPr sz="1600"/>
+            </a:lvl9pPr>
+          </a:lstStyle>
+          <a:p>
+            <a:r>
+              <a:rPr lang="en-US"/>
+              <a:t>Click icon to add picture</a:t>
+            </a:r>
+            <a:endParaRPr lang="en-US" dirty="0"/>
+          </a:p>
+        </p:txBody>
+      </p:sp>
+      <p:sp>
+        <p:nvSpPr>
+          <p:cNvPr id="27" name="Text Placeholder 3"/>
+          <p:cNvSpPr>
+            <a:spLocks noGrp="1"/>
+          </p:cNvSpPr>
+          <p:nvPr>
+            <p:ph type="body" sz="half" idx="20"/>
+          </p:nvPr>
+        </p:nvSpPr>
+        <p:spPr>
+          <a:xfrm>
+            <a:off x="7973298" y="4772161"/>
+            <a:ext cx="3294258" cy="1019037"/>
+          </a:xfrm>
+        </p:spPr>
+        <p:txBody>
+          <a:bodyPr anchor="t">
+            <a:normAutofit/>
+          </a:bodyPr>
+          <a:lstStyle>
+            <a:lvl1pPr marL="0" indent="0" algn="ctr">
+              <a:buNone/>
+              <a:defRPr sz="1400"/>
+            </a:lvl1pPr>
+            <a:lvl2pPr marL="457200" indent="0">
+              <a:buNone/>
+              <a:defRPr sz="1200"/>
+            </a:lvl2pPr>
+            <a:lvl3pPr marL="914400" indent="0">
+              <a:buNone/>
+              <a:defRPr sz="1000"/>
+            </a:lvl3pPr>
+            <a:lvl4pPr marL="1371600" indent="0">
+              <a:buNone/>
+              <a:defRPr sz="900"/>
+            </a:lvl4pPr>
+            <a:lvl5pPr marL="1828800" indent="0">
+              <a:buNone/>
+              <a:defRPr sz="900"/>
+            </a:lvl5pPr>
+            <a:lvl6pPr marL="2286000" indent="0">
+              <a:buNone/>
+              <a:defRPr sz="900"/>
+            </a:lvl6pPr>
+            <a:lvl7pPr marL="2743200" indent="0">
+              <a:buNone/>
+              <a:defRPr sz="900"/>
+            </a:lvl7pPr>
+            <a:lvl8pPr marL="3200400" indent="0">
+              <a:buNone/>
+              <a:defRPr sz="900"/>
+            </a:lvl8pPr>
+            <a:lvl9pPr marL="3657600" indent="0">
+              <a:buNone/>
+              <a:defRPr sz="900"/>
+            </a:lvl9pPr>
+          </a:lstStyle>
+          <a:p>
+            <a:pPr lvl="0"/>
+            <a:r>
+              <a:rPr lang="en-US"/>
+              <a:t>Click to edit Master text styles</a:t>
+            </a:r>
+          </a:p>
+        </p:txBody>
+      </p:sp>
+      <p:sp>
+        <p:nvSpPr>
+          <p:cNvPr id="3" name="Date Placeholder 2"/>
+          <p:cNvSpPr>
+            <a:spLocks noGrp="1"/>
+          </p:cNvSpPr>
+          <p:nvPr>
+            <p:ph type="dt" sz="half" idx="10"/>
+          </p:nvPr>
+        </p:nvSpPr>
+        <p:spPr/>
+        <p:txBody>
+          <a:bodyPr/>
+          <a:lstStyle/>
+          <a:p>
+            <a:fld id="{C3DE38C2-8104-4866-9577-03258BAC6971}" type="datetimeFigureOut">
+              <a:rPr lang="en-US" smtClean="0"/>
+              <a:t>2/2/2022</a:t>
+            </a:fld>
+            <a:endParaRPr lang="en-US"/>
+          </a:p>
+        </p:txBody>
+      </p:sp>
+      <p:sp>
+        <p:nvSpPr>
+          <p:cNvPr id="4" name="Footer Placeholder 3"/>
+          <p:cNvSpPr>
+            <a:spLocks noGrp="1"/>
+          </p:cNvSpPr>
+          <p:nvPr>
+            <p:ph type="ftr" sz="quarter" idx="11"/>
+          </p:nvPr>
+        </p:nvSpPr>
+        <p:spPr/>
+        <p:txBody>
+          <a:bodyPr/>
+          <a:lstStyle/>
+          <a:p>
+            <a:endParaRPr lang="en-US"/>
+          </a:p>
+        </p:txBody>
+      </p:sp>
+      <p:sp>
+        <p:nvSpPr>
+          <p:cNvPr id="5" name="Slide Number Placeholder 4"/>
+          <p:cNvSpPr>
+            <a:spLocks noGrp="1"/>
+          </p:cNvSpPr>
+          <p:nvPr>
+            <p:ph type="sldNum" sz="quarter" idx="12"/>
+          </p:nvPr>
+        </p:nvSpPr>
+        <p:spPr/>
+        <p:txBody>
+          <a:bodyPr/>
+          <a:lstStyle/>
+          <a:p>
+            <a:fld id="{031B9EF9-8E9E-4B62-A9DE-27CF70A00852}" type="slidenum">
+              <a:rPr lang="en-US" smtClean="0"/>
+              <a:t>‹#›</a:t>
+            </a:fld>
+            <a:endParaRPr lang="en-US"/>
+          </a:p>
+        </p:txBody>
+      </p:sp>
+    </p:spTree>
+    <p:extLst>
+      <p:ext uri="{BB962C8B-B14F-4D97-AF65-F5344CB8AC3E}">
+        <p14:creationId xmlns:p14="http://schemas.microsoft.com/office/powerpoint/2010/main" val="1283700288"/>
+      </p:ext>
+    </p:extLst>
+  </p:cSld>
+  <p:clrMapOvr>
+    <a:masterClrMapping/>
+  </p:clrMapOvr>
+</p:sldLayout>
+</file>
+
+<file path=ppt/slideLayouts/slideLayout16.xml><?xml version="1.0" encoding="utf-8"?>
 <p:sldLayout xmlns:a="http://schemas.openxmlformats.org/drawingml/2006/main" xmlns:r="http://schemas.openxmlformats.org/officeDocument/2006/relationships" xmlns:p="http://schemas.openxmlformats.org/presentationml/2006/main" type="vertTx" preserve="1">
   <p:cSld name="Title and Vertical Text">
     <p:spTree>
@@ -346,13 +2914,7 @@
       </p:grpSpPr>
       <p:sp>
         <p:nvSpPr>
-          <p:cNvPr id="2" name="Title 1">
-            <a:extLst>
-              <a:ext uri="{FF2B5EF4-FFF2-40B4-BE49-F238E27FC236}">
-                <a16:creationId xmlns:a16="http://schemas.microsoft.com/office/drawing/2014/main" id="{2959F5A2-EB13-4C51-BE25-CE0323A2EEFC}"/>
-              </a:ext>
-            </a:extLst>
-          </p:cNvPr>
+          <p:cNvPr id="2" name="Title 1"/>
           <p:cNvSpPr>
             <a:spLocks noGrp="1"/>
           </p:cNvSpPr>
@@ -369,18 +2931,13 @@
               <a:rPr lang="en-US"/>
               <a:t>Click to edit Master title style</a:t>
             </a:r>
-          </a:p>
-        </p:txBody>
-      </p:sp>
-      <p:sp>
-        <p:nvSpPr>
-          <p:cNvPr id="3" name="Vertical Text Placeholder 2">
-            <a:extLst>
-              <a:ext uri="{FF2B5EF4-FFF2-40B4-BE49-F238E27FC236}">
-                <a16:creationId xmlns:a16="http://schemas.microsoft.com/office/drawing/2014/main" id="{44F0428D-BAC7-4D76-A459-A1B55D508DE8}"/>
-              </a:ext>
-            </a:extLst>
-          </p:cNvPr>
+            <a:endParaRPr lang="en-US" dirty="0"/>
+          </a:p>
+        </p:txBody>
+      </p:sp>
+      <p:sp>
+        <p:nvSpPr>
+          <p:cNvPr id="3" name="Vertical Text Placeholder 2"/>
           <p:cNvSpPr>
             <a:spLocks noGrp="1"/>
           </p:cNvSpPr>
@@ -426,18 +2983,13 @@
               <a:rPr lang="en-US"/>
               <a:t>Fifth level</a:t>
             </a:r>
-          </a:p>
-        </p:txBody>
-      </p:sp>
-      <p:sp>
-        <p:nvSpPr>
-          <p:cNvPr id="4" name="Date Placeholder 3">
-            <a:extLst>
-              <a:ext uri="{FF2B5EF4-FFF2-40B4-BE49-F238E27FC236}">
-                <a16:creationId xmlns:a16="http://schemas.microsoft.com/office/drawing/2014/main" id="{7F14A189-5200-427C-96EE-C8C78B12C4F2}"/>
-              </a:ext>
-            </a:extLst>
-          </p:cNvPr>
+            <a:endParaRPr lang="en-US" dirty="0"/>
+          </a:p>
+        </p:txBody>
+      </p:sp>
+      <p:sp>
+        <p:nvSpPr>
+          <p:cNvPr id="4" name="Date Placeholder 3"/>
           <p:cNvSpPr>
             <a:spLocks noGrp="1"/>
           </p:cNvSpPr>
@@ -460,13 +3012,7 @@
       </p:sp>
       <p:sp>
         <p:nvSpPr>
-          <p:cNvPr id="5" name="Footer Placeholder 4">
-            <a:extLst>
-              <a:ext uri="{FF2B5EF4-FFF2-40B4-BE49-F238E27FC236}">
-                <a16:creationId xmlns:a16="http://schemas.microsoft.com/office/drawing/2014/main" id="{0A745B6A-176F-4CEB-9442-A4D5822B7851}"/>
-              </a:ext>
-            </a:extLst>
-          </p:cNvPr>
+          <p:cNvPr id="5" name="Footer Placeholder 4"/>
           <p:cNvSpPr>
             <a:spLocks noGrp="1"/>
           </p:cNvSpPr>
@@ -485,13 +3031,7 @@
       </p:sp>
       <p:sp>
         <p:nvSpPr>
-          <p:cNvPr id="6" name="Slide Number Placeholder 5">
-            <a:extLst>
-              <a:ext uri="{FF2B5EF4-FFF2-40B4-BE49-F238E27FC236}">
-                <a16:creationId xmlns:a16="http://schemas.microsoft.com/office/drawing/2014/main" id="{27EB3424-4ED6-46F2-8681-89DED6AEF119}"/>
-              </a:ext>
-            </a:extLst>
-          </p:cNvPr>
+          <p:cNvPr id="6" name="Slide Number Placeholder 5"/>
           <p:cNvSpPr>
             <a:spLocks noGrp="1"/>
           </p:cNvSpPr>
@@ -515,7 +3055,7 @@
     </p:spTree>
     <p:extLst>
       <p:ext uri="{BB962C8B-B14F-4D97-AF65-F5344CB8AC3E}">
-        <p14:creationId xmlns:p14="http://schemas.microsoft.com/office/powerpoint/2010/main" val="3165738232"/>
+        <p14:creationId xmlns:p14="http://schemas.microsoft.com/office/powerpoint/2010/main" val="2411253397"/>
       </p:ext>
     </p:extLst>
   </p:cSld>
@@ -525,7 +3065,7 @@
 </p:sldLayout>
 </file>
 
-<file path=ppt/slideLayouts/slideLayout11.xml><?xml version="1.0" encoding="utf-8"?>
+<file path=ppt/slideLayouts/slideLayout17.xml><?xml version="1.0" encoding="utf-8"?>
 <p:sldLayout xmlns:a="http://schemas.openxmlformats.org/drawingml/2006/main" xmlns:r="http://schemas.openxmlformats.org/officeDocument/2006/relationships" xmlns:p="http://schemas.openxmlformats.org/presentationml/2006/main" type="vertTitleAndTx" preserve="1">
   <p:cSld name="Vertical Title and Text">
     <p:spTree>
@@ -544,13 +3084,7 @@
       </p:grpSpPr>
       <p:sp>
         <p:nvSpPr>
-          <p:cNvPr id="2" name="Vertical Title 1">
-            <a:extLst>
-              <a:ext uri="{FF2B5EF4-FFF2-40B4-BE49-F238E27FC236}">
-                <a16:creationId xmlns:a16="http://schemas.microsoft.com/office/drawing/2014/main" id="{7500BE70-2DF5-4939-9237-CD5D29A3DBB6}"/>
-              </a:ext>
-            </a:extLst>
-          </p:cNvPr>
+          <p:cNvPr id="2" name="Vertical Title 1"/>
           <p:cNvSpPr>
             <a:spLocks noGrp="1"/>
           </p:cNvSpPr>
@@ -560,30 +3094,29 @@
         </p:nvSpPr>
         <p:spPr>
           <a:xfrm>
-            <a:off x="8724900" y="365125"/>
-            <a:ext cx="2628900" cy="5811838"/>
+            <a:off x="8724900" y="609599"/>
+            <a:ext cx="2542657" cy="5181601"/>
           </a:xfrm>
         </p:spPr>
         <p:txBody>
           <a:bodyPr vert="eaVert"/>
-          <a:lstStyle/>
+          <a:lstStyle>
+            <a:lvl1pPr algn="l">
+              <a:defRPr/>
+            </a:lvl1pPr>
+          </a:lstStyle>
           <a:p>
             <a:r>
               <a:rPr lang="en-US"/>
               <a:t>Click to edit Master title style</a:t>
             </a:r>
-          </a:p>
-        </p:txBody>
-      </p:sp>
-      <p:sp>
-        <p:nvSpPr>
-          <p:cNvPr id="3" name="Vertical Text Placeholder 2">
-            <a:extLst>
-              <a:ext uri="{FF2B5EF4-FFF2-40B4-BE49-F238E27FC236}">
-                <a16:creationId xmlns:a16="http://schemas.microsoft.com/office/drawing/2014/main" id="{A3CCDF66-04B8-4A76-ACF9-7F9E0D87E07B}"/>
-              </a:ext>
-            </a:extLst>
-          </p:cNvPr>
+            <a:endParaRPr lang="en-US" dirty="0"/>
+          </a:p>
+        </p:txBody>
+      </p:sp>
+      <p:sp>
+        <p:nvSpPr>
+          <p:cNvPr id="3" name="Vertical Text Placeholder 2"/>
           <p:cNvSpPr>
             <a:spLocks noGrp="1"/>
           </p:cNvSpPr>
@@ -593,8 +3126,8 @@
         </p:nvSpPr>
         <p:spPr>
           <a:xfrm>
-            <a:off x="838200" y="365125"/>
-            <a:ext cx="7734300" cy="5811838"/>
+            <a:off x="913794" y="609599"/>
+            <a:ext cx="7658705" cy="5181601"/>
           </a:xfrm>
         </p:spPr>
         <p:txBody>
@@ -634,18 +3167,13 @@
               <a:rPr lang="en-US"/>
               <a:t>Fifth level</a:t>
             </a:r>
-          </a:p>
-        </p:txBody>
-      </p:sp>
-      <p:sp>
-        <p:nvSpPr>
-          <p:cNvPr id="4" name="Date Placeholder 3">
-            <a:extLst>
-              <a:ext uri="{FF2B5EF4-FFF2-40B4-BE49-F238E27FC236}">
-                <a16:creationId xmlns:a16="http://schemas.microsoft.com/office/drawing/2014/main" id="{A246A541-8833-4F45-ACD9-8D228DD1D5FF}"/>
-              </a:ext>
-            </a:extLst>
-          </p:cNvPr>
+            <a:endParaRPr lang="en-US" dirty="0"/>
+          </a:p>
+        </p:txBody>
+      </p:sp>
+      <p:sp>
+        <p:nvSpPr>
+          <p:cNvPr id="4" name="Date Placeholder 3"/>
           <p:cNvSpPr>
             <a:spLocks noGrp="1"/>
           </p:cNvSpPr>
@@ -668,13 +3196,7 @@
       </p:sp>
       <p:sp>
         <p:nvSpPr>
-          <p:cNvPr id="5" name="Footer Placeholder 4">
-            <a:extLst>
-              <a:ext uri="{FF2B5EF4-FFF2-40B4-BE49-F238E27FC236}">
-                <a16:creationId xmlns:a16="http://schemas.microsoft.com/office/drawing/2014/main" id="{63FDDD34-8511-47BF-A4C8-611021E93D92}"/>
-              </a:ext>
-            </a:extLst>
-          </p:cNvPr>
+          <p:cNvPr id="5" name="Footer Placeholder 4"/>
           <p:cNvSpPr>
             <a:spLocks noGrp="1"/>
           </p:cNvSpPr>
@@ -693,13 +3215,7 @@
       </p:sp>
       <p:sp>
         <p:nvSpPr>
-          <p:cNvPr id="6" name="Slide Number Placeholder 5">
-            <a:extLst>
-              <a:ext uri="{FF2B5EF4-FFF2-40B4-BE49-F238E27FC236}">
-                <a16:creationId xmlns:a16="http://schemas.microsoft.com/office/drawing/2014/main" id="{08A1C380-3E25-424D-86EC-9DC90D2AF9AA}"/>
-              </a:ext>
-            </a:extLst>
-          </p:cNvPr>
+          <p:cNvPr id="6" name="Slide Number Placeholder 5"/>
           <p:cNvSpPr>
             <a:spLocks noGrp="1"/>
           </p:cNvSpPr>
@@ -723,7 +3239,7 @@
     </p:spTree>
     <p:extLst>
       <p:ext uri="{BB962C8B-B14F-4D97-AF65-F5344CB8AC3E}">
-        <p14:creationId xmlns:p14="http://schemas.microsoft.com/office/powerpoint/2010/main" val="4278946453"/>
+        <p14:creationId xmlns:p14="http://schemas.microsoft.com/office/powerpoint/2010/main" val="1952232738"/>
       </p:ext>
     </p:extLst>
   </p:cSld>
@@ -752,13 +3268,7 @@
       </p:grpSpPr>
       <p:sp>
         <p:nvSpPr>
-          <p:cNvPr id="2" name="Title 1">
-            <a:extLst>
-              <a:ext uri="{FF2B5EF4-FFF2-40B4-BE49-F238E27FC236}">
-                <a16:creationId xmlns:a16="http://schemas.microsoft.com/office/drawing/2014/main" id="{D7998F77-8CC6-48A4-A29D-58388C33CB7F}"/>
-              </a:ext>
-            </a:extLst>
-          </p:cNvPr>
+          <p:cNvPr id="2" name="Title 1"/>
           <p:cNvSpPr>
             <a:spLocks noGrp="1"/>
           </p:cNvSpPr>
@@ -775,18 +3285,13 @@
               <a:rPr lang="en-US"/>
               <a:t>Click to edit Master title style</a:t>
             </a:r>
-          </a:p>
-        </p:txBody>
-      </p:sp>
-      <p:sp>
-        <p:nvSpPr>
-          <p:cNvPr id="3" name="Content Placeholder 2">
-            <a:extLst>
-              <a:ext uri="{FF2B5EF4-FFF2-40B4-BE49-F238E27FC236}">
-                <a16:creationId xmlns:a16="http://schemas.microsoft.com/office/drawing/2014/main" id="{7F9A8B5D-1917-4836-97EB-D4881FDE832D}"/>
-              </a:ext>
-            </a:extLst>
-          </p:cNvPr>
+            <a:endParaRPr lang="en-US" dirty="0"/>
+          </a:p>
+        </p:txBody>
+      </p:sp>
+      <p:sp>
+        <p:nvSpPr>
+          <p:cNvPr id="3" name="Content Placeholder 2"/>
           <p:cNvSpPr>
             <a:spLocks noGrp="1"/>
           </p:cNvSpPr>
@@ -832,18 +3337,13 @@
               <a:rPr lang="en-US"/>
               <a:t>Fifth level</a:t>
             </a:r>
-          </a:p>
-        </p:txBody>
-      </p:sp>
-      <p:sp>
-        <p:nvSpPr>
-          <p:cNvPr id="4" name="Date Placeholder 3">
-            <a:extLst>
-              <a:ext uri="{FF2B5EF4-FFF2-40B4-BE49-F238E27FC236}">
-                <a16:creationId xmlns:a16="http://schemas.microsoft.com/office/drawing/2014/main" id="{2DF7ED2C-0850-4849-872C-C30543767CB1}"/>
-              </a:ext>
-            </a:extLst>
-          </p:cNvPr>
+            <a:endParaRPr lang="en-US" dirty="0"/>
+          </a:p>
+        </p:txBody>
+      </p:sp>
+      <p:sp>
+        <p:nvSpPr>
+          <p:cNvPr id="4" name="Date Placeholder 3"/>
           <p:cNvSpPr>
             <a:spLocks noGrp="1"/>
           </p:cNvSpPr>
@@ -866,13 +3366,7 @@
       </p:sp>
       <p:sp>
         <p:nvSpPr>
-          <p:cNvPr id="5" name="Footer Placeholder 4">
-            <a:extLst>
-              <a:ext uri="{FF2B5EF4-FFF2-40B4-BE49-F238E27FC236}">
-                <a16:creationId xmlns:a16="http://schemas.microsoft.com/office/drawing/2014/main" id="{F678549D-8CBC-4DA1-B608-0C8624118ED4}"/>
-              </a:ext>
-            </a:extLst>
-          </p:cNvPr>
+          <p:cNvPr id="5" name="Footer Placeholder 4"/>
           <p:cNvSpPr>
             <a:spLocks noGrp="1"/>
           </p:cNvSpPr>
@@ -891,13 +3385,7 @@
       </p:sp>
       <p:sp>
         <p:nvSpPr>
-          <p:cNvPr id="6" name="Slide Number Placeholder 5">
-            <a:extLst>
-              <a:ext uri="{FF2B5EF4-FFF2-40B4-BE49-F238E27FC236}">
-                <a16:creationId xmlns:a16="http://schemas.microsoft.com/office/drawing/2014/main" id="{F0121D5D-7C49-4A35-BFA5-F4ADA1043492}"/>
-              </a:ext>
-            </a:extLst>
-          </p:cNvPr>
+          <p:cNvPr id="6" name="Slide Number Placeholder 5"/>
           <p:cNvSpPr>
             <a:spLocks noGrp="1"/>
           </p:cNvSpPr>
@@ -918,10 +3406,46 @@
           </a:p>
         </p:txBody>
       </p:sp>
+      <p:pic>
+        <p:nvPicPr>
+          <p:cNvPr id="8" name="Picture 7" descr="A picture containing text, clipart&#10;&#10;Description automatically generated">
+            <a:extLst>
+              <a:ext uri="{FF2B5EF4-FFF2-40B4-BE49-F238E27FC236}">
+                <a16:creationId xmlns:a16="http://schemas.microsoft.com/office/drawing/2014/main" id="{EC24A7CE-1236-49FD-B6A4-7E54906CCC27}"/>
+              </a:ext>
+            </a:extLst>
+          </p:cNvPr>
+          <p:cNvPicPr>
+            <a:picLocks noChangeAspect="1"/>
+          </p:cNvPicPr>
+          <p:nvPr userDrawn="1"/>
+        </p:nvPicPr>
+        <p:blipFill>
+          <a:blip r:embed="rId2">
+            <a:extLst>
+              <a:ext uri="{28A0092B-C50C-407E-A947-70E740481C1C}">
+                <a14:useLocalDpi xmlns:a14="http://schemas.microsoft.com/office/drawing/2010/main" val="0"/>
+              </a:ext>
+            </a:extLst>
+          </a:blip>
+          <a:stretch>
+            <a:fillRect/>
+          </a:stretch>
+        </p:blipFill>
+        <p:spPr>
+          <a:xfrm>
+            <a:off x="10256079" y="0"/>
+            <a:ext cx="1935921" cy="1935921"/>
+          </a:xfrm>
+          <a:prstGeom prst="rect">
+            <a:avLst/>
+          </a:prstGeom>
+        </p:spPr>
+      </p:pic>
     </p:spTree>
     <p:extLst>
       <p:ext uri="{BB962C8B-B14F-4D97-AF65-F5344CB8AC3E}">
-        <p14:creationId xmlns:p14="http://schemas.microsoft.com/office/powerpoint/2010/main" val="2611993009"/>
+        <p14:creationId xmlns:p14="http://schemas.microsoft.com/office/powerpoint/2010/main" val="165015539"/>
       </p:ext>
     </p:extLst>
   </p:cSld>
@@ -950,13 +3474,7 @@
       </p:grpSpPr>
       <p:sp>
         <p:nvSpPr>
-          <p:cNvPr id="2" name="Title 1">
-            <a:extLst>
-              <a:ext uri="{FF2B5EF4-FFF2-40B4-BE49-F238E27FC236}">
-                <a16:creationId xmlns:a16="http://schemas.microsoft.com/office/drawing/2014/main" id="{86007EC8-2481-409E-BE4F-27EBECBD0E9E}"/>
-              </a:ext>
-            </a:extLst>
-          </p:cNvPr>
+          <p:cNvPr id="2" name="Title 1"/>
           <p:cNvSpPr>
             <a:spLocks noGrp="1"/>
           </p:cNvSpPr>
@@ -966,15 +3484,17 @@
         </p:nvSpPr>
         <p:spPr>
           <a:xfrm>
-            <a:off x="831850" y="1709738"/>
-            <a:ext cx="10515600" cy="2852737"/>
+            <a:off x="1229244" y="657226"/>
+            <a:ext cx="9733512" cy="2852737"/>
           </a:xfrm>
         </p:spPr>
         <p:txBody>
-          <a:bodyPr anchor="b"/>
+          <a:bodyPr anchor="b">
+            <a:normAutofit/>
+          </a:bodyPr>
           <a:lstStyle>
             <a:lvl1pPr>
-              <a:defRPr sz="6000"/>
+              <a:defRPr sz="3400"/>
             </a:lvl1pPr>
           </a:lstStyle>
           <a:p>
@@ -982,18 +3502,13 @@
               <a:rPr lang="en-US"/>
               <a:t>Click to edit Master title style</a:t>
             </a:r>
-          </a:p>
-        </p:txBody>
-      </p:sp>
-      <p:sp>
-        <p:nvSpPr>
-          <p:cNvPr id="3" name="Text Placeholder 2">
-            <a:extLst>
-              <a:ext uri="{FF2B5EF4-FFF2-40B4-BE49-F238E27FC236}">
-                <a16:creationId xmlns:a16="http://schemas.microsoft.com/office/drawing/2014/main" id="{D585C933-1627-423E-9389-E10F22F87BA6}"/>
-              </a:ext>
-            </a:extLst>
-          </p:cNvPr>
+            <a:endParaRPr lang="en-US" dirty="0"/>
+          </a:p>
+        </p:txBody>
+      </p:sp>
+      <p:sp>
+        <p:nvSpPr>
+          <p:cNvPr id="3" name="Text Placeholder 2"/>
           <p:cNvSpPr>
             <a:spLocks noGrp="1"/>
           </p:cNvSpPr>
@@ -1003,14 +3518,14 @@
         </p:nvSpPr>
         <p:spPr>
           <a:xfrm>
-            <a:off x="831850" y="4589463"/>
-            <a:ext cx="10515600" cy="1500187"/>
+            <a:off x="1229244" y="3602038"/>
+            <a:ext cx="9733512" cy="1500187"/>
           </a:xfrm>
         </p:spPr>
         <p:txBody>
           <a:bodyPr/>
           <a:lstStyle>
-            <a:lvl1pPr marL="0" indent="0">
+            <a:lvl1pPr marL="0" indent="0" algn="ctr">
               <a:buNone/>
               <a:defRPr sz="2400">
                 <a:solidFill>
@@ -1112,13 +3627,7 @@
       </p:sp>
       <p:sp>
         <p:nvSpPr>
-          <p:cNvPr id="4" name="Date Placeholder 3">
-            <a:extLst>
-              <a:ext uri="{FF2B5EF4-FFF2-40B4-BE49-F238E27FC236}">
-                <a16:creationId xmlns:a16="http://schemas.microsoft.com/office/drawing/2014/main" id="{C53D1B8B-4AFB-43FE-B116-E1D3598C51D0}"/>
-              </a:ext>
-            </a:extLst>
-          </p:cNvPr>
+          <p:cNvPr id="4" name="Date Placeholder 3"/>
           <p:cNvSpPr>
             <a:spLocks noGrp="1"/>
           </p:cNvSpPr>
@@ -1141,13 +3650,7 @@
       </p:sp>
       <p:sp>
         <p:nvSpPr>
-          <p:cNvPr id="5" name="Footer Placeholder 4">
-            <a:extLst>
-              <a:ext uri="{FF2B5EF4-FFF2-40B4-BE49-F238E27FC236}">
-                <a16:creationId xmlns:a16="http://schemas.microsoft.com/office/drawing/2014/main" id="{8BDA1093-56F6-428A-9463-60909BA296BD}"/>
-              </a:ext>
-            </a:extLst>
-          </p:cNvPr>
+          <p:cNvPr id="5" name="Footer Placeholder 4"/>
           <p:cNvSpPr>
             <a:spLocks noGrp="1"/>
           </p:cNvSpPr>
@@ -1166,13 +3669,7 @@
       </p:sp>
       <p:sp>
         <p:nvSpPr>
-          <p:cNvPr id="6" name="Slide Number Placeholder 5">
-            <a:extLst>
-              <a:ext uri="{FF2B5EF4-FFF2-40B4-BE49-F238E27FC236}">
-                <a16:creationId xmlns:a16="http://schemas.microsoft.com/office/drawing/2014/main" id="{77A6A339-5E2E-4C28-A8FE-EF8FABCDF2A5}"/>
-              </a:ext>
-            </a:extLst>
-          </p:cNvPr>
+          <p:cNvPr id="6" name="Slide Number Placeholder 5"/>
           <p:cNvSpPr>
             <a:spLocks noGrp="1"/>
           </p:cNvSpPr>
@@ -1193,10 +3690,46 @@
           </a:p>
         </p:txBody>
       </p:sp>
+      <p:pic>
+        <p:nvPicPr>
+          <p:cNvPr id="7" name="Picture 6" descr="A picture containing text, clipart&#10;&#10;Description automatically generated">
+            <a:extLst>
+              <a:ext uri="{FF2B5EF4-FFF2-40B4-BE49-F238E27FC236}">
+                <a16:creationId xmlns:a16="http://schemas.microsoft.com/office/drawing/2014/main" id="{C3067922-9FA2-45C0-857E-B6E87EAD62FD}"/>
+              </a:ext>
+            </a:extLst>
+          </p:cNvPr>
+          <p:cNvPicPr>
+            <a:picLocks noChangeAspect="1"/>
+          </p:cNvPicPr>
+          <p:nvPr userDrawn="1"/>
+        </p:nvPicPr>
+        <p:blipFill>
+          <a:blip r:embed="rId2">
+            <a:extLst>
+              <a:ext uri="{28A0092B-C50C-407E-A947-70E740481C1C}">
+                <a14:useLocalDpi xmlns:a14="http://schemas.microsoft.com/office/drawing/2010/main" val="0"/>
+              </a:ext>
+            </a:extLst>
+          </a:blip>
+          <a:stretch>
+            <a:fillRect/>
+          </a:stretch>
+        </p:blipFill>
+        <p:spPr>
+          <a:xfrm>
+            <a:off x="10256079" y="0"/>
+            <a:ext cx="1935921" cy="1935921"/>
+          </a:xfrm>
+          <a:prstGeom prst="rect">
+            <a:avLst/>
+          </a:prstGeom>
+        </p:spPr>
+      </p:pic>
     </p:spTree>
     <p:extLst>
       <p:ext uri="{BB962C8B-B14F-4D97-AF65-F5344CB8AC3E}">
-        <p14:creationId xmlns:p14="http://schemas.microsoft.com/office/powerpoint/2010/main" val="3791881083"/>
+        <p14:creationId xmlns:p14="http://schemas.microsoft.com/office/powerpoint/2010/main" val="1239588927"/>
       </p:ext>
     </p:extLst>
   </p:cSld>
@@ -1225,114 +3758,46 @@
       </p:grpSpPr>
       <p:sp>
         <p:nvSpPr>
-          <p:cNvPr id="2" name="Title 1">
-            <a:extLst>
-              <a:ext uri="{FF2B5EF4-FFF2-40B4-BE49-F238E27FC236}">
-                <a16:creationId xmlns:a16="http://schemas.microsoft.com/office/drawing/2014/main" id="{2D92BFA9-8882-4DF3-BFA0-5184140F050B}"/>
-              </a:ext>
-            </a:extLst>
-          </p:cNvPr>
+          <p:cNvPr id="2" name="Title 1"/>
           <p:cNvSpPr>
             <a:spLocks noGrp="1"/>
           </p:cNvSpPr>
           <p:nvPr>
             <p:ph type="title"/>
-          </p:nvPr>
-        </p:nvSpPr>
-        <p:spPr/>
-        <p:txBody>
-          <a:bodyPr/>
-          <a:lstStyle/>
-          <a:p>
-            <a:r>
-              <a:rPr lang="en-US"/>
-              <a:t>Click to edit Master title style</a:t>
-            </a:r>
-          </a:p>
-        </p:txBody>
-      </p:sp>
-      <p:sp>
-        <p:nvSpPr>
-          <p:cNvPr id="3" name="Content Placeholder 2">
-            <a:extLst>
-              <a:ext uri="{FF2B5EF4-FFF2-40B4-BE49-F238E27FC236}">
-                <a16:creationId xmlns:a16="http://schemas.microsoft.com/office/drawing/2014/main" id="{04A9E01F-E983-41A8-86A4-D87406F43301}"/>
-              </a:ext>
-            </a:extLst>
-          </p:cNvPr>
-          <p:cNvSpPr>
-            <a:spLocks noGrp="1"/>
-          </p:cNvSpPr>
-          <p:nvPr>
-            <p:ph sz="half" idx="1"/>
           </p:nvPr>
         </p:nvSpPr>
         <p:spPr>
           <a:xfrm>
-            <a:off x="838200" y="1825625"/>
-            <a:ext cx="5181600" cy="4351338"/>
+            <a:off x="913795" y="609600"/>
+            <a:ext cx="10353761" cy="1326321"/>
           </a:xfrm>
         </p:spPr>
         <p:txBody>
           <a:bodyPr/>
           <a:lstStyle/>
           <a:p>
-            <a:pPr lvl="0"/>
-            <a:r>
-              <a:rPr lang="en-US"/>
-              <a:t>Click to edit Master text styles</a:t>
-            </a:r>
-          </a:p>
-          <a:p>
-            <a:pPr lvl="1"/>
-            <a:r>
-              <a:rPr lang="en-US"/>
-              <a:t>Second level</a:t>
-            </a:r>
-          </a:p>
-          <a:p>
-            <a:pPr lvl="2"/>
-            <a:r>
-              <a:rPr lang="en-US"/>
-              <a:t>Third level</a:t>
-            </a:r>
-          </a:p>
-          <a:p>
-            <a:pPr lvl="3"/>
-            <a:r>
-              <a:rPr lang="en-US"/>
-              <a:t>Fourth level</a:t>
-            </a:r>
-          </a:p>
-          <a:p>
-            <a:pPr lvl="4"/>
-            <a:r>
-              <a:rPr lang="en-US"/>
-              <a:t>Fifth level</a:t>
-            </a:r>
-          </a:p>
-        </p:txBody>
-      </p:sp>
-      <p:sp>
-        <p:nvSpPr>
-          <p:cNvPr id="4" name="Content Placeholder 3">
-            <a:extLst>
-              <a:ext uri="{FF2B5EF4-FFF2-40B4-BE49-F238E27FC236}">
-                <a16:creationId xmlns:a16="http://schemas.microsoft.com/office/drawing/2014/main" id="{8FEB60BE-B37C-4A4B-A4DD-16A959743E2B}"/>
-              </a:ext>
-            </a:extLst>
-          </p:cNvPr>
-          <p:cNvSpPr>
-            <a:spLocks noGrp="1"/>
-          </p:cNvSpPr>
-          <p:nvPr>
-            <p:ph sz="half" idx="2"/>
+            <a:r>
+              <a:rPr lang="en-US"/>
+              <a:t>Click to edit Master title style</a:t>
+            </a:r>
+            <a:endParaRPr lang="en-US" dirty="0"/>
+          </a:p>
+        </p:txBody>
+      </p:sp>
+      <p:sp>
+        <p:nvSpPr>
+          <p:cNvPr id="3" name="Content Placeholder 2"/>
+          <p:cNvSpPr>
+            <a:spLocks noGrp="1"/>
+          </p:cNvSpPr>
+          <p:nvPr>
+            <p:ph sz="half" idx="1"/>
           </p:nvPr>
         </p:nvSpPr>
         <p:spPr>
           <a:xfrm>
-            <a:off x="6172200" y="1825625"/>
-            <a:ext cx="5181600" cy="4351338"/>
+            <a:off x="913795" y="2088319"/>
+            <a:ext cx="5106004" cy="3702881"/>
           </a:xfrm>
         </p:spPr>
         <p:txBody>
@@ -1372,18 +3837,70 @@
               <a:rPr lang="en-US"/>
               <a:t>Fifth level</a:t>
             </a:r>
-          </a:p>
-        </p:txBody>
-      </p:sp>
-      <p:sp>
-        <p:nvSpPr>
-          <p:cNvPr id="5" name="Date Placeholder 4">
-            <a:extLst>
-              <a:ext uri="{FF2B5EF4-FFF2-40B4-BE49-F238E27FC236}">
-                <a16:creationId xmlns:a16="http://schemas.microsoft.com/office/drawing/2014/main" id="{E7AE5736-6D50-45CC-B8B6-D1F13E4A1E9D}"/>
-              </a:ext>
-            </a:extLst>
-          </p:cNvPr>
+            <a:endParaRPr lang="en-US" dirty="0"/>
+          </a:p>
+        </p:txBody>
+      </p:sp>
+      <p:sp>
+        <p:nvSpPr>
+          <p:cNvPr id="4" name="Content Placeholder 3"/>
+          <p:cNvSpPr>
+            <a:spLocks noGrp="1"/>
+          </p:cNvSpPr>
+          <p:nvPr>
+            <p:ph sz="half" idx="2"/>
+          </p:nvPr>
+        </p:nvSpPr>
+        <p:spPr>
+          <a:xfrm>
+            <a:off x="6173403" y="2088319"/>
+            <a:ext cx="5094154" cy="3702881"/>
+          </a:xfrm>
+        </p:spPr>
+        <p:txBody>
+          <a:bodyPr/>
+          <a:lstStyle/>
+          <a:p>
+            <a:pPr lvl="0"/>
+            <a:r>
+              <a:rPr lang="en-US"/>
+              <a:t>Click to edit Master text styles</a:t>
+            </a:r>
+          </a:p>
+          <a:p>
+            <a:pPr lvl="1"/>
+            <a:r>
+              <a:rPr lang="en-US"/>
+              <a:t>Second level</a:t>
+            </a:r>
+          </a:p>
+          <a:p>
+            <a:pPr lvl="2"/>
+            <a:r>
+              <a:rPr lang="en-US"/>
+              <a:t>Third level</a:t>
+            </a:r>
+          </a:p>
+          <a:p>
+            <a:pPr lvl="3"/>
+            <a:r>
+              <a:rPr lang="en-US"/>
+              <a:t>Fourth level</a:t>
+            </a:r>
+          </a:p>
+          <a:p>
+            <a:pPr lvl="4"/>
+            <a:r>
+              <a:rPr lang="en-US"/>
+              <a:t>Fifth level</a:t>
+            </a:r>
+            <a:endParaRPr lang="en-US" dirty="0"/>
+          </a:p>
+        </p:txBody>
+      </p:sp>
+      <p:sp>
+        <p:nvSpPr>
+          <p:cNvPr id="5" name="Date Placeholder 4"/>
           <p:cNvSpPr>
             <a:spLocks noGrp="1"/>
           </p:cNvSpPr>
@@ -1406,13 +3923,7 @@
       </p:sp>
       <p:sp>
         <p:nvSpPr>
-          <p:cNvPr id="6" name="Footer Placeholder 5">
-            <a:extLst>
-              <a:ext uri="{FF2B5EF4-FFF2-40B4-BE49-F238E27FC236}">
-                <a16:creationId xmlns:a16="http://schemas.microsoft.com/office/drawing/2014/main" id="{0D13E127-AD4A-4705-8B21-78F0A74BC569}"/>
-              </a:ext>
-            </a:extLst>
-          </p:cNvPr>
+          <p:cNvPr id="6" name="Footer Placeholder 5"/>
           <p:cNvSpPr>
             <a:spLocks noGrp="1"/>
           </p:cNvSpPr>
@@ -1431,13 +3942,7 @@
       </p:sp>
       <p:sp>
         <p:nvSpPr>
-          <p:cNvPr id="7" name="Slide Number Placeholder 6">
-            <a:extLst>
-              <a:ext uri="{FF2B5EF4-FFF2-40B4-BE49-F238E27FC236}">
-                <a16:creationId xmlns:a16="http://schemas.microsoft.com/office/drawing/2014/main" id="{767C9A13-196B-40BB-9140-48FC4D0AB62F}"/>
-              </a:ext>
-            </a:extLst>
-          </p:cNvPr>
+          <p:cNvPr id="7" name="Slide Number Placeholder 6"/>
           <p:cNvSpPr>
             <a:spLocks noGrp="1"/>
           </p:cNvSpPr>
@@ -1458,10 +3963,46 @@
           </a:p>
         </p:txBody>
       </p:sp>
+      <p:pic>
+        <p:nvPicPr>
+          <p:cNvPr id="8" name="Picture 7" descr="A picture containing text, clipart&#10;&#10;Description automatically generated">
+            <a:extLst>
+              <a:ext uri="{FF2B5EF4-FFF2-40B4-BE49-F238E27FC236}">
+                <a16:creationId xmlns:a16="http://schemas.microsoft.com/office/drawing/2014/main" id="{C4DDBC8C-16CB-4847-AB42-F293BE64E4EE}"/>
+              </a:ext>
+            </a:extLst>
+          </p:cNvPr>
+          <p:cNvPicPr>
+            <a:picLocks noChangeAspect="1"/>
+          </p:cNvPicPr>
+          <p:nvPr userDrawn="1"/>
+        </p:nvPicPr>
+        <p:blipFill>
+          <a:blip r:embed="rId2">
+            <a:extLst>
+              <a:ext uri="{28A0092B-C50C-407E-A947-70E740481C1C}">
+                <a14:useLocalDpi xmlns:a14="http://schemas.microsoft.com/office/drawing/2010/main" val="0"/>
+              </a:ext>
+            </a:extLst>
+          </a:blip>
+          <a:stretch>
+            <a:fillRect/>
+          </a:stretch>
+        </p:blipFill>
+        <p:spPr>
+          <a:xfrm>
+            <a:off x="10256079" y="0"/>
+            <a:ext cx="1935921" cy="1935921"/>
+          </a:xfrm>
+          <a:prstGeom prst="rect">
+            <a:avLst/>
+          </a:prstGeom>
+        </p:spPr>
+      </p:pic>
     </p:spTree>
     <p:extLst>
       <p:ext uri="{BB962C8B-B14F-4D97-AF65-F5344CB8AC3E}">
-        <p14:creationId xmlns:p14="http://schemas.microsoft.com/office/powerpoint/2010/main" val="3809761532"/>
+        <p14:creationId xmlns:p14="http://schemas.microsoft.com/office/powerpoint/2010/main" val="1584572404"/>
       </p:ext>
     </p:extLst>
   </p:cSld>
@@ -1490,13 +4031,7 @@
       </p:grpSpPr>
       <p:sp>
         <p:nvSpPr>
-          <p:cNvPr id="2" name="Title 1">
-            <a:extLst>
-              <a:ext uri="{FF2B5EF4-FFF2-40B4-BE49-F238E27FC236}">
-                <a16:creationId xmlns:a16="http://schemas.microsoft.com/office/drawing/2014/main" id="{606072C0-34BE-479B-8DE0-2AA6343A0FCB}"/>
-              </a:ext>
-            </a:extLst>
-          </p:cNvPr>
+          <p:cNvPr id="2" name="Title 1"/>
           <p:cNvSpPr>
             <a:spLocks noGrp="1"/>
           </p:cNvSpPr>
@@ -1506,8 +4041,8 @@
         </p:nvSpPr>
         <p:spPr>
           <a:xfrm>
-            <a:off x="839788" y="365125"/>
-            <a:ext cx="10515600" cy="1325563"/>
+            <a:off x="913795" y="609600"/>
+            <a:ext cx="10353761" cy="1325563"/>
           </a:xfrm>
         </p:spPr>
         <p:txBody>
@@ -1518,18 +4053,13 @@
               <a:rPr lang="en-US"/>
               <a:t>Click to edit Master title style</a:t>
             </a:r>
-          </a:p>
-        </p:txBody>
-      </p:sp>
-      <p:sp>
-        <p:nvSpPr>
-          <p:cNvPr id="3" name="Text Placeholder 2">
-            <a:extLst>
-              <a:ext uri="{FF2B5EF4-FFF2-40B4-BE49-F238E27FC236}">
-                <a16:creationId xmlns:a16="http://schemas.microsoft.com/office/drawing/2014/main" id="{CAE0D5CD-C847-4ED3-9AE1-0024D4E71ED8}"/>
-              </a:ext>
-            </a:extLst>
-          </p:cNvPr>
+            <a:endParaRPr lang="en-US" dirty="0"/>
+          </a:p>
+        </p:txBody>
+      </p:sp>
+      <p:sp>
+        <p:nvSpPr>
+          <p:cNvPr id="3" name="Text Placeholder 2"/>
           <p:cNvSpPr>
             <a:spLocks noGrp="1"/>
           </p:cNvSpPr>
@@ -1539,14 +4069,17 @@
         </p:nvSpPr>
         <p:spPr>
           <a:xfrm>
-            <a:off x="839788" y="1681163"/>
-            <a:ext cx="5157787" cy="823912"/>
+            <a:off x="1141804" y="2088320"/>
+            <a:ext cx="4879199" cy="823912"/>
           </a:xfrm>
         </p:spPr>
         <p:txBody>
           <a:bodyPr anchor="b"/>
           <a:lstStyle>
             <a:lvl1pPr marL="0" indent="0">
+              <a:lnSpc>
+                <a:spcPct val="100000"/>
+              </a:lnSpc>
               <a:buNone/>
               <a:defRPr sz="2400" b="1"/>
             </a:lvl1pPr>
@@ -1594,13 +4127,7 @@
       </p:sp>
       <p:sp>
         <p:nvSpPr>
-          <p:cNvPr id="4" name="Content Placeholder 3">
-            <a:extLst>
-              <a:ext uri="{FF2B5EF4-FFF2-40B4-BE49-F238E27FC236}">
-                <a16:creationId xmlns:a16="http://schemas.microsoft.com/office/drawing/2014/main" id="{303F1A49-4E2C-4CE4-A335-3890DD245343}"/>
-              </a:ext>
-            </a:extLst>
-          </p:cNvPr>
+          <p:cNvPr id="4" name="Content Placeholder 3"/>
           <p:cNvSpPr>
             <a:spLocks noGrp="1"/>
           </p:cNvSpPr>
@@ -1610,8 +4137,8 @@
         </p:nvSpPr>
         <p:spPr>
           <a:xfrm>
-            <a:off x="839788" y="2505075"/>
-            <a:ext cx="5157787" cy="3684588"/>
+            <a:off x="913795" y="2912232"/>
+            <a:ext cx="5107208" cy="2878968"/>
           </a:xfrm>
         </p:spPr>
         <p:txBody>
@@ -1651,18 +4178,13 @@
               <a:rPr lang="en-US"/>
               <a:t>Fifth level</a:t>
             </a:r>
-          </a:p>
-        </p:txBody>
-      </p:sp>
-      <p:sp>
-        <p:nvSpPr>
-          <p:cNvPr id="5" name="Text Placeholder 4">
-            <a:extLst>
-              <a:ext uri="{FF2B5EF4-FFF2-40B4-BE49-F238E27FC236}">
-                <a16:creationId xmlns:a16="http://schemas.microsoft.com/office/drawing/2014/main" id="{C6817E60-9203-4A69-929D-5B33D33E109B}"/>
-              </a:ext>
-            </a:extLst>
-          </p:cNvPr>
+            <a:endParaRPr lang="en-US" dirty="0"/>
+          </a:p>
+        </p:txBody>
+      </p:sp>
+      <p:sp>
+        <p:nvSpPr>
+          <p:cNvPr id="5" name="Text Placeholder 4"/>
           <p:cNvSpPr>
             <a:spLocks noGrp="1"/>
           </p:cNvSpPr>
@@ -1672,14 +4194,17 @@
         </p:nvSpPr>
         <p:spPr>
           <a:xfrm>
-            <a:off x="6172200" y="1681163"/>
-            <a:ext cx="5183188" cy="823912"/>
+            <a:off x="6402003" y="2088320"/>
+            <a:ext cx="4865554" cy="823912"/>
           </a:xfrm>
         </p:spPr>
         <p:txBody>
           <a:bodyPr anchor="b"/>
           <a:lstStyle>
             <a:lvl1pPr marL="0" indent="0">
+              <a:lnSpc>
+                <a:spcPct val="100000"/>
+              </a:lnSpc>
               <a:buNone/>
               <a:defRPr sz="2400" b="1"/>
             </a:lvl1pPr>
@@ -1727,13 +4252,7 @@
       </p:sp>
       <p:sp>
         <p:nvSpPr>
-          <p:cNvPr id="6" name="Content Placeholder 5">
-            <a:extLst>
-              <a:ext uri="{FF2B5EF4-FFF2-40B4-BE49-F238E27FC236}">
-                <a16:creationId xmlns:a16="http://schemas.microsoft.com/office/drawing/2014/main" id="{644482F6-8907-405F-8EA1-62A642489B9A}"/>
-              </a:ext>
-            </a:extLst>
-          </p:cNvPr>
+          <p:cNvPr id="6" name="Content Placeholder 5"/>
           <p:cNvSpPr>
             <a:spLocks noGrp="1"/>
           </p:cNvSpPr>
@@ -1743,8 +4262,8 @@
         </p:nvSpPr>
         <p:spPr>
           <a:xfrm>
-            <a:off x="6172200" y="2505075"/>
-            <a:ext cx="5183188" cy="3684588"/>
+            <a:off x="6172200" y="2912232"/>
+            <a:ext cx="5095357" cy="2878968"/>
           </a:xfrm>
         </p:spPr>
         <p:txBody>
@@ -1784,18 +4303,13 @@
               <a:rPr lang="en-US"/>
               <a:t>Fifth level</a:t>
             </a:r>
-          </a:p>
-        </p:txBody>
-      </p:sp>
-      <p:sp>
-        <p:nvSpPr>
-          <p:cNvPr id="7" name="Date Placeholder 6">
-            <a:extLst>
-              <a:ext uri="{FF2B5EF4-FFF2-40B4-BE49-F238E27FC236}">
-                <a16:creationId xmlns:a16="http://schemas.microsoft.com/office/drawing/2014/main" id="{3F3B85D6-A1E9-44C8-974F-0CADEFC716E7}"/>
-              </a:ext>
-            </a:extLst>
-          </p:cNvPr>
+            <a:endParaRPr lang="en-US" dirty="0"/>
+          </a:p>
+        </p:txBody>
+      </p:sp>
+      <p:sp>
+        <p:nvSpPr>
+          <p:cNvPr id="7" name="Date Placeholder 6"/>
           <p:cNvSpPr>
             <a:spLocks noGrp="1"/>
           </p:cNvSpPr>
@@ -1818,13 +4332,7 @@
       </p:sp>
       <p:sp>
         <p:nvSpPr>
-          <p:cNvPr id="8" name="Footer Placeholder 7">
-            <a:extLst>
-              <a:ext uri="{FF2B5EF4-FFF2-40B4-BE49-F238E27FC236}">
-                <a16:creationId xmlns:a16="http://schemas.microsoft.com/office/drawing/2014/main" id="{1C2F0D8A-792A-4457-B897-AC429B22FE60}"/>
-              </a:ext>
-            </a:extLst>
-          </p:cNvPr>
+          <p:cNvPr id="8" name="Footer Placeholder 7"/>
           <p:cNvSpPr>
             <a:spLocks noGrp="1"/>
           </p:cNvSpPr>
@@ -1843,13 +4351,7 @@
       </p:sp>
       <p:sp>
         <p:nvSpPr>
-          <p:cNvPr id="9" name="Slide Number Placeholder 8">
-            <a:extLst>
-              <a:ext uri="{FF2B5EF4-FFF2-40B4-BE49-F238E27FC236}">
-                <a16:creationId xmlns:a16="http://schemas.microsoft.com/office/drawing/2014/main" id="{9D691E62-1ED2-41D9-8042-11F397421E88}"/>
-              </a:ext>
-            </a:extLst>
-          </p:cNvPr>
+          <p:cNvPr id="9" name="Slide Number Placeholder 8"/>
           <p:cNvSpPr>
             <a:spLocks noGrp="1"/>
           </p:cNvSpPr>
@@ -1870,10 +4372,46 @@
           </a:p>
         </p:txBody>
       </p:sp>
+      <p:pic>
+        <p:nvPicPr>
+          <p:cNvPr id="10" name="Picture 9" descr="A picture containing text, clipart&#10;&#10;Description automatically generated">
+            <a:extLst>
+              <a:ext uri="{FF2B5EF4-FFF2-40B4-BE49-F238E27FC236}">
+                <a16:creationId xmlns:a16="http://schemas.microsoft.com/office/drawing/2014/main" id="{610ECC30-1669-42F9-BE0D-8BBA3384BEA9}"/>
+              </a:ext>
+            </a:extLst>
+          </p:cNvPr>
+          <p:cNvPicPr>
+            <a:picLocks noChangeAspect="1"/>
+          </p:cNvPicPr>
+          <p:nvPr userDrawn="1"/>
+        </p:nvPicPr>
+        <p:blipFill>
+          <a:blip r:embed="rId2">
+            <a:extLst>
+              <a:ext uri="{28A0092B-C50C-407E-A947-70E740481C1C}">
+                <a14:useLocalDpi xmlns:a14="http://schemas.microsoft.com/office/drawing/2010/main" val="0"/>
+              </a:ext>
+            </a:extLst>
+          </a:blip>
+          <a:stretch>
+            <a:fillRect/>
+          </a:stretch>
+        </p:blipFill>
+        <p:spPr>
+          <a:xfrm>
+            <a:off x="10256079" y="0"/>
+            <a:ext cx="1935921" cy="1935921"/>
+          </a:xfrm>
+          <a:prstGeom prst="rect">
+            <a:avLst/>
+          </a:prstGeom>
+        </p:spPr>
+      </p:pic>
     </p:spTree>
     <p:extLst>
       <p:ext uri="{BB962C8B-B14F-4D97-AF65-F5344CB8AC3E}">
-        <p14:creationId xmlns:p14="http://schemas.microsoft.com/office/powerpoint/2010/main" val="1272144303"/>
+        <p14:creationId xmlns:p14="http://schemas.microsoft.com/office/powerpoint/2010/main" val="3391448902"/>
       </p:ext>
     </p:extLst>
   </p:cSld>
@@ -1902,13 +4440,7 @@
       </p:grpSpPr>
       <p:sp>
         <p:nvSpPr>
-          <p:cNvPr id="2" name="Title 1">
-            <a:extLst>
-              <a:ext uri="{FF2B5EF4-FFF2-40B4-BE49-F238E27FC236}">
-                <a16:creationId xmlns:a16="http://schemas.microsoft.com/office/drawing/2014/main" id="{2CAEE681-8B98-4302-A6E5-6F0BA5F1E5D8}"/>
-              </a:ext>
-            </a:extLst>
-          </p:cNvPr>
+          <p:cNvPr id="2" name="Title 1"/>
           <p:cNvSpPr>
             <a:spLocks noGrp="1"/>
           </p:cNvSpPr>
@@ -1925,18 +4457,13 @@
               <a:rPr lang="en-US"/>
               <a:t>Click to edit Master title style</a:t>
             </a:r>
-          </a:p>
-        </p:txBody>
-      </p:sp>
-      <p:sp>
-        <p:nvSpPr>
-          <p:cNvPr id="3" name="Date Placeholder 2">
-            <a:extLst>
-              <a:ext uri="{FF2B5EF4-FFF2-40B4-BE49-F238E27FC236}">
-                <a16:creationId xmlns:a16="http://schemas.microsoft.com/office/drawing/2014/main" id="{005673D9-FDF5-41A3-B647-311781F8E46F}"/>
-              </a:ext>
-            </a:extLst>
-          </p:cNvPr>
+            <a:endParaRPr lang="en-US" dirty="0"/>
+          </a:p>
+        </p:txBody>
+      </p:sp>
+      <p:sp>
+        <p:nvSpPr>
+          <p:cNvPr id="3" name="Date Placeholder 2"/>
           <p:cNvSpPr>
             <a:spLocks noGrp="1"/>
           </p:cNvSpPr>
@@ -1959,13 +4486,7 @@
       </p:sp>
       <p:sp>
         <p:nvSpPr>
-          <p:cNvPr id="4" name="Footer Placeholder 3">
-            <a:extLst>
-              <a:ext uri="{FF2B5EF4-FFF2-40B4-BE49-F238E27FC236}">
-                <a16:creationId xmlns:a16="http://schemas.microsoft.com/office/drawing/2014/main" id="{5E5C7AD0-F305-40DF-A0EB-FD8468A2CD25}"/>
-              </a:ext>
-            </a:extLst>
-          </p:cNvPr>
+          <p:cNvPr id="4" name="Footer Placeholder 3"/>
           <p:cNvSpPr>
             <a:spLocks noGrp="1"/>
           </p:cNvSpPr>
@@ -1984,13 +4505,7 @@
       </p:sp>
       <p:sp>
         <p:nvSpPr>
-          <p:cNvPr id="5" name="Slide Number Placeholder 4">
-            <a:extLst>
-              <a:ext uri="{FF2B5EF4-FFF2-40B4-BE49-F238E27FC236}">
-                <a16:creationId xmlns:a16="http://schemas.microsoft.com/office/drawing/2014/main" id="{E1BEFD7B-0FB7-4683-83BE-C2F5979A2204}"/>
-              </a:ext>
-            </a:extLst>
-          </p:cNvPr>
+          <p:cNvPr id="5" name="Slide Number Placeholder 4"/>
           <p:cNvSpPr>
             <a:spLocks noGrp="1"/>
           </p:cNvSpPr>
@@ -2011,10 +4526,46 @@
           </a:p>
         </p:txBody>
       </p:sp>
+      <p:pic>
+        <p:nvPicPr>
+          <p:cNvPr id="6" name="Picture 5" descr="A picture containing text, clipart&#10;&#10;Description automatically generated">
+            <a:extLst>
+              <a:ext uri="{FF2B5EF4-FFF2-40B4-BE49-F238E27FC236}">
+                <a16:creationId xmlns:a16="http://schemas.microsoft.com/office/drawing/2014/main" id="{3F180AF0-14E9-4456-93CB-94CAAE10DF43}"/>
+              </a:ext>
+            </a:extLst>
+          </p:cNvPr>
+          <p:cNvPicPr>
+            <a:picLocks noChangeAspect="1"/>
+          </p:cNvPicPr>
+          <p:nvPr userDrawn="1"/>
+        </p:nvPicPr>
+        <p:blipFill>
+          <a:blip r:embed="rId2">
+            <a:extLst>
+              <a:ext uri="{28A0092B-C50C-407E-A947-70E740481C1C}">
+                <a14:useLocalDpi xmlns:a14="http://schemas.microsoft.com/office/drawing/2010/main" val="0"/>
+              </a:ext>
+            </a:extLst>
+          </a:blip>
+          <a:stretch>
+            <a:fillRect/>
+          </a:stretch>
+        </p:blipFill>
+        <p:spPr>
+          <a:xfrm>
+            <a:off x="10256079" y="0"/>
+            <a:ext cx="1935921" cy="1935921"/>
+          </a:xfrm>
+          <a:prstGeom prst="rect">
+            <a:avLst/>
+          </a:prstGeom>
+        </p:spPr>
+      </p:pic>
     </p:spTree>
     <p:extLst>
       <p:ext uri="{BB962C8B-B14F-4D97-AF65-F5344CB8AC3E}">
-        <p14:creationId xmlns:p14="http://schemas.microsoft.com/office/powerpoint/2010/main" val="1069255972"/>
+        <p14:creationId xmlns:p14="http://schemas.microsoft.com/office/powerpoint/2010/main" val="2661539270"/>
       </p:ext>
     </p:extLst>
   </p:cSld>
@@ -2043,13 +4594,7 @@
       </p:grpSpPr>
       <p:sp>
         <p:nvSpPr>
-          <p:cNvPr id="2" name="Date Placeholder 1">
-            <a:extLst>
-              <a:ext uri="{FF2B5EF4-FFF2-40B4-BE49-F238E27FC236}">
-                <a16:creationId xmlns:a16="http://schemas.microsoft.com/office/drawing/2014/main" id="{49ABD0F1-FA0D-4B02-A888-99D0F70E61AC}"/>
-              </a:ext>
-            </a:extLst>
-          </p:cNvPr>
+          <p:cNvPr id="2" name="Date Placeholder 1"/>
           <p:cNvSpPr>
             <a:spLocks noGrp="1"/>
           </p:cNvSpPr>
@@ -2072,13 +4617,7 @@
       </p:sp>
       <p:sp>
         <p:nvSpPr>
-          <p:cNvPr id="3" name="Footer Placeholder 2">
-            <a:extLst>
-              <a:ext uri="{FF2B5EF4-FFF2-40B4-BE49-F238E27FC236}">
-                <a16:creationId xmlns:a16="http://schemas.microsoft.com/office/drawing/2014/main" id="{67BC3EA5-F323-41A6-9CA6-84229524C8F5}"/>
-              </a:ext>
-            </a:extLst>
-          </p:cNvPr>
+          <p:cNvPr id="3" name="Footer Placeholder 2"/>
           <p:cNvSpPr>
             <a:spLocks noGrp="1"/>
           </p:cNvSpPr>
@@ -2097,13 +4636,7 @@
       </p:sp>
       <p:sp>
         <p:nvSpPr>
-          <p:cNvPr id="4" name="Slide Number Placeholder 3">
-            <a:extLst>
-              <a:ext uri="{FF2B5EF4-FFF2-40B4-BE49-F238E27FC236}">
-                <a16:creationId xmlns:a16="http://schemas.microsoft.com/office/drawing/2014/main" id="{6FFAF4FC-4FC6-456D-ACA1-A547D921A26D}"/>
-              </a:ext>
-            </a:extLst>
-          </p:cNvPr>
+          <p:cNvPr id="4" name="Slide Number Placeholder 3"/>
           <p:cNvSpPr>
             <a:spLocks noGrp="1"/>
           </p:cNvSpPr>
@@ -2124,10 +4657,46 @@
           </a:p>
         </p:txBody>
       </p:sp>
+      <p:pic>
+        <p:nvPicPr>
+          <p:cNvPr id="5" name="Picture 4" descr="A picture containing text, clipart&#10;&#10;Description automatically generated">
+            <a:extLst>
+              <a:ext uri="{FF2B5EF4-FFF2-40B4-BE49-F238E27FC236}">
+                <a16:creationId xmlns:a16="http://schemas.microsoft.com/office/drawing/2014/main" id="{CF1CEE92-4274-499F-912A-C32AC9D3EE74}"/>
+              </a:ext>
+            </a:extLst>
+          </p:cNvPr>
+          <p:cNvPicPr>
+            <a:picLocks noChangeAspect="1"/>
+          </p:cNvPicPr>
+          <p:nvPr userDrawn="1"/>
+        </p:nvPicPr>
+        <p:blipFill>
+          <a:blip r:embed="rId2">
+            <a:extLst>
+              <a:ext uri="{28A0092B-C50C-407E-A947-70E740481C1C}">
+                <a14:useLocalDpi xmlns:a14="http://schemas.microsoft.com/office/drawing/2010/main" val="0"/>
+              </a:ext>
+            </a:extLst>
+          </a:blip>
+          <a:stretch>
+            <a:fillRect/>
+          </a:stretch>
+        </p:blipFill>
+        <p:spPr>
+          <a:xfrm>
+            <a:off x="10256079" y="0"/>
+            <a:ext cx="1935921" cy="1935921"/>
+          </a:xfrm>
+          <a:prstGeom prst="rect">
+            <a:avLst/>
+          </a:prstGeom>
+        </p:spPr>
+      </p:pic>
     </p:spTree>
     <p:extLst>
       <p:ext uri="{BB962C8B-B14F-4D97-AF65-F5344CB8AC3E}">
-        <p14:creationId xmlns:p14="http://schemas.microsoft.com/office/powerpoint/2010/main" val="3457526666"/>
+        <p14:creationId xmlns:p14="http://schemas.microsoft.com/office/powerpoint/2010/main" val="2799814452"/>
       </p:ext>
     </p:extLst>
   </p:cSld>
@@ -2156,13 +4725,7 @@
       </p:grpSpPr>
       <p:sp>
         <p:nvSpPr>
-          <p:cNvPr id="2" name="Title 1">
-            <a:extLst>
-              <a:ext uri="{FF2B5EF4-FFF2-40B4-BE49-F238E27FC236}">
-                <a16:creationId xmlns:a16="http://schemas.microsoft.com/office/drawing/2014/main" id="{ABB6F3BF-860A-4A38-9E3C-67B36ED998B4}"/>
-              </a:ext>
-            </a:extLst>
-          </p:cNvPr>
+          <p:cNvPr id="2" name="Title 1"/>
           <p:cNvSpPr>
             <a:spLocks noGrp="1"/>
           </p:cNvSpPr>
@@ -2172,15 +4735,17 @@
         </p:nvSpPr>
         <p:spPr>
           <a:xfrm>
-            <a:off x="839788" y="457200"/>
-            <a:ext cx="3932237" cy="1600200"/>
+            <a:off x="917228" y="609600"/>
+            <a:ext cx="3932237" cy="2362200"/>
           </a:xfrm>
         </p:spPr>
         <p:txBody>
-          <a:bodyPr anchor="b"/>
+          <a:bodyPr anchor="b">
+            <a:normAutofit/>
+          </a:bodyPr>
           <a:lstStyle>
             <a:lvl1pPr>
-              <a:defRPr sz="3200"/>
+              <a:defRPr sz="2800"/>
             </a:lvl1pPr>
           </a:lstStyle>
           <a:p>
@@ -2188,18 +4753,13 @@
               <a:rPr lang="en-US"/>
               <a:t>Click to edit Master title style</a:t>
             </a:r>
-          </a:p>
-        </p:txBody>
-      </p:sp>
-      <p:sp>
-        <p:nvSpPr>
-          <p:cNvPr id="3" name="Content Placeholder 2">
-            <a:extLst>
-              <a:ext uri="{FF2B5EF4-FFF2-40B4-BE49-F238E27FC236}">
-                <a16:creationId xmlns:a16="http://schemas.microsoft.com/office/drawing/2014/main" id="{72BB44B5-D0DB-4E78-971F-6101F65205CC}"/>
-              </a:ext>
-            </a:extLst>
-          </p:cNvPr>
+            <a:endParaRPr lang="en-US" dirty="0"/>
+          </a:p>
+        </p:txBody>
+      </p:sp>
+      <p:sp>
+        <p:nvSpPr>
+          <p:cNvPr id="3" name="Content Placeholder 2"/>
           <p:cNvSpPr>
             <a:spLocks noGrp="1"/>
           </p:cNvSpPr>
@@ -2209,41 +4769,13 @@
         </p:nvSpPr>
         <p:spPr>
           <a:xfrm>
-            <a:off x="5183188" y="987425"/>
-            <a:ext cx="6172200" cy="4873625"/>
+            <a:off x="5078064" y="609600"/>
+            <a:ext cx="6189492" cy="5181600"/>
           </a:xfrm>
         </p:spPr>
         <p:txBody>
-          <a:bodyPr/>
-          <a:lstStyle>
-            <a:lvl1pPr>
-              <a:defRPr sz="3200"/>
-            </a:lvl1pPr>
-            <a:lvl2pPr>
-              <a:defRPr sz="2800"/>
-            </a:lvl2pPr>
-            <a:lvl3pPr>
-              <a:defRPr sz="2400"/>
-            </a:lvl3pPr>
-            <a:lvl4pPr>
-              <a:defRPr sz="2000"/>
-            </a:lvl4pPr>
-            <a:lvl5pPr>
-              <a:defRPr sz="2000"/>
-            </a:lvl5pPr>
-            <a:lvl6pPr>
-              <a:defRPr sz="2000"/>
-            </a:lvl6pPr>
-            <a:lvl7pPr>
-              <a:defRPr sz="2000"/>
-            </a:lvl7pPr>
-            <a:lvl8pPr>
-              <a:defRPr sz="2000"/>
-            </a:lvl8pPr>
-            <a:lvl9pPr>
-              <a:defRPr sz="2000"/>
-            </a:lvl9pPr>
-          </a:lstStyle>
+          <a:bodyPr anchor="ctr"/>
+          <a:lstStyle/>
           <a:p>
             <a:pPr lvl="0"/>
             <a:r>
@@ -2278,18 +4810,13 @@
               <a:rPr lang="en-US"/>
               <a:t>Fifth level</a:t>
             </a:r>
-          </a:p>
-        </p:txBody>
-      </p:sp>
-      <p:sp>
-        <p:nvSpPr>
-          <p:cNvPr id="4" name="Text Placeholder 3">
-            <a:extLst>
-              <a:ext uri="{FF2B5EF4-FFF2-40B4-BE49-F238E27FC236}">
-                <a16:creationId xmlns:a16="http://schemas.microsoft.com/office/drawing/2014/main" id="{6A1A5E05-055C-4D1E-AE7B-4F0EBBAC6923}"/>
-              </a:ext>
-            </a:extLst>
-          </p:cNvPr>
+            <a:endParaRPr lang="en-US" dirty="0"/>
+          </a:p>
+        </p:txBody>
+      </p:sp>
+      <p:sp>
+        <p:nvSpPr>
+          <p:cNvPr id="4" name="Text Placeholder 3"/>
           <p:cNvSpPr>
             <a:spLocks noGrp="1"/>
           </p:cNvSpPr>
@@ -2299,14 +4826,14 @@
         </p:nvSpPr>
         <p:spPr>
           <a:xfrm>
-            <a:off x="839788" y="2057400"/>
-            <a:ext cx="3932237" cy="3811588"/>
+            <a:off x="917228" y="2971800"/>
+            <a:ext cx="3932237" cy="2819399"/>
           </a:xfrm>
         </p:spPr>
         <p:txBody>
           <a:bodyPr/>
           <a:lstStyle>
-            <a:lvl1pPr marL="0" indent="0">
+            <a:lvl1pPr marL="0" indent="0" algn="ctr">
               <a:buNone/>
               <a:defRPr sz="1600"/>
             </a:lvl1pPr>
@@ -2354,13 +4881,7 @@
       </p:sp>
       <p:sp>
         <p:nvSpPr>
-          <p:cNvPr id="5" name="Date Placeholder 4">
-            <a:extLst>
-              <a:ext uri="{FF2B5EF4-FFF2-40B4-BE49-F238E27FC236}">
-                <a16:creationId xmlns:a16="http://schemas.microsoft.com/office/drawing/2014/main" id="{83C2E61D-0EF5-4FF2-BEC4-3F6E8CE33A7C}"/>
-              </a:ext>
-            </a:extLst>
-          </p:cNvPr>
+          <p:cNvPr id="5" name="Date Placeholder 4"/>
           <p:cNvSpPr>
             <a:spLocks noGrp="1"/>
           </p:cNvSpPr>
@@ -2383,13 +4904,7 @@
       </p:sp>
       <p:sp>
         <p:nvSpPr>
-          <p:cNvPr id="6" name="Footer Placeholder 5">
-            <a:extLst>
-              <a:ext uri="{FF2B5EF4-FFF2-40B4-BE49-F238E27FC236}">
-                <a16:creationId xmlns:a16="http://schemas.microsoft.com/office/drawing/2014/main" id="{8D26E6BE-8881-43A8-8BE1-448EEE97CBF3}"/>
-              </a:ext>
-            </a:extLst>
-          </p:cNvPr>
+          <p:cNvPr id="6" name="Footer Placeholder 5"/>
           <p:cNvSpPr>
             <a:spLocks noGrp="1"/>
           </p:cNvSpPr>
@@ -2408,13 +4923,7 @@
       </p:sp>
       <p:sp>
         <p:nvSpPr>
-          <p:cNvPr id="7" name="Slide Number Placeholder 6">
-            <a:extLst>
-              <a:ext uri="{FF2B5EF4-FFF2-40B4-BE49-F238E27FC236}">
-                <a16:creationId xmlns:a16="http://schemas.microsoft.com/office/drawing/2014/main" id="{E5F79E2C-EAE7-41BB-AC4C-3D6D877C8AF0}"/>
-              </a:ext>
-            </a:extLst>
-          </p:cNvPr>
+          <p:cNvPr id="7" name="Slide Number Placeholder 6"/>
           <p:cNvSpPr>
             <a:spLocks noGrp="1"/>
           </p:cNvSpPr>
@@ -2435,10 +4944,46 @@
           </a:p>
         </p:txBody>
       </p:sp>
+      <p:pic>
+        <p:nvPicPr>
+          <p:cNvPr id="8" name="Picture 7" descr="A picture containing text, clipart&#10;&#10;Description automatically generated">
+            <a:extLst>
+              <a:ext uri="{FF2B5EF4-FFF2-40B4-BE49-F238E27FC236}">
+                <a16:creationId xmlns:a16="http://schemas.microsoft.com/office/drawing/2014/main" id="{522BDC49-143B-488A-BA4A-0028C9F3ACCA}"/>
+              </a:ext>
+            </a:extLst>
+          </p:cNvPr>
+          <p:cNvPicPr>
+            <a:picLocks noChangeAspect="1"/>
+          </p:cNvPicPr>
+          <p:nvPr userDrawn="1"/>
+        </p:nvPicPr>
+        <p:blipFill>
+          <a:blip r:embed="rId2">
+            <a:extLst>
+              <a:ext uri="{28A0092B-C50C-407E-A947-70E740481C1C}">
+                <a14:useLocalDpi xmlns:a14="http://schemas.microsoft.com/office/drawing/2010/main" val="0"/>
+              </a:ext>
+            </a:extLst>
+          </a:blip>
+          <a:stretch>
+            <a:fillRect/>
+          </a:stretch>
+        </p:blipFill>
+        <p:spPr>
+          <a:xfrm>
+            <a:off x="10256079" y="0"/>
+            <a:ext cx="1935921" cy="1935921"/>
+          </a:xfrm>
+          <a:prstGeom prst="rect">
+            <a:avLst/>
+          </a:prstGeom>
+        </p:spPr>
+      </p:pic>
     </p:spTree>
     <p:extLst>
       <p:ext uri="{BB962C8B-B14F-4D97-AF65-F5344CB8AC3E}">
-        <p14:creationId xmlns:p14="http://schemas.microsoft.com/office/powerpoint/2010/main" val="1477960586"/>
+        <p14:creationId xmlns:p14="http://schemas.microsoft.com/office/powerpoint/2010/main" val="3516808677"/>
       </p:ext>
     </p:extLst>
   </p:cSld>
@@ -2467,13 +5012,7 @@
       </p:grpSpPr>
       <p:sp>
         <p:nvSpPr>
-          <p:cNvPr id="2" name="Title 1">
-            <a:extLst>
-              <a:ext uri="{FF2B5EF4-FFF2-40B4-BE49-F238E27FC236}">
-                <a16:creationId xmlns:a16="http://schemas.microsoft.com/office/drawing/2014/main" id="{243B1DC4-0CAB-421F-AB48-702D6D6223E4}"/>
-              </a:ext>
-            </a:extLst>
-          </p:cNvPr>
+          <p:cNvPr id="2" name="Title 1"/>
           <p:cNvSpPr>
             <a:spLocks noGrp="1"/>
           </p:cNvSpPr>
@@ -2483,12 +5022,14 @@
         </p:nvSpPr>
         <p:spPr>
           <a:xfrm>
-            <a:off x="839788" y="457200"/>
-            <a:ext cx="3932237" cy="1600200"/>
+            <a:off x="917227" y="609600"/>
+            <a:ext cx="5929773" cy="2362200"/>
           </a:xfrm>
         </p:spPr>
         <p:txBody>
-          <a:bodyPr anchor="b"/>
+          <a:bodyPr anchor="b">
+            <a:normAutofit/>
+          </a:bodyPr>
           <a:lstStyle>
             <a:lvl1pPr>
               <a:defRPr sz="3200"/>
@@ -2499,20 +5040,15 @@
               <a:rPr lang="en-US"/>
               <a:t>Click to edit Master title style</a:t>
             </a:r>
-          </a:p>
-        </p:txBody>
-      </p:sp>
-      <p:sp>
-        <p:nvSpPr>
-          <p:cNvPr id="3" name="Picture Placeholder 2">
-            <a:extLst>
-              <a:ext uri="{FF2B5EF4-FFF2-40B4-BE49-F238E27FC236}">
-                <a16:creationId xmlns:a16="http://schemas.microsoft.com/office/drawing/2014/main" id="{B1667826-A296-430C-A17E-758B63841C4B}"/>
-              </a:ext>
-            </a:extLst>
-          </p:cNvPr>
-          <p:cNvSpPr>
-            <a:spLocks noGrp="1"/>
+            <a:endParaRPr lang="en-US" dirty="0"/>
+          </a:p>
+        </p:txBody>
+      </p:sp>
+      <p:sp>
+        <p:nvSpPr>
+          <p:cNvPr id="3" name="Picture Placeholder 2"/>
+          <p:cNvSpPr>
+            <a:spLocks noGrp="1" noChangeAspect="1"/>
           </p:cNvSpPr>
           <p:nvPr>
             <p:ph type="pic" idx="1"/>
@@ -2520,14 +5056,40 @@
         </p:nvSpPr>
         <p:spPr>
           <a:xfrm>
-            <a:off x="5183188" y="987425"/>
-            <a:ext cx="6172200" cy="4873625"/>
+            <a:off x="7424804" y="758881"/>
+            <a:ext cx="3255356" cy="4883038"/>
           </a:xfrm>
+          <a:noFill/>
+          <a:ln w="190500" cap="sq">
+            <a:solidFill>
+              <a:srgbClr val="FFFFFF"/>
+            </a:solidFill>
+            <a:miter lim="800000"/>
+          </a:ln>
+          <a:effectLst>
+            <a:outerShdw blurRad="55000" dist="18000" dir="5400000" algn="tl" rotWithShape="0">
+              <a:srgbClr val="000000">
+                <a:alpha val="40000"/>
+              </a:srgbClr>
+            </a:outerShdw>
+          </a:effectLst>
+          <a:scene3d>
+            <a:camera prst="orthographicFront"/>
+            <a:lightRig rig="twoPt" dir="t">
+              <a:rot lat="0" lon="0" rev="7200000"/>
+            </a:lightRig>
+          </a:scene3d>
+          <a:sp3d>
+            <a:bevelT w="25400" h="19050"/>
+            <a:contourClr>
+              <a:srgbClr val="FFFFFF"/>
+            </a:contourClr>
+          </a:sp3d>
         </p:spPr>
         <p:txBody>
-          <a:bodyPr/>
+          <a:bodyPr anchor="t"/>
           <a:lstStyle>
-            <a:lvl1pPr marL="0" indent="0">
+            <a:lvl1pPr marL="0" indent="0" algn="ctr">
               <a:buNone/>
               <a:defRPr sz="3200"/>
             </a:lvl1pPr>
@@ -2565,19 +5127,17 @@
             </a:lvl9pPr>
           </a:lstStyle>
           <a:p>
-            <a:endParaRPr lang="en-US"/>
-          </a:p>
-        </p:txBody>
-      </p:sp>
-      <p:sp>
-        <p:nvSpPr>
-          <p:cNvPr id="4" name="Text Placeholder 3">
-            <a:extLst>
-              <a:ext uri="{FF2B5EF4-FFF2-40B4-BE49-F238E27FC236}">
-                <a16:creationId xmlns:a16="http://schemas.microsoft.com/office/drawing/2014/main" id="{310B1F1F-BBBC-428B-B446-021BDB70FFAF}"/>
-              </a:ext>
-            </a:extLst>
-          </p:cNvPr>
+            <a:r>
+              <a:rPr lang="en-US"/>
+              <a:t>Click icon to add picture</a:t>
+            </a:r>
+            <a:endParaRPr lang="en-US" dirty="0"/>
+          </a:p>
+        </p:txBody>
+      </p:sp>
+      <p:sp>
+        <p:nvSpPr>
+          <p:cNvPr id="4" name="Text Placeholder 3"/>
           <p:cNvSpPr>
             <a:spLocks noGrp="1"/>
           </p:cNvSpPr>
@@ -2587,16 +5147,18 @@
         </p:nvSpPr>
         <p:spPr>
           <a:xfrm>
-            <a:off x="839788" y="2057400"/>
-            <a:ext cx="3932237" cy="3811588"/>
+            <a:off x="913794" y="2971800"/>
+            <a:ext cx="5934950" cy="2819400"/>
           </a:xfrm>
         </p:spPr>
         <p:txBody>
-          <a:bodyPr/>
+          <a:bodyPr>
+            <a:normAutofit/>
+          </a:bodyPr>
           <a:lstStyle>
-            <a:lvl1pPr marL="0" indent="0">
-              <a:buNone/>
-              <a:defRPr sz="1600"/>
+            <a:lvl1pPr marL="0" indent="0" algn="ctr">
+              <a:buNone/>
+              <a:defRPr sz="1800"/>
             </a:lvl1pPr>
             <a:lvl2pPr marL="457200" indent="0">
               <a:buNone/>
@@ -2642,13 +5204,7 @@
       </p:sp>
       <p:sp>
         <p:nvSpPr>
-          <p:cNvPr id="5" name="Date Placeholder 4">
-            <a:extLst>
-              <a:ext uri="{FF2B5EF4-FFF2-40B4-BE49-F238E27FC236}">
-                <a16:creationId xmlns:a16="http://schemas.microsoft.com/office/drawing/2014/main" id="{4ABD8F7C-0E1F-497D-AC63-0B002C433059}"/>
-              </a:ext>
-            </a:extLst>
-          </p:cNvPr>
+          <p:cNvPr id="5" name="Date Placeholder 4"/>
           <p:cNvSpPr>
             <a:spLocks noGrp="1"/>
           </p:cNvSpPr>
@@ -2671,13 +5227,7 @@
       </p:sp>
       <p:sp>
         <p:nvSpPr>
-          <p:cNvPr id="6" name="Footer Placeholder 5">
-            <a:extLst>
-              <a:ext uri="{FF2B5EF4-FFF2-40B4-BE49-F238E27FC236}">
-                <a16:creationId xmlns:a16="http://schemas.microsoft.com/office/drawing/2014/main" id="{41C2D225-6624-49D7-80AE-E308E6E8E39F}"/>
-              </a:ext>
-            </a:extLst>
-          </p:cNvPr>
+          <p:cNvPr id="6" name="Footer Placeholder 5"/>
           <p:cNvSpPr>
             <a:spLocks noGrp="1"/>
           </p:cNvSpPr>
@@ -2696,13 +5246,7 @@
       </p:sp>
       <p:sp>
         <p:nvSpPr>
-          <p:cNvPr id="7" name="Slide Number Placeholder 6">
-            <a:extLst>
-              <a:ext uri="{FF2B5EF4-FFF2-40B4-BE49-F238E27FC236}">
-                <a16:creationId xmlns:a16="http://schemas.microsoft.com/office/drawing/2014/main" id="{B3A2B8A3-778B-422A-9744-72A20A6873A7}"/>
-              </a:ext>
-            </a:extLst>
-          </p:cNvPr>
+          <p:cNvPr id="7" name="Slide Number Placeholder 6"/>
           <p:cNvSpPr>
             <a:spLocks noGrp="1"/>
           </p:cNvSpPr>
@@ -2726,7 +5270,7 @@
     </p:spTree>
     <p:extLst>
       <p:ext uri="{BB962C8B-B14F-4D97-AF65-F5344CB8AC3E}">
-        <p14:creationId xmlns:p14="http://schemas.microsoft.com/office/powerpoint/2010/main" val="1250227278"/>
+        <p14:creationId xmlns:p14="http://schemas.microsoft.com/office/powerpoint/2010/main" val="4253855994"/>
       </p:ext>
     </p:extLst>
   </p:cSld>
@@ -2740,8 +5284,8 @@
 <p:sldMaster xmlns:a="http://schemas.openxmlformats.org/drawingml/2006/main" xmlns:r="http://schemas.openxmlformats.org/officeDocument/2006/relationships" xmlns:p="http://schemas.openxmlformats.org/presentationml/2006/main">
   <p:cSld>
     <p:bg>
-      <p:bgRef idx="1001">
-        <a:schemeClr val="bg1"/>
+      <p:bgRef idx="1003">
+        <a:schemeClr val="bg2"/>
       </p:bgRef>
     </p:bg>
     <p:spTree>
@@ -2760,13 +5304,7 @@
       </p:grpSpPr>
       <p:sp>
         <p:nvSpPr>
-          <p:cNvPr id="2" name="Title Placeholder 1">
-            <a:extLst>
-              <a:ext uri="{FF2B5EF4-FFF2-40B4-BE49-F238E27FC236}">
-                <a16:creationId xmlns:a16="http://schemas.microsoft.com/office/drawing/2014/main" id="{59676F2B-46AC-48E4-8B92-1CAB17EFD0B0}"/>
-              </a:ext>
-            </a:extLst>
-          </p:cNvPr>
+          <p:cNvPr id="2" name="Title Placeholder 1"/>
           <p:cNvSpPr>
             <a:spLocks noGrp="1"/>
           </p:cNvSpPr>
@@ -2776,8 +5314,8 @@
         </p:nvSpPr>
         <p:spPr>
           <a:xfrm>
-            <a:off x="838200" y="365125"/>
-            <a:ext cx="10515600" cy="1325563"/>
+            <a:off x="913795" y="609600"/>
+            <a:ext cx="10353761" cy="1326321"/>
           </a:xfrm>
           <a:prstGeom prst="rect">
             <a:avLst/>
@@ -2793,18 +5331,13 @@
               <a:rPr lang="en-US"/>
               <a:t>Click to edit Master title style</a:t>
             </a:r>
-          </a:p>
-        </p:txBody>
-      </p:sp>
-      <p:sp>
-        <p:nvSpPr>
-          <p:cNvPr id="3" name="Text Placeholder 2">
-            <a:extLst>
-              <a:ext uri="{FF2B5EF4-FFF2-40B4-BE49-F238E27FC236}">
-                <a16:creationId xmlns:a16="http://schemas.microsoft.com/office/drawing/2014/main" id="{E86C4E69-EEBF-4EE3-BB5E-A21CB7DDDF33}"/>
-              </a:ext>
-            </a:extLst>
-          </p:cNvPr>
+            <a:endParaRPr lang="en-US" dirty="0"/>
+          </a:p>
+        </p:txBody>
+      </p:sp>
+      <p:sp>
+        <p:nvSpPr>
+          <p:cNvPr id="3" name="Text Placeholder 2"/>
           <p:cNvSpPr>
             <a:spLocks noGrp="1"/>
           </p:cNvSpPr>
@@ -2814,8 +5347,8 @@
         </p:nvSpPr>
         <p:spPr>
           <a:xfrm>
-            <a:off x="838200" y="1825625"/>
-            <a:ext cx="10515600" cy="4351338"/>
+            <a:off x="913795" y="2096064"/>
+            <a:ext cx="10353762" cy="3695136"/>
           </a:xfrm>
           <a:prstGeom prst="rect">
             <a:avLst/>
@@ -2860,18 +5393,13 @@
               <a:rPr lang="en-US"/>
               <a:t>Fifth level</a:t>
             </a:r>
-          </a:p>
-        </p:txBody>
-      </p:sp>
-      <p:sp>
-        <p:nvSpPr>
-          <p:cNvPr id="4" name="Date Placeholder 3">
-            <a:extLst>
-              <a:ext uri="{FF2B5EF4-FFF2-40B4-BE49-F238E27FC236}">
-                <a16:creationId xmlns:a16="http://schemas.microsoft.com/office/drawing/2014/main" id="{594668E7-01DF-4892-B097-D1B311FD20E1}"/>
-              </a:ext>
-            </a:extLst>
-          </p:cNvPr>
+            <a:endParaRPr lang="en-US" dirty="0"/>
+          </a:p>
+        </p:txBody>
+      </p:sp>
+      <p:sp>
+        <p:nvSpPr>
+          <p:cNvPr id="4" name="Date Placeholder 3"/>
           <p:cNvSpPr>
             <a:spLocks noGrp="1"/>
           </p:cNvSpPr>
@@ -2881,7 +5409,7 @@
         </p:nvSpPr>
         <p:spPr>
           <a:xfrm>
-            <a:off x="838200" y="6356350"/>
+            <a:off x="7678736" y="5883275"/>
             <a:ext cx="2743200" cy="365125"/>
           </a:xfrm>
           <a:prstGeom prst="rect">
@@ -2891,8 +5419,8 @@
         <p:txBody>
           <a:bodyPr vert="horz" lIns="91440" tIns="45720" rIns="91440" bIns="45720" rtlCol="0" anchor="ctr"/>
           <a:lstStyle>
-            <a:lvl1pPr algn="l">
-              <a:defRPr sz="1200">
+            <a:lvl1pPr algn="r">
+              <a:defRPr sz="1000">
                 <a:solidFill>
                   <a:schemeClr val="tx1">
                     <a:tint val="75000"/>
@@ -2912,13 +5440,7 @@
       </p:sp>
       <p:sp>
         <p:nvSpPr>
-          <p:cNvPr id="5" name="Footer Placeholder 4">
-            <a:extLst>
-              <a:ext uri="{FF2B5EF4-FFF2-40B4-BE49-F238E27FC236}">
-                <a16:creationId xmlns:a16="http://schemas.microsoft.com/office/drawing/2014/main" id="{B90C4782-FCBF-422D-9CDE-FCE82F1E8BB9}"/>
-              </a:ext>
-            </a:extLst>
-          </p:cNvPr>
+          <p:cNvPr id="5" name="Footer Placeholder 4"/>
           <p:cNvSpPr>
             <a:spLocks noGrp="1"/>
           </p:cNvSpPr>
@@ -2928,8 +5450,8 @@
         </p:nvSpPr>
         <p:spPr>
           <a:xfrm>
-            <a:off x="4038600" y="6356350"/>
-            <a:ext cx="4114800" cy="365125"/>
+            <a:off x="913794" y="5883275"/>
+            <a:ext cx="6672865" cy="365125"/>
           </a:xfrm>
           <a:prstGeom prst="rect">
             <a:avLst/>
@@ -2938,8 +5460,8 @@
         <p:txBody>
           <a:bodyPr vert="horz" lIns="91440" tIns="45720" rIns="91440" bIns="45720" rtlCol="0" anchor="ctr"/>
           <a:lstStyle>
-            <a:lvl1pPr algn="ctr">
-              <a:defRPr sz="1200">
+            <a:lvl1pPr algn="l">
+              <a:defRPr sz="1000">
                 <a:solidFill>
                   <a:schemeClr val="tx1">
                     <a:tint val="75000"/>
@@ -2955,13 +5477,7 @@
       </p:sp>
       <p:sp>
         <p:nvSpPr>
-          <p:cNvPr id="6" name="Slide Number Placeholder 5">
-            <a:extLst>
-              <a:ext uri="{FF2B5EF4-FFF2-40B4-BE49-F238E27FC236}">
-                <a16:creationId xmlns:a16="http://schemas.microsoft.com/office/drawing/2014/main" id="{C5C42E18-1680-42AB-B260-1079C19221C0}"/>
-              </a:ext>
-            </a:extLst>
-          </p:cNvPr>
+          <p:cNvPr id="6" name="Slide Number Placeholder 5"/>
           <p:cNvSpPr>
             <a:spLocks noGrp="1"/>
           </p:cNvSpPr>
@@ -2971,8 +5487,8 @@
         </p:nvSpPr>
         <p:spPr>
           <a:xfrm>
-            <a:off x="8610600" y="6356350"/>
-            <a:ext cx="2743200" cy="365125"/>
+            <a:off x="10514011" y="5883275"/>
+            <a:ext cx="753545" cy="365125"/>
           </a:xfrm>
           <a:prstGeom prst="rect">
             <a:avLst/>
@@ -2982,7 +5498,7 @@
           <a:bodyPr vert="horz" lIns="91440" tIns="45720" rIns="91440" bIns="45720" rtlCol="0" anchor="ctr"/>
           <a:lstStyle>
             <a:lvl1pPr algn="r">
-              <a:defRPr sz="1200">
+              <a:defRPr sz="1000">
                 <a:solidFill>
                   <a:schemeClr val="tx1">
                     <a:tint val="75000"/>
@@ -3000,30 +5516,72 @@
           </a:p>
         </p:txBody>
       </p:sp>
+      <p:pic>
+        <p:nvPicPr>
+          <p:cNvPr id="7" name="Picture 6" descr="A picture containing text, clipart&#10;&#10;Description automatically generated">
+            <a:extLst>
+              <a:ext uri="{FF2B5EF4-FFF2-40B4-BE49-F238E27FC236}">
+                <a16:creationId xmlns:a16="http://schemas.microsoft.com/office/drawing/2014/main" id="{7005977F-7153-4E59-AFA9-C9A62E60CD38}"/>
+              </a:ext>
+            </a:extLst>
+          </p:cNvPr>
+          <p:cNvPicPr>
+            <a:picLocks noChangeAspect="1"/>
+          </p:cNvPicPr>
+          <p:nvPr userDrawn="1"/>
+        </p:nvPicPr>
+        <p:blipFill>
+          <a:blip r:embed="rId19">
+            <a:extLst>
+              <a:ext uri="{28A0092B-C50C-407E-A947-70E740481C1C}">
+                <a14:useLocalDpi xmlns:a14="http://schemas.microsoft.com/office/drawing/2010/main" val="0"/>
+              </a:ext>
+            </a:extLst>
+          </a:blip>
+          <a:stretch>
+            <a:fillRect/>
+          </a:stretch>
+        </p:blipFill>
+        <p:spPr>
+          <a:xfrm>
+            <a:off x="10256079" y="0"/>
+            <a:ext cx="1935921" cy="1935921"/>
+          </a:xfrm>
+          <a:prstGeom prst="rect">
+            <a:avLst/>
+          </a:prstGeom>
+        </p:spPr>
+      </p:pic>
     </p:spTree>
     <p:extLst>
       <p:ext uri="{BB962C8B-B14F-4D97-AF65-F5344CB8AC3E}">
-        <p14:creationId xmlns:p14="http://schemas.microsoft.com/office/powerpoint/2010/main" val="3224067929"/>
+        <p14:creationId xmlns:p14="http://schemas.microsoft.com/office/powerpoint/2010/main" val="116683009"/>
       </p:ext>
     </p:extLst>
   </p:cSld>
-  <p:clrMap bg1="lt1" tx1="dk1" bg2="lt2" tx2="dk2" accent1="accent1" accent2="accent2" accent3="accent3" accent4="accent4" accent5="accent5" accent6="accent6" hlink="hlink" folHlink="folHlink"/>
+  <p:clrMap bg1="dk1" tx1="lt1" bg2="dk2" tx2="lt2" accent1="accent1" accent2="accent2" accent3="accent3" accent4="accent4" accent5="accent5" accent6="accent6" hlink="hlink" folHlink="folHlink"/>
   <p:sldLayoutIdLst>
-    <p:sldLayoutId id="2147483649" r:id="rId1"/>
-    <p:sldLayoutId id="2147483650" r:id="rId2"/>
-    <p:sldLayoutId id="2147483651" r:id="rId3"/>
-    <p:sldLayoutId id="2147483652" r:id="rId4"/>
-    <p:sldLayoutId id="2147483653" r:id="rId5"/>
-    <p:sldLayoutId id="2147483654" r:id="rId6"/>
-    <p:sldLayoutId id="2147483655" r:id="rId7"/>
-    <p:sldLayoutId id="2147483656" r:id="rId8"/>
-    <p:sldLayoutId id="2147483657" r:id="rId9"/>
-    <p:sldLayoutId id="2147483658" r:id="rId10"/>
-    <p:sldLayoutId id="2147483659" r:id="rId11"/>
+    <p:sldLayoutId id="2147483720" r:id="rId1"/>
+    <p:sldLayoutId id="2147483721" r:id="rId2"/>
+    <p:sldLayoutId id="2147483722" r:id="rId3"/>
+    <p:sldLayoutId id="2147483723" r:id="rId4"/>
+    <p:sldLayoutId id="2147483724" r:id="rId5"/>
+    <p:sldLayoutId id="2147483725" r:id="rId6"/>
+    <p:sldLayoutId id="2147483726" r:id="rId7"/>
+    <p:sldLayoutId id="2147483727" r:id="rId8"/>
+    <p:sldLayoutId id="2147483728" r:id="rId9"/>
+    <p:sldLayoutId id="2147483729" r:id="rId10"/>
+    <p:sldLayoutId id="2147483730" r:id="rId11"/>
+    <p:sldLayoutId id="2147483731" r:id="rId12"/>
+    <p:sldLayoutId id="2147483732" r:id="rId13"/>
+    <p:sldLayoutId id="2147483733" r:id="rId14"/>
+    <p:sldLayoutId id="2147483734" r:id="rId15"/>
+    <p:sldLayoutId id="2147483735" r:id="rId16"/>
+    <p:sldLayoutId id="2147483736" r:id="rId17"/>
   </p:sldLayoutIdLst>
   <p:txStyles>
     <p:titleStyle>
-      <a:lvl1pPr algn="l" defTabSz="914400" rtl="0" eaLnBrk="1" latinLnBrk="0" hangingPunct="1">
+      <a:lvl1pPr algn="ctr" defTabSz="914400" rtl="0" eaLnBrk="1" latinLnBrk="0" hangingPunct="1">
         <a:lnSpc>
           <a:spcPct val="90000"/>
         </a:lnSpc>
@@ -3031,10 +5589,17 @@
           <a:spcPct val="0"/>
         </a:spcBef>
         <a:buNone/>
-        <a:defRPr sz="4400" kern="1200">
+        <a:defRPr sz="3400" b="1" i="0" kern="1200" cap="all">
           <a:solidFill>
             <a:schemeClr val="tx1"/>
           </a:solidFill>
+          <a:effectLst>
+            <a:outerShdw blurRad="50800" dist="63500" dir="2700000" algn="tl" rotWithShape="0">
+              <a:srgbClr val="000000">
+                <a:alpha val="48000"/>
+              </a:srgbClr>
+            </a:outerShdw>
+          </a:effectLst>
           <a:latin typeface="+mj-lt"/>
           <a:ea typeface="+mj-ea"/>
           <a:cs typeface="+mj-cs"/>
@@ -3044,17 +5609,24 @@
     <p:bodyStyle>
       <a:lvl1pPr marL="228600" indent="-228600" algn="l" defTabSz="914400" rtl="0" eaLnBrk="1" latinLnBrk="0" hangingPunct="1">
         <a:lnSpc>
-          <a:spcPct val="90000"/>
+          <a:spcPct val="120000"/>
         </a:lnSpc>
         <a:spcBef>
           <a:spcPts val="1000"/>
         </a:spcBef>
         <a:buFont typeface="Arial" panose="020B0604020202020204" pitchFamily="34" charset="0"/>
         <a:buChar char="•"/>
-        <a:defRPr sz="2800" kern="1200">
+        <a:defRPr sz="2000" kern="1200">
           <a:solidFill>
             <a:schemeClr val="tx1"/>
           </a:solidFill>
+          <a:effectLst>
+            <a:outerShdw blurRad="50800" dist="38100" dir="2700000" algn="tl" rotWithShape="0">
+              <a:srgbClr val="000000">
+                <a:alpha val="48000"/>
+              </a:srgbClr>
+            </a:outerShdw>
+          </a:effectLst>
           <a:latin typeface="+mn-lt"/>
           <a:ea typeface="+mn-ea"/>
           <a:cs typeface="+mn-cs"/>
@@ -3062,43 +5634,7 @@
       </a:lvl1pPr>
       <a:lvl2pPr marL="685800" indent="-228600" algn="l" defTabSz="914400" rtl="0" eaLnBrk="1" latinLnBrk="0" hangingPunct="1">
         <a:lnSpc>
-          <a:spcPct val="90000"/>
-        </a:lnSpc>
-        <a:spcBef>
-          <a:spcPts val="500"/>
-        </a:spcBef>
-        <a:buFont typeface="Arial" panose="020B0604020202020204" pitchFamily="34" charset="0"/>
-        <a:buChar char="•"/>
-        <a:defRPr sz="2400" kern="1200">
-          <a:solidFill>
-            <a:schemeClr val="tx1"/>
-          </a:solidFill>
-          <a:latin typeface="+mn-lt"/>
-          <a:ea typeface="+mn-ea"/>
-          <a:cs typeface="+mn-cs"/>
-        </a:defRPr>
-      </a:lvl2pPr>
-      <a:lvl3pPr marL="1143000" indent="-228600" algn="l" defTabSz="914400" rtl="0" eaLnBrk="1" latinLnBrk="0" hangingPunct="1">
-        <a:lnSpc>
-          <a:spcPct val="90000"/>
-        </a:lnSpc>
-        <a:spcBef>
-          <a:spcPts val="500"/>
-        </a:spcBef>
-        <a:buFont typeface="Arial" panose="020B0604020202020204" pitchFamily="34" charset="0"/>
-        <a:buChar char="•"/>
-        <a:defRPr sz="2000" kern="1200">
-          <a:solidFill>
-            <a:schemeClr val="tx1"/>
-          </a:solidFill>
-          <a:latin typeface="+mn-lt"/>
-          <a:ea typeface="+mn-ea"/>
-          <a:cs typeface="+mn-cs"/>
-        </a:defRPr>
-      </a:lvl3pPr>
-      <a:lvl4pPr marL="1600200" indent="-228600" algn="l" defTabSz="914400" rtl="0" eaLnBrk="1" latinLnBrk="0" hangingPunct="1">
-        <a:lnSpc>
-          <a:spcPct val="90000"/>
+          <a:spcPct val="120000"/>
         </a:lnSpc>
         <a:spcBef>
           <a:spcPts val="500"/>
@@ -3109,6 +5645,63 @@
           <a:solidFill>
             <a:schemeClr val="tx1"/>
           </a:solidFill>
+          <a:effectLst>
+            <a:outerShdw blurRad="50800" dist="38100" dir="2700000" algn="tl" rotWithShape="0">
+              <a:srgbClr val="000000">
+                <a:alpha val="48000"/>
+              </a:srgbClr>
+            </a:outerShdw>
+          </a:effectLst>
+          <a:latin typeface="+mn-lt"/>
+          <a:ea typeface="+mn-ea"/>
+          <a:cs typeface="+mn-cs"/>
+        </a:defRPr>
+      </a:lvl2pPr>
+      <a:lvl3pPr marL="1143000" indent="-228600" algn="l" defTabSz="914400" rtl="0" eaLnBrk="1" latinLnBrk="0" hangingPunct="1">
+        <a:lnSpc>
+          <a:spcPct val="120000"/>
+        </a:lnSpc>
+        <a:spcBef>
+          <a:spcPts val="500"/>
+        </a:spcBef>
+        <a:buFont typeface="Arial" panose="020B0604020202020204" pitchFamily="34" charset="0"/>
+        <a:buChar char="•"/>
+        <a:defRPr sz="1600" kern="1200">
+          <a:solidFill>
+            <a:schemeClr val="tx1"/>
+          </a:solidFill>
+          <a:effectLst>
+            <a:outerShdw blurRad="50800" dist="38100" dir="2700000" algn="tl" rotWithShape="0">
+              <a:srgbClr val="000000">
+                <a:alpha val="48000"/>
+              </a:srgbClr>
+            </a:outerShdw>
+          </a:effectLst>
+          <a:latin typeface="+mn-lt"/>
+          <a:ea typeface="+mn-ea"/>
+          <a:cs typeface="+mn-cs"/>
+        </a:defRPr>
+      </a:lvl3pPr>
+      <a:lvl4pPr marL="1600200" indent="-228600" algn="l" defTabSz="914400" rtl="0" eaLnBrk="1" latinLnBrk="0" hangingPunct="1">
+        <a:lnSpc>
+          <a:spcPct val="120000"/>
+        </a:lnSpc>
+        <a:spcBef>
+          <a:spcPts val="500"/>
+        </a:spcBef>
+        <a:buFont typeface="Arial" panose="020B0604020202020204" pitchFamily="34" charset="0"/>
+        <a:buChar char="•"/>
+        <a:defRPr sz="1400" kern="1200">
+          <a:solidFill>
+            <a:schemeClr val="tx1"/>
+          </a:solidFill>
+          <a:effectLst>
+            <a:outerShdw blurRad="50800" dist="38100" dir="2700000" algn="tl" rotWithShape="0">
+              <a:srgbClr val="000000">
+                <a:alpha val="48000"/>
+              </a:srgbClr>
+            </a:outerShdw>
+          </a:effectLst>
           <a:latin typeface="+mn-lt"/>
           <a:ea typeface="+mn-ea"/>
           <a:cs typeface="+mn-cs"/>
@@ -3116,17 +5709,24 @@
       </a:lvl4pPr>
       <a:lvl5pPr marL="2057400" indent="-228600" algn="l" defTabSz="914400" rtl="0" eaLnBrk="1" latinLnBrk="0" hangingPunct="1">
         <a:lnSpc>
-          <a:spcPct val="90000"/>
+          <a:spcPct val="120000"/>
         </a:lnSpc>
         <a:spcBef>
           <a:spcPts val="500"/>
         </a:spcBef>
         <a:buFont typeface="Arial" panose="020B0604020202020204" pitchFamily="34" charset="0"/>
         <a:buChar char="•"/>
-        <a:defRPr sz="1800" kern="1200">
+        <a:defRPr sz="1200" kern="1200">
           <a:solidFill>
             <a:schemeClr val="tx1"/>
           </a:solidFill>
+          <a:effectLst>
+            <a:outerShdw blurRad="50800" dist="38100" dir="2700000" algn="tl" rotWithShape="0">
+              <a:srgbClr val="000000">
+                <a:alpha val="48000"/>
+              </a:srgbClr>
+            </a:outerShdw>
+          </a:effectLst>
           <a:latin typeface="+mn-lt"/>
           <a:ea typeface="+mn-ea"/>
           <a:cs typeface="+mn-cs"/>
@@ -3134,17 +5734,24 @@
       </a:lvl5pPr>
       <a:lvl6pPr marL="2514600" indent="-228600" algn="l" defTabSz="914400" rtl="0" eaLnBrk="1" latinLnBrk="0" hangingPunct="1">
         <a:lnSpc>
-          <a:spcPct val="90000"/>
+          <a:spcPct val="120000"/>
         </a:lnSpc>
         <a:spcBef>
           <a:spcPts val="500"/>
         </a:spcBef>
         <a:buFont typeface="Arial" panose="020B0604020202020204" pitchFamily="34" charset="0"/>
         <a:buChar char="•"/>
-        <a:defRPr sz="1800" kern="1200">
+        <a:defRPr sz="1200" kern="1200">
           <a:solidFill>
             <a:schemeClr val="tx1"/>
           </a:solidFill>
+          <a:effectLst>
+            <a:outerShdw blurRad="50800" dist="38100" dir="2700000" algn="tl" rotWithShape="0">
+              <a:srgbClr val="000000">
+                <a:alpha val="48000"/>
+              </a:srgbClr>
+            </a:outerShdw>
+          </a:effectLst>
           <a:latin typeface="+mn-lt"/>
           <a:ea typeface="+mn-ea"/>
           <a:cs typeface="+mn-cs"/>
@@ -3152,17 +5759,24 @@
       </a:lvl6pPr>
       <a:lvl7pPr marL="2971800" indent="-228600" algn="l" defTabSz="914400" rtl="0" eaLnBrk="1" latinLnBrk="0" hangingPunct="1">
         <a:lnSpc>
-          <a:spcPct val="90000"/>
+          <a:spcPct val="120000"/>
         </a:lnSpc>
         <a:spcBef>
           <a:spcPts val="500"/>
         </a:spcBef>
         <a:buFont typeface="Arial" panose="020B0604020202020204" pitchFamily="34" charset="0"/>
         <a:buChar char="•"/>
-        <a:defRPr sz="1800" kern="1200">
+        <a:defRPr sz="1200" kern="1200">
           <a:solidFill>
             <a:schemeClr val="tx1"/>
           </a:solidFill>
+          <a:effectLst>
+            <a:outerShdw blurRad="50800" dist="38100" dir="2700000" algn="tl" rotWithShape="0">
+              <a:srgbClr val="000000">
+                <a:alpha val="48000"/>
+              </a:srgbClr>
+            </a:outerShdw>
+          </a:effectLst>
           <a:latin typeface="+mn-lt"/>
           <a:ea typeface="+mn-ea"/>
           <a:cs typeface="+mn-cs"/>
@@ -3170,17 +5784,24 @@
       </a:lvl7pPr>
       <a:lvl8pPr marL="3429000" indent="-228600" algn="l" defTabSz="914400" rtl="0" eaLnBrk="1" latinLnBrk="0" hangingPunct="1">
         <a:lnSpc>
-          <a:spcPct val="90000"/>
+          <a:spcPct val="120000"/>
         </a:lnSpc>
         <a:spcBef>
           <a:spcPts val="500"/>
         </a:spcBef>
         <a:buFont typeface="Arial" panose="020B0604020202020204" pitchFamily="34" charset="0"/>
         <a:buChar char="•"/>
-        <a:defRPr sz="1800" kern="1200">
+        <a:defRPr sz="1200" kern="1200">
           <a:solidFill>
             <a:schemeClr val="tx1"/>
           </a:solidFill>
+          <a:effectLst>
+            <a:outerShdw blurRad="50800" dist="38100" dir="2700000" algn="tl" rotWithShape="0">
+              <a:srgbClr val="000000">
+                <a:alpha val="48000"/>
+              </a:srgbClr>
+            </a:outerShdw>
+          </a:effectLst>
           <a:latin typeface="+mn-lt"/>
           <a:ea typeface="+mn-ea"/>
           <a:cs typeface="+mn-cs"/>
@@ -3188,17 +5809,24 @@
       </a:lvl8pPr>
       <a:lvl9pPr marL="3886200" indent="-228600" algn="l" defTabSz="914400" rtl="0" eaLnBrk="1" latinLnBrk="0" hangingPunct="1">
         <a:lnSpc>
-          <a:spcPct val="90000"/>
+          <a:spcPct val="120000"/>
         </a:lnSpc>
         <a:spcBef>
           <a:spcPts val="500"/>
         </a:spcBef>
         <a:buFont typeface="Arial" panose="020B0604020202020204" pitchFamily="34" charset="0"/>
         <a:buChar char="•"/>
-        <a:defRPr sz="1800" kern="1200">
+        <a:defRPr sz="1200" kern="1200">
           <a:solidFill>
             <a:schemeClr val="tx1"/>
           </a:solidFill>
+          <a:effectLst>
+            <a:outerShdw blurRad="50800" dist="38100" dir="2700000" algn="tl" rotWithShape="0">
+              <a:srgbClr val="000000">
+                <a:alpha val="48000"/>
+              </a:srgbClr>
+            </a:outerShdw>
+          </a:effectLst>
           <a:latin typeface="+mn-lt"/>
           <a:ea typeface="+mn-ea"/>
           <a:cs typeface="+mn-cs"/>
@@ -3343,8 +5971,8 @@
           <a:lstStyle/>
           <a:p>
             <a:r>
-              <a:rPr lang="en-US"/>
-              <a:t>SAMPLE</a:t>
+              <a:rPr lang="en-US" dirty="0"/>
+              <a:t>Team Lead 1 Report</a:t>
             </a:r>
           </a:p>
         </p:txBody>
@@ -3370,7 +5998,10 @@
           <a:bodyPr/>
           <a:lstStyle/>
           <a:p>
-            <a:endParaRPr lang="en-US"/>
+            <a:r>
+              <a:rPr lang="en-US" dirty="0"/>
+              <a:t>3 February 2022</a:t>
+            </a:r>
           </a:p>
         </p:txBody>
       </p:sp>
@@ -3387,10 +6018,385 @@
 </p:sld>
 </file>
 
+<file path=ppt/slides/slide2.xml><?xml version="1.0" encoding="utf-8"?>
+<p:sld xmlns:a="http://schemas.openxmlformats.org/drawingml/2006/main" xmlns:r="http://schemas.openxmlformats.org/officeDocument/2006/relationships" xmlns:p="http://schemas.openxmlformats.org/presentationml/2006/main">
+  <p:cSld>
+    <p:spTree>
+      <p:nvGrpSpPr>
+        <p:cNvPr id="1" name=""/>
+        <p:cNvGrpSpPr/>
+        <p:nvPr/>
+      </p:nvGrpSpPr>
+      <p:grpSpPr>
+        <a:xfrm>
+          <a:off x="0" y="0"/>
+          <a:ext cx="0" cy="0"/>
+          <a:chOff x="0" y="0"/>
+          <a:chExt cx="0" cy="0"/>
+        </a:xfrm>
+      </p:grpSpPr>
+      <p:sp>
+        <p:nvSpPr>
+          <p:cNvPr id="2" name="Title 1">
+            <a:extLst>
+              <a:ext uri="{FF2B5EF4-FFF2-40B4-BE49-F238E27FC236}">
+                <a16:creationId xmlns:a16="http://schemas.microsoft.com/office/drawing/2014/main" id="{428BBBA5-6DD6-4F08-975B-DA1217941D6F}"/>
+              </a:ext>
+            </a:extLst>
+          </p:cNvPr>
+          <p:cNvSpPr>
+            <a:spLocks noGrp="1"/>
+          </p:cNvSpPr>
+          <p:nvPr>
+            <p:ph type="title"/>
+          </p:nvPr>
+        </p:nvSpPr>
+        <p:spPr/>
+        <p:txBody>
+          <a:bodyPr/>
+          <a:lstStyle/>
+          <a:p>
+            <a:r>
+              <a:rPr lang="en-US" dirty="0"/>
+              <a:t>Dungeon Jump</a:t>
+            </a:r>
+          </a:p>
+        </p:txBody>
+      </p:sp>
+      <p:sp>
+        <p:nvSpPr>
+          <p:cNvPr id="3" name="Content Placeholder 2">
+            <a:extLst>
+              <a:ext uri="{FF2B5EF4-FFF2-40B4-BE49-F238E27FC236}">
+                <a16:creationId xmlns:a16="http://schemas.microsoft.com/office/drawing/2014/main" id="{F91CA773-4366-43CA-9AF0-354C03998520}"/>
+              </a:ext>
+            </a:extLst>
+          </p:cNvPr>
+          <p:cNvSpPr>
+            <a:spLocks noGrp="1"/>
+          </p:cNvSpPr>
+          <p:nvPr>
+            <p:ph idx="1"/>
+          </p:nvPr>
+        </p:nvSpPr>
+        <p:spPr/>
+        <p:txBody>
+          <a:bodyPr/>
+          <a:lstStyle/>
+          <a:p>
+            <a:r>
+              <a:rPr lang="en-US" dirty="0"/>
+              <a:t>2D top down/platformer hybrid</a:t>
+            </a:r>
+          </a:p>
+          <a:p>
+            <a:r>
+              <a:rPr lang="en-US" dirty="0"/>
+              <a:t>RPG</a:t>
+            </a:r>
+          </a:p>
+          <a:p>
+            <a:pPr lvl="1"/>
+            <a:r>
+              <a:rPr lang="en-US" dirty="0"/>
+              <a:t>HP</a:t>
+            </a:r>
+          </a:p>
+          <a:p>
+            <a:pPr lvl="1"/>
+            <a:r>
+              <a:rPr lang="en-US" dirty="0"/>
+              <a:t>Items</a:t>
+            </a:r>
+          </a:p>
+          <a:p>
+            <a:pPr lvl="1"/>
+            <a:r>
+              <a:rPr lang="en-US" dirty="0"/>
+              <a:t>Quests</a:t>
+            </a:r>
+          </a:p>
+          <a:p>
+            <a:pPr lvl="1"/>
+            <a:endParaRPr lang="en-US" dirty="0"/>
+          </a:p>
+          <a:p>
+            <a:pPr lvl="1"/>
+            <a:endParaRPr lang="en-US" dirty="0"/>
+          </a:p>
+        </p:txBody>
+      </p:sp>
+    </p:spTree>
+    <p:extLst>
+      <p:ext uri="{BB962C8B-B14F-4D97-AF65-F5344CB8AC3E}">
+        <p14:creationId xmlns:p14="http://schemas.microsoft.com/office/powerpoint/2010/main" val="1356696368"/>
+      </p:ext>
+    </p:extLst>
+  </p:cSld>
+  <p:clrMapOvr>
+    <a:masterClrMapping/>
+  </p:clrMapOvr>
+</p:sld>
+</file>
+
+<file path=ppt/slides/slide3.xml><?xml version="1.0" encoding="utf-8"?>
+<p:sld xmlns:a="http://schemas.openxmlformats.org/drawingml/2006/main" xmlns:r="http://schemas.openxmlformats.org/officeDocument/2006/relationships" xmlns:p="http://schemas.openxmlformats.org/presentationml/2006/main">
+  <p:cSld>
+    <p:spTree>
+      <p:nvGrpSpPr>
+        <p:cNvPr id="1" name=""/>
+        <p:cNvGrpSpPr/>
+        <p:nvPr/>
+      </p:nvGrpSpPr>
+      <p:grpSpPr>
+        <a:xfrm>
+          <a:off x="0" y="0"/>
+          <a:ext cx="0" cy="0"/>
+          <a:chOff x="0" y="0"/>
+          <a:chExt cx="0" cy="0"/>
+        </a:xfrm>
+      </p:grpSpPr>
+      <p:sp>
+        <p:nvSpPr>
+          <p:cNvPr id="2" name="Title 1">
+            <a:extLst>
+              <a:ext uri="{FF2B5EF4-FFF2-40B4-BE49-F238E27FC236}">
+                <a16:creationId xmlns:a16="http://schemas.microsoft.com/office/drawing/2014/main" id="{1D961AA5-3C49-4D59-AA60-02DD873CE6B6}"/>
+              </a:ext>
+            </a:extLst>
+          </p:cNvPr>
+          <p:cNvSpPr>
+            <a:spLocks noGrp="1"/>
+          </p:cNvSpPr>
+          <p:nvPr>
+            <p:ph type="title"/>
+          </p:nvPr>
+        </p:nvSpPr>
+        <p:spPr/>
+        <p:txBody>
+          <a:bodyPr/>
+          <a:lstStyle/>
+          <a:p>
+            <a:r>
+              <a:rPr lang="en-US" dirty="0"/>
+              <a:t>Overworld</a:t>
+            </a:r>
+          </a:p>
+        </p:txBody>
+      </p:sp>
+      <p:sp>
+        <p:nvSpPr>
+          <p:cNvPr id="3" name="Content Placeholder 2">
+            <a:extLst>
+              <a:ext uri="{FF2B5EF4-FFF2-40B4-BE49-F238E27FC236}">
+                <a16:creationId xmlns:a16="http://schemas.microsoft.com/office/drawing/2014/main" id="{3E2D6B94-4692-4811-AF69-29813C5FBFFC}"/>
+              </a:ext>
+            </a:extLst>
+          </p:cNvPr>
+          <p:cNvSpPr>
+            <a:spLocks noGrp="1"/>
+          </p:cNvSpPr>
+          <p:nvPr>
+            <p:ph idx="1"/>
+          </p:nvPr>
+        </p:nvSpPr>
+        <p:spPr/>
+        <p:txBody>
+          <a:bodyPr/>
+          <a:lstStyle/>
+          <a:p>
+            <a:r>
+              <a:rPr lang="en-US" dirty="0"/>
+              <a:t>Top down</a:t>
+            </a:r>
+          </a:p>
+          <a:p>
+            <a:r>
+              <a:rPr lang="en-US" dirty="0"/>
+              <a:t>Free roam</a:t>
+            </a:r>
+          </a:p>
+          <a:p>
+            <a:r>
+              <a:rPr lang="en-US" dirty="0"/>
+              <a:t>Entry ways to 2D platformer instances</a:t>
+            </a:r>
+          </a:p>
+          <a:p>
+            <a:r>
+              <a:rPr lang="en-US" dirty="0"/>
+              <a:t>Dynamic behavior based on game events</a:t>
+            </a:r>
+          </a:p>
+          <a:p>
+            <a:pPr lvl="1"/>
+            <a:r>
+              <a:rPr lang="en-US" dirty="0"/>
+              <a:t>Level completion</a:t>
+            </a:r>
+          </a:p>
+          <a:p>
+            <a:pPr lvl="1"/>
+            <a:r>
+              <a:rPr lang="en-US" dirty="0"/>
+              <a:t>Completed/failed tasks</a:t>
+            </a:r>
+          </a:p>
+          <a:p>
+            <a:r>
+              <a:rPr lang="en-US" dirty="0"/>
+              <a:t>“Guide” NPCs</a:t>
+            </a:r>
+          </a:p>
+          <a:p>
+            <a:r>
+              <a:rPr lang="en-US" dirty="0"/>
+              <a:t>Quests</a:t>
+            </a:r>
+          </a:p>
+        </p:txBody>
+      </p:sp>
+    </p:spTree>
+    <p:extLst>
+      <p:ext uri="{BB962C8B-B14F-4D97-AF65-F5344CB8AC3E}">
+        <p14:creationId xmlns:p14="http://schemas.microsoft.com/office/powerpoint/2010/main" val="3904111992"/>
+      </p:ext>
+    </p:extLst>
+  </p:cSld>
+  <p:clrMapOvr>
+    <a:masterClrMapping/>
+  </p:clrMapOvr>
+</p:sld>
+</file>
+
+<file path=ppt/slides/slide4.xml><?xml version="1.0" encoding="utf-8"?>
+<p:sld xmlns:a="http://schemas.openxmlformats.org/drawingml/2006/main" xmlns:r="http://schemas.openxmlformats.org/officeDocument/2006/relationships" xmlns:p="http://schemas.openxmlformats.org/presentationml/2006/main">
+  <p:cSld>
+    <p:spTree>
+      <p:nvGrpSpPr>
+        <p:cNvPr id="1" name=""/>
+        <p:cNvGrpSpPr/>
+        <p:nvPr/>
+      </p:nvGrpSpPr>
+      <p:grpSpPr>
+        <a:xfrm>
+          <a:off x="0" y="0"/>
+          <a:ext cx="0" cy="0"/>
+          <a:chOff x="0" y="0"/>
+          <a:chExt cx="0" cy="0"/>
+        </a:xfrm>
+      </p:grpSpPr>
+      <p:sp>
+        <p:nvSpPr>
+          <p:cNvPr id="2" name="Title 1">
+            <a:extLst>
+              <a:ext uri="{FF2B5EF4-FFF2-40B4-BE49-F238E27FC236}">
+                <a16:creationId xmlns:a16="http://schemas.microsoft.com/office/drawing/2014/main" id="{0B29CC8B-CC10-424F-9F9B-79E1BA21D9DA}"/>
+              </a:ext>
+            </a:extLst>
+          </p:cNvPr>
+          <p:cNvSpPr>
+            <a:spLocks noGrp="1"/>
+          </p:cNvSpPr>
+          <p:nvPr>
+            <p:ph type="title"/>
+          </p:nvPr>
+        </p:nvSpPr>
+        <p:spPr/>
+        <p:txBody>
+          <a:bodyPr/>
+          <a:lstStyle/>
+          <a:p>
+            <a:r>
+              <a:rPr lang="en-US" dirty="0"/>
+              <a:t>“Dungeon” Instances</a:t>
+            </a:r>
+          </a:p>
+        </p:txBody>
+      </p:sp>
+      <p:sp>
+        <p:nvSpPr>
+          <p:cNvPr id="3" name="Content Placeholder 2">
+            <a:extLst>
+              <a:ext uri="{FF2B5EF4-FFF2-40B4-BE49-F238E27FC236}">
+                <a16:creationId xmlns:a16="http://schemas.microsoft.com/office/drawing/2014/main" id="{0E5996CD-9C26-4BD5-BCEB-B26A4E986FCB}"/>
+              </a:ext>
+            </a:extLst>
+          </p:cNvPr>
+          <p:cNvSpPr>
+            <a:spLocks noGrp="1"/>
+          </p:cNvSpPr>
+          <p:nvPr>
+            <p:ph idx="1"/>
+          </p:nvPr>
+        </p:nvSpPr>
+        <p:spPr/>
+        <p:txBody>
+          <a:bodyPr/>
+          <a:lstStyle/>
+          <a:p>
+            <a:r>
+              <a:rPr lang="en-US" dirty="0"/>
+              <a:t>Platformer</a:t>
+            </a:r>
+          </a:p>
+          <a:p>
+            <a:r>
+              <a:rPr lang="en-US" dirty="0"/>
+              <a:t>Unidirectional side scroller</a:t>
+            </a:r>
+          </a:p>
+          <a:p>
+            <a:r>
+              <a:rPr lang="en-US" dirty="0"/>
+              <a:t>Enemies</a:t>
+            </a:r>
+          </a:p>
+          <a:p>
+            <a:r>
+              <a:rPr lang="en-US" dirty="0"/>
+              <a:t>Level hazards/obstacles</a:t>
+            </a:r>
+          </a:p>
+          <a:p>
+            <a:r>
+              <a:rPr lang="en-US" dirty="0"/>
+              <a:t>Interactable items</a:t>
+            </a:r>
+          </a:p>
+          <a:p>
+            <a:pPr lvl="1"/>
+            <a:r>
+              <a:rPr lang="en-US" dirty="0"/>
+              <a:t>Coins/powerups/etc.</a:t>
+            </a:r>
+          </a:p>
+          <a:p>
+            <a:pPr lvl="1"/>
+            <a:r>
+              <a:rPr lang="en-US" dirty="0"/>
+              <a:t>“Keys” to unlock future instances</a:t>
+            </a:r>
+          </a:p>
+        </p:txBody>
+      </p:sp>
+    </p:spTree>
+    <p:extLst>
+      <p:ext uri="{BB962C8B-B14F-4D97-AF65-F5344CB8AC3E}">
+        <p14:creationId xmlns:p14="http://schemas.microsoft.com/office/powerpoint/2010/main" val="323458315"/>
+      </p:ext>
+    </p:extLst>
+  </p:cSld>
+  <p:clrMapOvr>
+    <a:masterClrMapping/>
+  </p:clrMapOvr>
+</p:sld>
+</file>
+
 <file path=ppt/theme/theme1.xml><?xml version="1.0" encoding="utf-8"?>
-<a:theme xmlns:a="http://schemas.openxmlformats.org/drawingml/2006/main" name="Office Theme">
+<a:theme xmlns:a="http://schemas.openxmlformats.org/drawingml/2006/main" name="Damask">
   <a:themeElements>
-    <a:clrScheme name="Office">
+    <a:clrScheme name="Damask">
       <a:dk1>
         <a:sysClr val="windowText" lastClr="000000"/>
       </a:dk1>
@@ -3398,44 +6404,44 @@
         <a:sysClr val="window" lastClr="FFFFFF"/>
       </a:lt1>
       <a:dk2>
-        <a:srgbClr val="44546A"/>
+        <a:srgbClr val="2A5B7F"/>
       </a:dk2>
       <a:lt2>
-        <a:srgbClr val="E7E6E6"/>
+        <a:srgbClr val="ABDAFC"/>
       </a:lt2>
       <a:accent1>
-        <a:srgbClr val="4472C4"/>
+        <a:srgbClr val="9EC544"/>
       </a:accent1>
       <a:accent2>
-        <a:srgbClr val="ED7D31"/>
+        <a:srgbClr val="50BEA3"/>
       </a:accent2>
       <a:accent3>
-        <a:srgbClr val="A5A5A5"/>
+        <a:srgbClr val="4A9CCC"/>
       </a:accent3>
       <a:accent4>
-        <a:srgbClr val="FFC000"/>
+        <a:srgbClr val="9A66CA"/>
       </a:accent4>
       <a:accent5>
-        <a:srgbClr val="5B9BD5"/>
+        <a:srgbClr val="C54F71"/>
       </a:accent5>
       <a:accent6>
-        <a:srgbClr val="70AD47"/>
+        <a:srgbClr val="DE9C3C"/>
       </a:accent6>
       <a:hlink>
-        <a:srgbClr val="0563C1"/>
+        <a:srgbClr val="6BA9DA"/>
       </a:hlink>
       <a:folHlink>
-        <a:srgbClr val="954F72"/>
+        <a:srgbClr val="A0BCD3"/>
       </a:folHlink>
     </a:clrScheme>
-    <a:fontScheme name="Office">
+    <a:fontScheme name="Damask">
       <a:majorFont>
-        <a:latin typeface="Calibri Light" panose="020F0302020204030204"/>
+        <a:latin typeface="Bookman Old Style" panose="02050604050505020204"/>
         <a:ea typeface=""/>
         <a:cs typeface=""/>
-        <a:font script="Jpan" typeface="游ゴシック Light"/>
+        <a:font script="Jpan" typeface="ＭＳ Ｐゴシック"/>
         <a:font script="Hang" typeface="맑은 고딕"/>
-        <a:font script="Hans" typeface="等线 Light"/>
+        <a:font script="Hans" typeface="宋体"/>
         <a:font script="Hant" typeface="新細明體"/>
         <a:font script="Arab" typeface="Times New Roman"/>
         <a:font script="Hebr" typeface="Times New Roman"/>
@@ -3463,31 +6469,14 @@
         <a:font script="Viet" typeface="Times New Roman"/>
         <a:font script="Uigh" typeface="Microsoft Uighur"/>
         <a:font script="Geor" typeface="Sylfaen"/>
-        <a:font script="Armn" typeface="Arial"/>
-        <a:font script="Bugi" typeface="Leelawadee UI"/>
-        <a:font script="Bopo" typeface="Microsoft JhengHei"/>
-        <a:font script="Java" typeface="Javanese Text"/>
-        <a:font script="Lisu" typeface="Segoe UI"/>
-        <a:font script="Mymr" typeface="Myanmar Text"/>
-        <a:font script="Nkoo" typeface="Ebrima"/>
-        <a:font script="Olck" typeface="Nirmala UI"/>
-        <a:font script="Osma" typeface="Ebrima"/>
-        <a:font script="Phag" typeface="Phagspa"/>
-        <a:font script="Syrn" typeface="Estrangelo Edessa"/>
-        <a:font script="Syrj" typeface="Estrangelo Edessa"/>
-        <a:font script="Syre" typeface="Estrangelo Edessa"/>
-        <a:font script="Sora" typeface="Nirmala UI"/>
-        <a:font script="Tale" typeface="Microsoft Tai Le"/>
-        <a:font script="Talu" typeface="Microsoft New Tai Lue"/>
-        <a:font script="Tfng" typeface="Ebrima"/>
       </a:majorFont>
       <a:minorFont>
-        <a:latin typeface="Calibri" panose="020F0502020204030204"/>
+        <a:latin typeface="Rockwell" panose="02060603020205020403"/>
         <a:ea typeface=""/>
         <a:cs typeface=""/>
-        <a:font script="Jpan" typeface="游ゴシック"/>
+        <a:font script="Jpan" typeface="ＭＳ Ｐゴシック"/>
         <a:font script="Hang" typeface="맑은 고딕"/>
-        <a:font script="Hans" typeface="等线"/>
+        <a:font script="Hans" typeface="宋体"/>
         <a:font script="Hant" typeface="新細明體"/>
         <a:font script="Arab" typeface="Arial"/>
         <a:font script="Hebr" typeface="Arial"/>
@@ -3515,26 +6504,9 @@
         <a:font script="Viet" typeface="Arial"/>
         <a:font script="Uigh" typeface="Microsoft Uighur"/>
         <a:font script="Geor" typeface="Sylfaen"/>
-        <a:font script="Armn" typeface="Arial"/>
-        <a:font script="Bugi" typeface="Leelawadee UI"/>
-        <a:font script="Bopo" typeface="Microsoft JhengHei"/>
-        <a:font script="Java" typeface="Javanese Text"/>
-        <a:font script="Lisu" typeface="Segoe UI"/>
-        <a:font script="Mymr" typeface="Myanmar Text"/>
-        <a:font script="Nkoo" typeface="Ebrima"/>
-        <a:font script="Olck" typeface="Nirmala UI"/>
-        <a:font script="Osma" typeface="Ebrima"/>
-        <a:font script="Phag" typeface="Phagspa"/>
-        <a:font script="Syrn" typeface="Estrangelo Edessa"/>
-        <a:font script="Syrj" typeface="Estrangelo Edessa"/>
-        <a:font script="Syre" typeface="Estrangelo Edessa"/>
-        <a:font script="Sora" typeface="Nirmala UI"/>
-        <a:font script="Tale" typeface="Microsoft Tai Le"/>
-        <a:font script="Talu" typeface="Microsoft New Tai Lue"/>
-        <a:font script="Tfng" typeface="Ebrima"/>
       </a:minorFont>
     </a:fontScheme>
-    <a:fmtScheme name="Office">
+    <a:fmtScheme name="Damask">
       <a:fillStyleLst>
         <a:solidFill>
           <a:schemeClr val="phClr"/>
@@ -3543,23 +6515,16 @@
           <a:gsLst>
             <a:gs pos="0">
               <a:schemeClr val="phClr">
+                <a:tint val="48000"/>
+                <a:satMod val="105000"/>
                 <a:lumMod val="110000"/>
-                <a:satMod val="105000"/>
-                <a:tint val="67000"/>
-              </a:schemeClr>
-            </a:gs>
-            <a:gs pos="50000">
-              <a:schemeClr val="phClr">
-                <a:lumMod val="105000"/>
-                <a:satMod val="103000"/>
-                <a:tint val="73000"/>
               </a:schemeClr>
             </a:gs>
             <a:gs pos="100000">
               <a:schemeClr val="phClr">
-                <a:lumMod val="105000"/>
+                <a:tint val="78000"/>
                 <a:satMod val="109000"/>
-                <a:tint val="81000"/>
+                <a:lumMod val="100000"/>
               </a:schemeClr>
             </a:gs>
           </a:gsLst>
@@ -3569,23 +6534,23 @@
           <a:gsLst>
             <a:gs pos="0">
               <a:schemeClr val="phClr">
-                <a:satMod val="103000"/>
-                <a:lumMod val="102000"/>
                 <a:tint val="94000"/>
+                <a:satMod val="100000"/>
+                <a:lumMod val="104000"/>
               </a:schemeClr>
             </a:gs>
-            <a:gs pos="50000">
+            <a:gs pos="69000">
               <a:schemeClr val="phClr">
-                <a:satMod val="110000"/>
-                <a:lumMod val="100000"/>
-                <a:shade val="100000"/>
+                <a:shade val="86000"/>
+                <a:satMod val="130000"/>
+                <a:lumMod val="102000"/>
               </a:schemeClr>
             </a:gs>
             <a:gs pos="100000">
               <a:schemeClr val="phClr">
-                <a:lumMod val="99000"/>
-                <a:satMod val="120000"/>
-                <a:shade val="78000"/>
+                <a:shade val="72000"/>
+                <a:satMod val="130000"/>
+                <a:lumMod val="100000"/>
               </a:schemeClr>
             </a:gs>
           </a:gsLst>
@@ -3593,26 +6558,23 @@
         </a:gradFill>
       </a:fillStyleLst>
       <a:lnStyleLst>
-        <a:ln w="6350" cap="flat" cmpd="sng" algn="ctr">
-          <a:solidFill>
-            <a:schemeClr val="phClr"/>
-          </a:solidFill>
-          <a:prstDash val="solid"/>
-          <a:miter lim="800000"/>
-        </a:ln>
         <a:ln w="12700" cap="flat" cmpd="sng" algn="ctr">
           <a:solidFill>
             <a:schemeClr val="phClr"/>
           </a:solidFill>
           <a:prstDash val="solid"/>
-          <a:miter lim="800000"/>
         </a:ln>
         <a:ln w="19050" cap="flat" cmpd="sng" algn="ctr">
           <a:solidFill>
             <a:schemeClr val="phClr"/>
           </a:solidFill>
           <a:prstDash val="solid"/>
-          <a:miter lim="800000"/>
+        </a:ln>
+        <a:ln w="25400" cap="flat" cmpd="sng" algn="ctr">
+          <a:solidFill>
+            <a:schemeClr val="phClr"/>
+          </a:solidFill>
+          <a:prstDash val="solid"/>
         </a:ln>
       </a:lnStyleLst>
       <a:effectStyleLst>
@@ -3620,16 +6582,31 @@
           <a:effectLst/>
         </a:effectStyle>
         <a:effectStyle>
-          <a:effectLst/>
+          <a:effectLst>
+            <a:outerShdw blurRad="50800" dist="38100" dir="5400000" sy="96000" rotWithShape="0">
+              <a:srgbClr val="000000">
+                <a:alpha val="54000"/>
+              </a:srgbClr>
+            </a:outerShdw>
+          </a:effectLst>
         </a:effectStyle>
         <a:effectStyle>
           <a:effectLst>
-            <a:outerShdw blurRad="57150" dist="19050" dir="5400000" algn="ctr" rotWithShape="0">
+            <a:outerShdw blurRad="76200" dist="38100" dir="5400000" algn="ctr" rotWithShape="0">
               <a:srgbClr val="000000">
-                <a:alpha val="63000"/>
+                <a:alpha val="76000"/>
               </a:srgbClr>
             </a:outerShdw>
           </a:effectLst>
+          <a:scene3d>
+            <a:camera prst="orthographicFront">
+              <a:rot lat="0" lon="0" rev="0"/>
+            </a:camera>
+            <a:lightRig rig="balanced" dir="t"/>
+          </a:scene3d>
+          <a:sp3d prstMaterial="matte">
+            <a:bevelT w="25400" h="25400" prst="relaxedInset"/>
+          </a:sp3d>
         </a:effectStyle>
       </a:effectStyleLst>
       <a:bgFillStyleLst>
@@ -3642,33 +6619,23 @@
             <a:satMod val="170000"/>
           </a:schemeClr>
         </a:solidFill>
-        <a:gradFill rotWithShape="1">
-          <a:gsLst>
-            <a:gs pos="0">
+        <a:blipFill rotWithShape="1">
+          <a:blip xmlns:r="http://schemas.openxmlformats.org/officeDocument/2006/relationships" r:embed="rId1">
+            <a:duotone>
               <a:schemeClr val="phClr">
-                <a:tint val="93000"/>
-                <a:satMod val="150000"/>
-                <a:shade val="98000"/>
-                <a:lumMod val="102000"/>
+                <a:shade val="18000"/>
+                <a:satMod val="160000"/>
+                <a:lumMod val="28000"/>
               </a:schemeClr>
-            </a:gs>
-            <a:gs pos="50000">
               <a:schemeClr val="phClr">
-                <a:tint val="98000"/>
-                <a:satMod val="130000"/>
-                <a:shade val="90000"/>
-                <a:lumMod val="103000"/>
+                <a:tint val="95000"/>
+                <a:satMod val="160000"/>
+                <a:lumMod val="116000"/>
               </a:schemeClr>
-            </a:gs>
-            <a:gs pos="100000">
-              <a:schemeClr val="phClr">
-                <a:shade val="63000"/>
-                <a:satMod val="120000"/>
-              </a:schemeClr>
-            </a:gs>
-          </a:gsLst>
-          <a:lin ang="5400000" scaled="0"/>
-        </a:gradFill>
+            </a:duotone>
+          </a:blip>
+          <a:stretch/>
+        </a:blipFill>
       </a:bgFillStyleLst>
     </a:fmtScheme>
   </a:themeElements>
@@ -3676,7 +6643,7 @@
   <a:extraClrSchemeLst/>
   <a:extLst>
     <a:ext uri="{05A4C25C-085E-4340-85A3-A5531E510DB2}">
-      <thm15:themeFamily xmlns:thm15="http://schemas.microsoft.com/office/thememl/2012/main" name="Office Theme" id="{62F939B6-93AF-4DB8-9C6B-D6C7DFDC589F}" vid="{4A3C46E8-61CC-4603-A589-7422A47A8E4A}"/>
+      <thm15:themeFamily xmlns:thm15="http://schemas.microsoft.com/office/thememl/2012/main" name="Damask" id="{F9A299A0-33D0-4E0F-9F3F-7163E3744208}" vid="{746EEEEA-FB6A-406B-B510-531588D54811}"/>
     </a:ext>
   </a:extLst>
 </a:theme>

--- a/doc/presentations/TeamLead1.pptx
+++ b/doc/presentations/TeamLead1.pptx
@@ -6,9 +6,11 @@
   </p:sldMasterIdLst>
   <p:sldIdLst>
     <p:sldId id="256" r:id="rId2"/>
-    <p:sldId id="259" r:id="rId3"/>
-    <p:sldId id="260" r:id="rId4"/>
-    <p:sldId id="261" r:id="rId5"/>
+    <p:sldId id="262" r:id="rId3"/>
+    <p:sldId id="263" r:id="rId4"/>
+    <p:sldId id="259" r:id="rId5"/>
+    <p:sldId id="260" r:id="rId6"/>
+    <p:sldId id="261" r:id="rId7"/>
   </p:sldIdLst>
   <p:sldSz cx="12192000" cy="6858000"/>
   <p:notesSz cx="6858000" cy="9144000"/>
@@ -6040,7 +6042,7 @@
           <p:cNvPr id="2" name="Title 1">
             <a:extLst>
               <a:ext uri="{FF2B5EF4-FFF2-40B4-BE49-F238E27FC236}">
-                <a16:creationId xmlns:a16="http://schemas.microsoft.com/office/drawing/2014/main" id="{428BBBA5-6DD6-4F08-975B-DA1217941D6F}"/>
+                <a16:creationId xmlns:a16="http://schemas.microsoft.com/office/drawing/2014/main" id="{31F0C231-36A1-4D03-8A30-A233AB9E8B8D}"/>
               </a:ext>
             </a:extLst>
           </p:cNvPr>
@@ -6058,7 +6060,7 @@
           <a:p>
             <a:r>
               <a:rPr lang="en-US" dirty="0"/>
-              <a:t>Dungeon Jump</a:t>
+              <a:t>Git directory structure</a:t>
             </a:r>
           </a:p>
         </p:txBody>
@@ -6068,7 +6070,7 @@
           <p:cNvPr id="3" name="Content Placeholder 2">
             <a:extLst>
               <a:ext uri="{FF2B5EF4-FFF2-40B4-BE49-F238E27FC236}">
-                <a16:creationId xmlns:a16="http://schemas.microsoft.com/office/drawing/2014/main" id="{F91CA773-4366-43CA-9AF0-354C03998520}"/>
+                <a16:creationId xmlns:a16="http://schemas.microsoft.com/office/drawing/2014/main" id="{B6D0C4C0-DECA-47CA-A424-8707C09BB80B}"/>
               </a:ext>
             </a:extLst>
           </p:cNvPr>
@@ -6086,50 +6088,15 @@
           <a:p>
             <a:r>
               <a:rPr lang="en-US" dirty="0"/>
-              <a:t>2D top down/platformer hybrid</a:t>
-            </a:r>
-          </a:p>
-          <a:p>
-            <a:r>
-              <a:rPr lang="en-US" dirty="0"/>
-              <a:t>RPG</a:t>
-            </a:r>
-          </a:p>
-          <a:p>
-            <a:pPr lvl="1"/>
-            <a:r>
-              <a:rPr lang="en-US" dirty="0"/>
-              <a:t>HP</a:t>
-            </a:r>
-          </a:p>
-          <a:p>
-            <a:pPr lvl="1"/>
-            <a:r>
-              <a:rPr lang="en-US" dirty="0"/>
-              <a:t>Items</a:t>
-            </a:r>
-          </a:p>
-          <a:p>
-            <a:pPr lvl="1"/>
-            <a:r>
-              <a:rPr lang="en-US" dirty="0"/>
-              <a:t>Quests</a:t>
-            </a:r>
-          </a:p>
-          <a:p>
-            <a:pPr lvl="1"/>
-            <a:endParaRPr lang="en-US" dirty="0"/>
-          </a:p>
-          <a:p>
-            <a:pPr lvl="1"/>
-            <a:endParaRPr lang="en-US" dirty="0"/>
+              <a:t>To be demonstrated</a:t>
+            </a:r>
           </a:p>
         </p:txBody>
       </p:sp>
     </p:spTree>
     <p:extLst>
       <p:ext uri="{BB962C8B-B14F-4D97-AF65-F5344CB8AC3E}">
-        <p14:creationId xmlns:p14="http://schemas.microsoft.com/office/powerpoint/2010/main" val="1356696368"/>
+        <p14:creationId xmlns:p14="http://schemas.microsoft.com/office/powerpoint/2010/main" val="2137051432"/>
       </p:ext>
     </p:extLst>
   </p:cSld>
@@ -6161,6 +6128,242 @@
           <p:cNvPr id="2" name="Title 1">
             <a:extLst>
               <a:ext uri="{FF2B5EF4-FFF2-40B4-BE49-F238E27FC236}">
+                <a16:creationId xmlns:a16="http://schemas.microsoft.com/office/drawing/2014/main" id="{3432A596-3371-45B3-AB0A-C758982374EB}"/>
+              </a:ext>
+            </a:extLst>
+          </p:cNvPr>
+          <p:cNvSpPr>
+            <a:spLocks noGrp="1"/>
+          </p:cNvSpPr>
+          <p:nvPr>
+            <p:ph type="title"/>
+          </p:nvPr>
+        </p:nvSpPr>
+        <p:spPr/>
+        <p:txBody>
+          <a:bodyPr/>
+          <a:lstStyle/>
+          <a:p>
+            <a:r>
+              <a:rPr lang="en-US" dirty="0"/>
+              <a:t>Team member Git contributions</a:t>
+            </a:r>
+          </a:p>
+        </p:txBody>
+      </p:sp>
+      <p:sp>
+        <p:nvSpPr>
+          <p:cNvPr id="3" name="Content Placeholder 2">
+            <a:extLst>
+              <a:ext uri="{FF2B5EF4-FFF2-40B4-BE49-F238E27FC236}">
+                <a16:creationId xmlns:a16="http://schemas.microsoft.com/office/drawing/2014/main" id="{95C60663-E77A-486C-BC7A-6677F6DF47F0}"/>
+              </a:ext>
+            </a:extLst>
+          </p:cNvPr>
+          <p:cNvSpPr>
+            <a:spLocks noGrp="1"/>
+          </p:cNvSpPr>
+          <p:nvPr>
+            <p:ph idx="1"/>
+          </p:nvPr>
+        </p:nvSpPr>
+        <p:spPr/>
+        <p:txBody>
+          <a:bodyPr/>
+          <a:lstStyle/>
+          <a:p>
+            <a:r>
+              <a:rPr lang="en-US" dirty="0"/>
+              <a:t>To be demonstrated</a:t>
+            </a:r>
+          </a:p>
+          <a:p>
+            <a:pPr lvl="1"/>
+            <a:r>
+              <a:rPr lang="en-US" dirty="0"/>
+              <a:t>/</a:t>
+            </a:r>
+            <a:r>
+              <a:rPr lang="en-US" dirty="0" err="1"/>
+              <a:t>src</a:t>
+            </a:r>
+            <a:r>
+              <a:rPr lang="en-US" dirty="0"/>
+              <a:t> readme</a:t>
+            </a:r>
+          </a:p>
+          <a:p>
+            <a:pPr lvl="1"/>
+            <a:r>
+              <a:rPr lang="en-US" dirty="0"/>
+              <a:t>/doc Git manual</a:t>
+            </a:r>
+          </a:p>
+          <a:p>
+            <a:pPr lvl="1"/>
+            <a:r>
+              <a:rPr lang="en-US" dirty="0"/>
+              <a:t>/doc Champion documents</a:t>
+            </a:r>
+          </a:p>
+        </p:txBody>
+      </p:sp>
+    </p:spTree>
+    <p:extLst>
+      <p:ext uri="{BB962C8B-B14F-4D97-AF65-F5344CB8AC3E}">
+        <p14:creationId xmlns:p14="http://schemas.microsoft.com/office/powerpoint/2010/main" val="4233043282"/>
+      </p:ext>
+    </p:extLst>
+  </p:cSld>
+  <p:clrMapOvr>
+    <a:masterClrMapping/>
+  </p:clrMapOvr>
+</p:sld>
+</file>
+
+<file path=ppt/slides/slide4.xml><?xml version="1.0" encoding="utf-8"?>
+<p:sld xmlns:a="http://schemas.openxmlformats.org/drawingml/2006/main" xmlns:r="http://schemas.openxmlformats.org/officeDocument/2006/relationships" xmlns:p="http://schemas.openxmlformats.org/presentationml/2006/main">
+  <p:cSld>
+    <p:spTree>
+      <p:nvGrpSpPr>
+        <p:cNvPr id="1" name=""/>
+        <p:cNvGrpSpPr/>
+        <p:nvPr/>
+      </p:nvGrpSpPr>
+      <p:grpSpPr>
+        <a:xfrm>
+          <a:off x="0" y="0"/>
+          <a:ext cx="0" cy="0"/>
+          <a:chOff x="0" y="0"/>
+          <a:chExt cx="0" cy="0"/>
+        </a:xfrm>
+      </p:grpSpPr>
+      <p:sp>
+        <p:nvSpPr>
+          <p:cNvPr id="2" name="Title 1">
+            <a:extLst>
+              <a:ext uri="{FF2B5EF4-FFF2-40B4-BE49-F238E27FC236}">
+                <a16:creationId xmlns:a16="http://schemas.microsoft.com/office/drawing/2014/main" id="{428BBBA5-6DD6-4F08-975B-DA1217941D6F}"/>
+              </a:ext>
+            </a:extLst>
+          </p:cNvPr>
+          <p:cNvSpPr>
+            <a:spLocks noGrp="1"/>
+          </p:cNvSpPr>
+          <p:nvPr>
+            <p:ph type="title"/>
+          </p:nvPr>
+        </p:nvSpPr>
+        <p:spPr/>
+        <p:txBody>
+          <a:bodyPr/>
+          <a:lstStyle/>
+          <a:p>
+            <a:r>
+              <a:rPr lang="en-US" dirty="0"/>
+              <a:t>Dungeon Jump</a:t>
+            </a:r>
+          </a:p>
+        </p:txBody>
+      </p:sp>
+      <p:sp>
+        <p:nvSpPr>
+          <p:cNvPr id="3" name="Content Placeholder 2">
+            <a:extLst>
+              <a:ext uri="{FF2B5EF4-FFF2-40B4-BE49-F238E27FC236}">
+                <a16:creationId xmlns:a16="http://schemas.microsoft.com/office/drawing/2014/main" id="{F91CA773-4366-43CA-9AF0-354C03998520}"/>
+              </a:ext>
+            </a:extLst>
+          </p:cNvPr>
+          <p:cNvSpPr>
+            <a:spLocks noGrp="1"/>
+          </p:cNvSpPr>
+          <p:nvPr>
+            <p:ph idx="1"/>
+          </p:nvPr>
+        </p:nvSpPr>
+        <p:spPr/>
+        <p:txBody>
+          <a:bodyPr/>
+          <a:lstStyle/>
+          <a:p>
+            <a:r>
+              <a:rPr lang="en-US" dirty="0"/>
+              <a:t>2D top down/platformer hybrid</a:t>
+            </a:r>
+          </a:p>
+          <a:p>
+            <a:r>
+              <a:rPr lang="en-US" dirty="0"/>
+              <a:t>RPG</a:t>
+            </a:r>
+          </a:p>
+          <a:p>
+            <a:pPr lvl="1"/>
+            <a:r>
+              <a:rPr lang="en-US" dirty="0"/>
+              <a:t>HP</a:t>
+            </a:r>
+          </a:p>
+          <a:p>
+            <a:pPr lvl="1"/>
+            <a:r>
+              <a:rPr lang="en-US" dirty="0"/>
+              <a:t>Items</a:t>
+            </a:r>
+          </a:p>
+          <a:p>
+            <a:pPr lvl="1"/>
+            <a:r>
+              <a:rPr lang="en-US" dirty="0"/>
+              <a:t>Quests</a:t>
+            </a:r>
+          </a:p>
+          <a:p>
+            <a:pPr lvl="1"/>
+            <a:endParaRPr lang="en-US" dirty="0"/>
+          </a:p>
+          <a:p>
+            <a:pPr lvl="1"/>
+            <a:endParaRPr lang="en-US" dirty="0"/>
+          </a:p>
+        </p:txBody>
+      </p:sp>
+    </p:spTree>
+    <p:extLst>
+      <p:ext uri="{BB962C8B-B14F-4D97-AF65-F5344CB8AC3E}">
+        <p14:creationId xmlns:p14="http://schemas.microsoft.com/office/powerpoint/2010/main" val="1356696368"/>
+      </p:ext>
+    </p:extLst>
+  </p:cSld>
+  <p:clrMapOvr>
+    <a:masterClrMapping/>
+  </p:clrMapOvr>
+</p:sld>
+</file>
+
+<file path=ppt/slides/slide5.xml><?xml version="1.0" encoding="utf-8"?>
+<p:sld xmlns:a="http://schemas.openxmlformats.org/drawingml/2006/main" xmlns:r="http://schemas.openxmlformats.org/officeDocument/2006/relationships" xmlns:p="http://schemas.openxmlformats.org/presentationml/2006/main">
+  <p:cSld>
+    <p:spTree>
+      <p:nvGrpSpPr>
+        <p:cNvPr id="1" name=""/>
+        <p:cNvGrpSpPr/>
+        <p:nvPr/>
+      </p:nvGrpSpPr>
+      <p:grpSpPr>
+        <a:xfrm>
+          <a:off x="0" y="0"/>
+          <a:ext cx="0" cy="0"/>
+          <a:chOff x="0" y="0"/>
+          <a:chExt cx="0" cy="0"/>
+        </a:xfrm>
+      </p:grpSpPr>
+      <p:sp>
+        <p:nvSpPr>
+          <p:cNvPr id="2" name="Title 1">
+            <a:extLst>
+              <a:ext uri="{FF2B5EF4-FFF2-40B4-BE49-F238E27FC236}">
                 <a16:creationId xmlns:a16="http://schemas.microsoft.com/office/drawing/2014/main" id="{1D961AA5-3C49-4D59-AA60-02DD873CE6B6}"/>
               </a:ext>
             </a:extLst>
@@ -6269,7 +6472,7 @@
 </p:sld>
 </file>
 
-<file path=ppt/slides/slide4.xml><?xml version="1.0" encoding="utf-8"?>
+<file path=ppt/slides/slide6.xml><?xml version="1.0" encoding="utf-8"?>
 <p:sld xmlns:a="http://schemas.openxmlformats.org/drawingml/2006/main" xmlns:r="http://schemas.openxmlformats.org/officeDocument/2006/relationships" xmlns:p="http://schemas.openxmlformats.org/presentationml/2006/main">
   <p:cSld>
     <p:spTree>
